--- a/Questions-Kodeeshwaran-format/Kodeeshwaran4-Space-Tech-Age-7-to-14.pptx
+++ b/Questions-Kodeeshwaran-format/Kodeeshwaran4-Space-Tech-Age-7-to-14.pptx
@@ -5,35 +5,36 @@
     <p:sldMasterId id="2147483648" r:id="rId1"/>
   </p:sldMasterIdLst>
   <p:notesMasterIdLst>
-    <p:notesMasterId r:id="rId28"/>
+    <p:notesMasterId r:id="rId29"/>
   </p:notesMasterIdLst>
   <p:sldIdLst>
-    <p:sldId id="304" r:id="rId2"/>
-    <p:sldId id="297" r:id="rId3"/>
-    <p:sldId id="256" r:id="rId4"/>
-    <p:sldId id="293" r:id="rId5"/>
-    <p:sldId id="260" r:id="rId6"/>
-    <p:sldId id="294" r:id="rId7"/>
-    <p:sldId id="264" r:id="rId8"/>
-    <p:sldId id="300" r:id="rId9"/>
-    <p:sldId id="268" r:id="rId10"/>
-    <p:sldId id="298" r:id="rId11"/>
-    <p:sldId id="272" r:id="rId12"/>
-    <p:sldId id="257" r:id="rId13"/>
-    <p:sldId id="277" r:id="rId14"/>
-    <p:sldId id="261" r:id="rId15"/>
-    <p:sldId id="280" r:id="rId16"/>
-    <p:sldId id="292" r:id="rId17"/>
-    <p:sldId id="283" r:id="rId18"/>
-    <p:sldId id="295" r:id="rId19"/>
-    <p:sldId id="286" r:id="rId20"/>
-    <p:sldId id="291" r:id="rId21"/>
-    <p:sldId id="301" r:id="rId22"/>
-    <p:sldId id="299" r:id="rId23"/>
-    <p:sldId id="302" r:id="rId24"/>
-    <p:sldId id="296" r:id="rId25"/>
-    <p:sldId id="305" r:id="rId26"/>
-    <p:sldId id="303" r:id="rId27"/>
+    <p:sldId id="317" r:id="rId2"/>
+    <p:sldId id="304" r:id="rId3"/>
+    <p:sldId id="297" r:id="rId4"/>
+    <p:sldId id="256" r:id="rId5"/>
+    <p:sldId id="293" r:id="rId6"/>
+    <p:sldId id="260" r:id="rId7"/>
+    <p:sldId id="294" r:id="rId8"/>
+    <p:sldId id="264" r:id="rId9"/>
+    <p:sldId id="300" r:id="rId10"/>
+    <p:sldId id="268" r:id="rId11"/>
+    <p:sldId id="298" r:id="rId12"/>
+    <p:sldId id="272" r:id="rId13"/>
+    <p:sldId id="257" r:id="rId14"/>
+    <p:sldId id="277" r:id="rId15"/>
+    <p:sldId id="261" r:id="rId16"/>
+    <p:sldId id="280" r:id="rId17"/>
+    <p:sldId id="292" r:id="rId18"/>
+    <p:sldId id="283" r:id="rId19"/>
+    <p:sldId id="295" r:id="rId20"/>
+    <p:sldId id="286" r:id="rId21"/>
+    <p:sldId id="291" r:id="rId22"/>
+    <p:sldId id="301" r:id="rId23"/>
+    <p:sldId id="299" r:id="rId24"/>
+    <p:sldId id="302" r:id="rId25"/>
+    <p:sldId id="296" r:id="rId26"/>
+    <p:sldId id="305" r:id="rId27"/>
+    <p:sldId id="303" r:id="rId28"/>
   </p:sldIdLst>
   <p:sldSz cx="9144000" cy="6858000" type="screen4x3"/>
   <p:notesSz cx="9144000" cy="6858000"/>
@@ -154,7 +155,7 @@
 <file path=ppt/revisionInfo.xml><?xml version="1.0" encoding="utf-8"?>
 <p1510:revInfo xmlns:a="http://schemas.openxmlformats.org/drawingml/2006/main" xmlns:r="http://schemas.openxmlformats.org/officeDocument/2006/relationships" xmlns:p1510="http://schemas.microsoft.com/office/powerpoint/2015/10/main">
   <p1510:revLst>
-    <p1510:client id="{25D467C0-D2D7-44EA-B4D2-3B4B274EF617}" v="6" dt="2020-04-01T11:26:48.704"/>
+    <p1510:client id="{25D467C0-D2D7-44EA-B4D2-3B4B274EF617}" v="7" dt="2020-04-01T15:21:37.285"/>
   </p1510:revLst>
 </p1510:revInfo>
 </file>
@@ -325,7 +326,7 @@
     </p:spTree>
     <p:extLst>
       <p:ext uri="{BB962C8B-B14F-4D97-AF65-F5344CB8AC3E}">
-        <p14:creationId xmlns:p14="http://schemas.microsoft.com/office/powerpoint/2010/main" val="2948235771"/>
+        <p14:creationId xmlns:p14="http://schemas.microsoft.com/office/powerpoint/2010/main" val="2675838912"/>
       </p:ext>
     </p:extLst>
   </p:cSld>
@@ -374,11 +375,6 @@
         </p:txBody>
       </p:sp>
     </p:spTree>
-    <p:extLst>
-      <p:ext uri="{BB962C8B-B14F-4D97-AF65-F5344CB8AC3E}">
-        <p14:creationId xmlns:p14="http://schemas.microsoft.com/office/powerpoint/2010/main" val="415059509"/>
-      </p:ext>
-    </p:extLst>
   </p:cSld>
   <p:clrMapOvr>
     <a:masterClrMapping/>
@@ -425,6 +421,11 @@
         </p:txBody>
       </p:sp>
     </p:spTree>
+    <p:extLst>
+      <p:ext uri="{BB962C8B-B14F-4D97-AF65-F5344CB8AC3E}">
+        <p14:creationId xmlns:p14="http://schemas.microsoft.com/office/powerpoint/2010/main" val="415059509"/>
+      </p:ext>
+    </p:extLst>
   </p:cSld>
   <p:clrMapOvr>
     <a:masterClrMapping/>
@@ -655,11 +656,6 @@
         </p:txBody>
       </p:sp>
     </p:spTree>
-    <p:extLst>
-      <p:ext uri="{BB962C8B-B14F-4D97-AF65-F5344CB8AC3E}">
-        <p14:creationId xmlns:p14="http://schemas.microsoft.com/office/powerpoint/2010/main" val="1871387013"/>
-      </p:ext>
-    </p:extLst>
   </p:cSld>
   <p:clrMapOvr>
     <a:masterClrMapping/>
@@ -706,6 +702,11 @@
         </p:txBody>
       </p:sp>
     </p:spTree>
+    <p:extLst>
+      <p:ext uri="{BB962C8B-B14F-4D97-AF65-F5344CB8AC3E}">
+        <p14:creationId xmlns:p14="http://schemas.microsoft.com/office/powerpoint/2010/main" val="1871387013"/>
+      </p:ext>
+    </p:extLst>
   </p:cSld>
   <p:clrMapOvr>
     <a:masterClrMapping/>
@@ -714,6 +715,52 @@
 </file>
 
 <file path=ppt/notesSlides/notesSlide18.xml><?xml version="1.0" encoding="utf-8"?>
+<p:notes xmlns:a="http://schemas.openxmlformats.org/drawingml/2006/main" xmlns:r="http://schemas.openxmlformats.org/officeDocument/2006/relationships" xmlns:p="http://schemas.openxmlformats.org/presentationml/2006/main">
+  <p:cSld>
+    <p:spTree>
+      <p:nvGrpSpPr>
+        <p:cNvPr id="1" name=""/>
+        <p:cNvGrpSpPr/>
+        <p:nvPr/>
+      </p:nvGrpSpPr>
+      <p:grpSpPr>
+        <a:xfrm>
+          <a:off x="0" y="0"/>
+          <a:ext cx="0" cy="0"/>
+          <a:chOff x="0" y="0"/>
+          <a:chExt cx="0" cy="0"/>
+        </a:xfrm>
+      </p:grpSpPr>
+      <p:sp>
+        <p:nvSpPr>
+          <p:cNvPr id="2" name="Notes Placeholder"/>
+          <p:cNvSpPr>
+            <a:spLocks noGrp="1"/>
+          </p:cNvSpPr>
+          <p:nvPr>
+            <p:ph type="body" idx="1"/>
+          </p:nvPr>
+        </p:nvSpPr>
+        <p:spPr/>
+        <p:txBody>
+          <a:bodyPr>
+            <a:normAutofit fontScale="25000" lnSpcReduction="20000"/>
+          </a:bodyPr>
+          <a:lstStyle/>
+          <a:p>
+            <a:endParaRPr/>
+          </a:p>
+        </p:txBody>
+      </p:sp>
+    </p:spTree>
+  </p:cSld>
+  <p:clrMapOvr>
+    <a:masterClrMapping/>
+  </p:clrMapOvr>
+</p:notes>
+</file>
+
+<file path=ppt/notesSlides/notesSlide19.xml><?xml version="1.0" encoding="utf-8"?>
 <p:notes xmlns:a="http://schemas.openxmlformats.org/drawingml/2006/main" xmlns:r="http://schemas.openxmlformats.org/officeDocument/2006/relationships" xmlns:p="http://schemas.openxmlformats.org/presentationml/2006/main">
   <p:cSld>
     <p:spTree>
@@ -764,7 +811,58 @@
 </p:notes>
 </file>
 
-<file path=ppt/notesSlides/notesSlide19.xml><?xml version="1.0" encoding="utf-8"?>
+<file path=ppt/notesSlides/notesSlide2.xml><?xml version="1.0" encoding="utf-8"?>
+<p:notes xmlns:a="http://schemas.openxmlformats.org/drawingml/2006/main" xmlns:r="http://schemas.openxmlformats.org/officeDocument/2006/relationships" xmlns:p="http://schemas.openxmlformats.org/presentationml/2006/main">
+  <p:cSld>
+    <p:spTree>
+      <p:nvGrpSpPr>
+        <p:cNvPr id="1" name=""/>
+        <p:cNvGrpSpPr/>
+        <p:nvPr/>
+      </p:nvGrpSpPr>
+      <p:grpSpPr>
+        <a:xfrm>
+          <a:off x="0" y="0"/>
+          <a:ext cx="0" cy="0"/>
+          <a:chOff x="0" y="0"/>
+          <a:chExt cx="0" cy="0"/>
+        </a:xfrm>
+      </p:grpSpPr>
+      <p:sp>
+        <p:nvSpPr>
+          <p:cNvPr id="2" name="Notes Placeholder"/>
+          <p:cNvSpPr>
+            <a:spLocks noGrp="1"/>
+          </p:cNvSpPr>
+          <p:nvPr>
+            <p:ph type="body" idx="1"/>
+          </p:nvPr>
+        </p:nvSpPr>
+        <p:spPr/>
+        <p:txBody>
+          <a:bodyPr>
+            <a:normAutofit fontScale="25000" lnSpcReduction="20000"/>
+          </a:bodyPr>
+          <a:lstStyle/>
+          <a:p>
+            <a:endParaRPr/>
+          </a:p>
+        </p:txBody>
+      </p:sp>
+    </p:spTree>
+    <p:extLst>
+      <p:ext uri="{BB962C8B-B14F-4D97-AF65-F5344CB8AC3E}">
+        <p14:creationId xmlns:p14="http://schemas.microsoft.com/office/powerpoint/2010/main" val="2948235771"/>
+      </p:ext>
+    </p:extLst>
+  </p:cSld>
+  <p:clrMapOvr>
+    <a:masterClrMapping/>
+  </p:clrMapOvr>
+</p:notes>
+</file>
+
+<file path=ppt/notesSlides/notesSlide20.xml><?xml version="1.0" encoding="utf-8"?>
 <p:notes xmlns:a="http://schemas.openxmlformats.org/drawingml/2006/main" xmlns:r="http://schemas.openxmlformats.org/officeDocument/2006/relationships" xmlns:p="http://schemas.openxmlformats.org/presentationml/2006/main">
   <p:cSld>
     <p:spTree>
@@ -810,58 +908,7 @@
 </p:notes>
 </file>
 
-<file path=ppt/notesSlides/notesSlide2.xml><?xml version="1.0" encoding="utf-8"?>
-<p:notes xmlns:a="http://schemas.openxmlformats.org/drawingml/2006/main" xmlns:r="http://schemas.openxmlformats.org/officeDocument/2006/relationships" xmlns:p="http://schemas.openxmlformats.org/presentationml/2006/main">
-  <p:cSld>
-    <p:spTree>
-      <p:nvGrpSpPr>
-        <p:cNvPr id="1" name=""/>
-        <p:cNvGrpSpPr/>
-        <p:nvPr/>
-      </p:nvGrpSpPr>
-      <p:grpSpPr>
-        <a:xfrm>
-          <a:off x="0" y="0"/>
-          <a:ext cx="0" cy="0"/>
-          <a:chOff x="0" y="0"/>
-          <a:chExt cx="0" cy="0"/>
-        </a:xfrm>
-      </p:grpSpPr>
-      <p:sp>
-        <p:nvSpPr>
-          <p:cNvPr id="2" name="Notes Placeholder"/>
-          <p:cNvSpPr>
-            <a:spLocks noGrp="1"/>
-          </p:cNvSpPr>
-          <p:nvPr>
-            <p:ph type="body" idx="1"/>
-          </p:nvPr>
-        </p:nvSpPr>
-        <p:spPr/>
-        <p:txBody>
-          <a:bodyPr>
-            <a:normAutofit fontScale="25000" lnSpcReduction="20000"/>
-          </a:bodyPr>
-          <a:lstStyle/>
-          <a:p>
-            <a:endParaRPr/>
-          </a:p>
-        </p:txBody>
-      </p:sp>
-    </p:spTree>
-    <p:extLst>
-      <p:ext uri="{BB962C8B-B14F-4D97-AF65-F5344CB8AC3E}">
-        <p14:creationId xmlns:p14="http://schemas.microsoft.com/office/powerpoint/2010/main" val="30669630"/>
-      </p:ext>
-    </p:extLst>
-  </p:cSld>
-  <p:clrMapOvr>
-    <a:masterClrMapping/>
-  </p:clrMapOvr>
-</p:notes>
-</file>
-
-<file path=ppt/notesSlides/notesSlide20.xml><?xml version="1.0" encoding="utf-8"?>
+<file path=ppt/notesSlides/notesSlide21.xml><?xml version="1.0" encoding="utf-8"?>
 <p:notes xmlns:a="http://schemas.openxmlformats.org/drawingml/2006/main" xmlns:r="http://schemas.openxmlformats.org/officeDocument/2006/relationships" xmlns:p="http://schemas.openxmlformats.org/presentationml/2006/main">
   <p:cSld>
     <p:spTree>
@@ -912,7 +959,7 @@
 </p:notes>
 </file>
 
-<file path=ppt/notesSlides/notesSlide21.xml><?xml version="1.0" encoding="utf-8"?>
+<file path=ppt/notesSlides/notesSlide22.xml><?xml version="1.0" encoding="utf-8"?>
 <p:notes xmlns:a="http://schemas.openxmlformats.org/drawingml/2006/main" xmlns:r="http://schemas.openxmlformats.org/officeDocument/2006/relationships" xmlns:p="http://schemas.openxmlformats.org/presentationml/2006/main">
   <p:cSld>
     <p:spTree>
@@ -963,7 +1010,7 @@
 </p:notes>
 </file>
 
-<file path=ppt/notesSlides/notesSlide22.xml><?xml version="1.0" encoding="utf-8"?>
+<file path=ppt/notesSlides/notesSlide23.xml><?xml version="1.0" encoding="utf-8"?>
 <p:notes xmlns:a="http://schemas.openxmlformats.org/drawingml/2006/main" xmlns:r="http://schemas.openxmlformats.org/officeDocument/2006/relationships" xmlns:p="http://schemas.openxmlformats.org/presentationml/2006/main">
   <p:cSld>
     <p:spTree>
@@ -1014,7 +1061,7 @@
 </p:notes>
 </file>
 
-<file path=ppt/notesSlides/notesSlide23.xml><?xml version="1.0" encoding="utf-8"?>
+<file path=ppt/notesSlides/notesSlide24.xml><?xml version="1.0" encoding="utf-8"?>
 <p:notes xmlns:a="http://schemas.openxmlformats.org/drawingml/2006/main" xmlns:r="http://schemas.openxmlformats.org/officeDocument/2006/relationships" xmlns:p="http://schemas.openxmlformats.org/presentationml/2006/main">
   <p:cSld>
     <p:spTree>
@@ -1065,7 +1112,7 @@
 </p:notes>
 </file>
 
-<file path=ppt/notesSlides/notesSlide24.xml><?xml version="1.0" encoding="utf-8"?>
+<file path=ppt/notesSlides/notesSlide25.xml><?xml version="1.0" encoding="utf-8"?>
 <p:notes xmlns:a="http://schemas.openxmlformats.org/drawingml/2006/main" xmlns:r="http://schemas.openxmlformats.org/officeDocument/2006/relationships" xmlns:p="http://schemas.openxmlformats.org/presentationml/2006/main">
   <p:cSld>
     <p:spTree>
@@ -1116,7 +1163,7 @@
 </p:notes>
 </file>
 
-<file path=ppt/notesSlides/notesSlide25.xml><?xml version="1.0" encoding="utf-8"?>
+<file path=ppt/notesSlides/notesSlide26.xml><?xml version="1.0" encoding="utf-8"?>
 <p:notes xmlns:a="http://schemas.openxmlformats.org/drawingml/2006/main" xmlns:r="http://schemas.openxmlformats.org/officeDocument/2006/relationships" xmlns:p="http://schemas.openxmlformats.org/presentationml/2006/main">
   <p:cSld>
     <p:spTree>
@@ -1167,7 +1214,7 @@
 </p:notes>
 </file>
 
-<file path=ppt/notesSlides/notesSlide26.xml><?xml version="1.0" encoding="utf-8"?>
+<file path=ppt/notesSlides/notesSlide27.xml><?xml version="1.0" encoding="utf-8"?>
 <p:notes xmlns:a="http://schemas.openxmlformats.org/drawingml/2006/main" xmlns:r="http://schemas.openxmlformats.org/officeDocument/2006/relationships" xmlns:p="http://schemas.openxmlformats.org/presentationml/2006/main">
   <p:cSld>
     <p:spTree>
@@ -1257,6 +1304,11 @@
         </p:txBody>
       </p:sp>
     </p:spTree>
+    <p:extLst>
+      <p:ext uri="{BB962C8B-B14F-4D97-AF65-F5344CB8AC3E}">
+        <p14:creationId xmlns:p14="http://schemas.microsoft.com/office/powerpoint/2010/main" val="30669630"/>
+      </p:ext>
+    </p:extLst>
   </p:cSld>
   <p:clrMapOvr>
     <a:masterClrMapping/>
@@ -1265,6 +1317,52 @@
 </file>
 
 <file path=ppt/notesSlides/notesSlide4.xml><?xml version="1.0" encoding="utf-8"?>
+<p:notes xmlns:a="http://schemas.openxmlformats.org/drawingml/2006/main" xmlns:r="http://schemas.openxmlformats.org/officeDocument/2006/relationships" xmlns:p="http://schemas.openxmlformats.org/presentationml/2006/main">
+  <p:cSld>
+    <p:spTree>
+      <p:nvGrpSpPr>
+        <p:cNvPr id="1" name=""/>
+        <p:cNvGrpSpPr/>
+        <p:nvPr/>
+      </p:nvGrpSpPr>
+      <p:grpSpPr>
+        <a:xfrm>
+          <a:off x="0" y="0"/>
+          <a:ext cx="0" cy="0"/>
+          <a:chOff x="0" y="0"/>
+          <a:chExt cx="0" cy="0"/>
+        </a:xfrm>
+      </p:grpSpPr>
+      <p:sp>
+        <p:nvSpPr>
+          <p:cNvPr id="2" name="Notes Placeholder"/>
+          <p:cNvSpPr>
+            <a:spLocks noGrp="1"/>
+          </p:cNvSpPr>
+          <p:nvPr>
+            <p:ph type="body" idx="1"/>
+          </p:nvPr>
+        </p:nvSpPr>
+        <p:spPr/>
+        <p:txBody>
+          <a:bodyPr>
+            <a:normAutofit fontScale="25000" lnSpcReduction="20000"/>
+          </a:bodyPr>
+          <a:lstStyle/>
+          <a:p>
+            <a:endParaRPr/>
+          </a:p>
+        </p:txBody>
+      </p:sp>
+    </p:spTree>
+  </p:cSld>
+  <p:clrMapOvr>
+    <a:masterClrMapping/>
+  </p:clrMapOvr>
+</p:notes>
+</file>
+
+<file path=ppt/notesSlides/notesSlide5.xml><?xml version="1.0" encoding="utf-8"?>
 <p:notes xmlns:a="http://schemas.openxmlformats.org/drawingml/2006/main" xmlns:r="http://schemas.openxmlformats.org/officeDocument/2006/relationships" xmlns:p="http://schemas.openxmlformats.org/presentationml/2006/main">
   <p:cSld>
     <p:spTree>
@@ -1315,7 +1413,7 @@
 </p:notes>
 </file>
 
-<file path=ppt/notesSlides/notesSlide5.xml><?xml version="1.0" encoding="utf-8"?>
+<file path=ppt/notesSlides/notesSlide6.xml><?xml version="1.0" encoding="utf-8"?>
 <p:notes xmlns:a="http://schemas.openxmlformats.org/drawingml/2006/main" xmlns:r="http://schemas.openxmlformats.org/officeDocument/2006/relationships" xmlns:p="http://schemas.openxmlformats.org/presentationml/2006/main">
   <p:cSld>
     <p:spTree>
@@ -1361,7 +1459,7 @@
 </p:notes>
 </file>
 
-<file path=ppt/notesSlides/notesSlide6.xml><?xml version="1.0" encoding="utf-8"?>
+<file path=ppt/notesSlides/notesSlide7.xml><?xml version="1.0" encoding="utf-8"?>
 <p:notes xmlns:a="http://schemas.openxmlformats.org/drawingml/2006/main" xmlns:r="http://schemas.openxmlformats.org/officeDocument/2006/relationships" xmlns:p="http://schemas.openxmlformats.org/presentationml/2006/main">
   <p:cSld>
     <p:spTree>
@@ -1412,52 +1510,6 @@
 </p:notes>
 </file>
 
-<file path=ppt/notesSlides/notesSlide7.xml><?xml version="1.0" encoding="utf-8"?>
-<p:notes xmlns:a="http://schemas.openxmlformats.org/drawingml/2006/main" xmlns:r="http://schemas.openxmlformats.org/officeDocument/2006/relationships" xmlns:p="http://schemas.openxmlformats.org/presentationml/2006/main">
-  <p:cSld>
-    <p:spTree>
-      <p:nvGrpSpPr>
-        <p:cNvPr id="1" name=""/>
-        <p:cNvGrpSpPr/>
-        <p:nvPr/>
-      </p:nvGrpSpPr>
-      <p:grpSpPr>
-        <a:xfrm>
-          <a:off x="0" y="0"/>
-          <a:ext cx="0" cy="0"/>
-          <a:chOff x="0" y="0"/>
-          <a:chExt cx="0" cy="0"/>
-        </a:xfrm>
-      </p:grpSpPr>
-      <p:sp>
-        <p:nvSpPr>
-          <p:cNvPr id="2" name="Notes Placeholder"/>
-          <p:cNvSpPr>
-            <a:spLocks noGrp="1"/>
-          </p:cNvSpPr>
-          <p:nvPr>
-            <p:ph type="body" idx="1"/>
-          </p:nvPr>
-        </p:nvSpPr>
-        <p:spPr/>
-        <p:txBody>
-          <a:bodyPr>
-            <a:normAutofit fontScale="25000" lnSpcReduction="20000"/>
-          </a:bodyPr>
-          <a:lstStyle/>
-          <a:p>
-            <a:endParaRPr/>
-          </a:p>
-        </p:txBody>
-      </p:sp>
-    </p:spTree>
-  </p:cSld>
-  <p:clrMapOvr>
-    <a:masterClrMapping/>
-  </p:clrMapOvr>
-</p:notes>
-</file>
-
 <file path=ppt/notesSlides/notesSlide8.xml><?xml version="1.0" encoding="utf-8"?>
 <p:notes xmlns:a="http://schemas.openxmlformats.org/drawingml/2006/main" xmlns:r="http://schemas.openxmlformats.org/officeDocument/2006/relationships" xmlns:p="http://schemas.openxmlformats.org/presentationml/2006/main">
   <p:cSld>
@@ -1497,11 +1549,6 @@
         </p:txBody>
       </p:sp>
     </p:spTree>
-    <p:extLst>
-      <p:ext uri="{BB962C8B-B14F-4D97-AF65-F5344CB8AC3E}">
-        <p14:creationId xmlns:p14="http://schemas.microsoft.com/office/powerpoint/2010/main" val="66786430"/>
-      </p:ext>
-    </p:extLst>
   </p:cSld>
   <p:clrMapOvr>
     <a:masterClrMapping/>
@@ -1548,6 +1595,11 @@
         </p:txBody>
       </p:sp>
     </p:spTree>
+    <p:extLst>
+      <p:ext uri="{BB962C8B-B14F-4D97-AF65-F5344CB8AC3E}">
+        <p14:creationId xmlns:p14="http://schemas.microsoft.com/office/powerpoint/2010/main" val="66786430"/>
+      </p:ext>
+    </p:extLst>
   </p:cSld>
   <p:clrMapOvr>
     <a:masterClrMapping/>
@@ -2835,40 +2887,296 @@
       </p:grpSpPr>
       <p:sp>
         <p:nvSpPr>
-          <p:cNvPr id="3" name="object 3"/>
+          <p:cNvPr id="14" name="Rectangle 13">
+            <a:extLst>
+              <a:ext uri="{FF2B5EF4-FFF2-40B4-BE49-F238E27FC236}">
+                <a16:creationId xmlns:a16="http://schemas.microsoft.com/office/drawing/2014/main" id="{9330D9C9-29DF-4DEA-BE9F-ED2CE288FC1A}"/>
+              </a:ext>
+            </a:extLst>
+          </p:cNvPr>
           <p:cNvSpPr/>
           <p:nvPr/>
         </p:nvSpPr>
         <p:spPr>
           <a:xfrm>
-            <a:off x="1371600" y="11937"/>
-            <a:ext cx="5518404" cy="1435861"/>
+            <a:off x="1485900" y="1943100"/>
+            <a:ext cx="5657850" cy="2057400"/>
           </a:xfrm>
           <a:prstGeom prst="rect">
             <a:avLst/>
           </a:prstGeom>
-          <a:blipFill>
-            <a:blip r:embed="rId3" cstate="print"/>
-            <a:stretch>
-              <a:fillRect/>
-            </a:stretch>
-          </a:blipFill>
+          <a:noFill/>
+          <a:ln>
+            <a:noFill/>
+          </a:ln>
         </p:spPr>
+        <p:style>
+          <a:lnRef idx="2">
+            <a:schemeClr val="accent1">
+              <a:shade val="50000"/>
+            </a:schemeClr>
+          </a:lnRef>
+          <a:fillRef idx="1">
+            <a:schemeClr val="accent1"/>
+          </a:fillRef>
+          <a:effectRef idx="0">
+            <a:schemeClr val="accent1"/>
+          </a:effectRef>
+          <a:fontRef idx="minor">
+            <a:schemeClr val="lt1"/>
+          </a:fontRef>
+        </p:style>
         <p:txBody>
-          <a:bodyPr wrap="square" lIns="0" tIns="0" rIns="0" bIns="0" rtlCol="0"/>
+          <a:bodyPr rot="0" spcFirstLastPara="0" vertOverflow="overflow" horzOverflow="overflow" vert="horz" wrap="square" lIns="68580" tIns="34290" rIns="68580" bIns="34290" numCol="1" spcCol="0" rtlCol="0" fromWordArt="0" anchor="ctr" anchorCtr="0" forceAA="0" compatLnSpc="1">
+            <a:prstTxWarp prst="textNoShape">
+              <a:avLst/>
+            </a:prstTxWarp>
+            <a:noAutofit/>
+          </a:bodyPr>
           <a:lstStyle/>
           <a:p>
-            <a:endParaRPr/>
+            <a:pPr algn="ctr"/>
+            <a:r>
+              <a:rPr lang="ml-IN" sz="4050" dirty="0">
+                <a:solidFill>
+                  <a:srgbClr val="00B0F0"/>
+                </a:solidFill>
+              </a:rPr>
+              <a:t>കുട്ടികൾക്കും ആകാം കോടീശ്വരൻ </a:t>
+            </a:r>
+            <a:endParaRPr lang="en-US" sz="4050" dirty="0">
+              <a:solidFill>
+                <a:srgbClr val="00B0F0"/>
+              </a:solidFill>
+            </a:endParaRPr>
           </a:p>
         </p:txBody>
       </p:sp>
+      <p:pic>
+        <p:nvPicPr>
+          <p:cNvPr id="3" name="Picture 2" descr="A screenshot of a cell phone&#10;&#10;Description automatically generated">
+            <a:hlinkClick r:id="rId3"/>
+            <a:extLst>
+              <a:ext uri="{FF2B5EF4-FFF2-40B4-BE49-F238E27FC236}">
+                <a16:creationId xmlns:a16="http://schemas.microsoft.com/office/drawing/2014/main" id="{A0CD8148-CB04-4A59-BCF3-E04C1150DACA}"/>
+              </a:ext>
+            </a:extLst>
+          </p:cNvPr>
+          <p:cNvPicPr>
+            <a:picLocks noChangeAspect="1"/>
+          </p:cNvPicPr>
+          <p:nvPr/>
+        </p:nvPicPr>
+        <p:blipFill rotWithShape="1">
+          <a:blip r:embed="rId4">
+            <a:extLst>
+              <a:ext uri="{28A0092B-C50C-407E-A947-70E740481C1C}">
+                <a14:useLocalDpi xmlns:a14="http://schemas.microsoft.com/office/drawing/2010/main" val="0"/>
+              </a:ext>
+            </a:extLst>
+          </a:blip>
+          <a:srcRect/>
+          <a:stretch/>
+        </p:blipFill>
+        <p:spPr>
+          <a:xfrm>
+            <a:off x="6493098" y="4000500"/>
+            <a:ext cx="2117502" cy="2057400"/>
+          </a:xfrm>
+          <a:prstGeom prst="rect">
+            <a:avLst/>
+          </a:prstGeom>
+        </p:spPr>
+      </p:pic>
+      <p:pic>
+        <p:nvPicPr>
+          <p:cNvPr id="5" name="Picture 4" descr="A screenshot of a cell phone&#10;&#10;Description automatically generated">
+            <a:hlinkClick r:id="rId5"/>
+            <a:extLst>
+              <a:ext uri="{FF2B5EF4-FFF2-40B4-BE49-F238E27FC236}">
+                <a16:creationId xmlns:a16="http://schemas.microsoft.com/office/drawing/2014/main" id="{25BA7BEB-A368-44FD-A682-86FF2DB1FEC5}"/>
+              </a:ext>
+            </a:extLst>
+          </p:cNvPr>
+          <p:cNvPicPr>
+            <a:picLocks noChangeAspect="1"/>
+          </p:cNvPicPr>
+          <p:nvPr/>
+        </p:nvPicPr>
+        <p:blipFill rotWithShape="1">
+          <a:blip r:embed="rId6">
+            <a:extLst>
+              <a:ext uri="{28A0092B-C50C-407E-A947-70E740481C1C}">
+                <a14:useLocalDpi xmlns:a14="http://schemas.microsoft.com/office/drawing/2010/main" val="0"/>
+              </a:ext>
+            </a:extLst>
+          </a:blip>
+          <a:srcRect/>
+          <a:stretch/>
+        </p:blipFill>
+        <p:spPr>
+          <a:xfrm>
+            <a:off x="427149" y="4191000"/>
+            <a:ext cx="2117501" cy="1924050"/>
+          </a:xfrm>
+          <a:prstGeom prst="rect">
+            <a:avLst/>
+          </a:prstGeom>
+        </p:spPr>
+      </p:pic>
+      <p:sp>
+        <p:nvSpPr>
+          <p:cNvPr id="6" name="Rectangle 5">
+            <a:extLst>
+              <a:ext uri="{FF2B5EF4-FFF2-40B4-BE49-F238E27FC236}">
+                <a16:creationId xmlns:a16="http://schemas.microsoft.com/office/drawing/2014/main" id="{B5092DC8-DA6B-4BDF-B102-1659A9B1E554}"/>
+              </a:ext>
+            </a:extLst>
+          </p:cNvPr>
+          <p:cNvSpPr/>
+          <p:nvPr/>
+        </p:nvSpPr>
+        <p:spPr>
+          <a:xfrm>
+            <a:off x="427149" y="6248400"/>
+            <a:ext cx="2163651" cy="304800"/>
+          </a:xfrm>
+          <a:prstGeom prst="rect">
+            <a:avLst/>
+          </a:prstGeom>
+        </p:spPr>
+        <p:style>
+          <a:lnRef idx="2">
+            <a:schemeClr val="accent1">
+              <a:shade val="50000"/>
+            </a:schemeClr>
+          </a:lnRef>
+          <a:fillRef idx="1">
+            <a:schemeClr val="accent1"/>
+          </a:fillRef>
+          <a:effectRef idx="0">
+            <a:schemeClr val="accent1"/>
+          </a:effectRef>
+          <a:fontRef idx="minor">
+            <a:schemeClr val="lt1"/>
+          </a:fontRef>
+        </p:style>
+        <p:txBody>
+          <a:bodyPr rtlCol="0" anchor="ctr"/>
+          <a:lstStyle/>
+          <a:p>
+            <a:pPr algn="ctr"/>
+            <a:r>
+              <a:rPr lang="en-US" dirty="0">
+                <a:hlinkClick r:id="rId5"/>
+              </a:rPr>
+              <a:t>Click to see the video</a:t>
+            </a:r>
+            <a:endParaRPr lang="en-US" dirty="0"/>
+          </a:p>
+        </p:txBody>
+      </p:sp>
+      <p:sp>
+        <p:nvSpPr>
+          <p:cNvPr id="8" name="Rectangle 7">
+            <a:extLst>
+              <a:ext uri="{FF2B5EF4-FFF2-40B4-BE49-F238E27FC236}">
+                <a16:creationId xmlns:a16="http://schemas.microsoft.com/office/drawing/2014/main" id="{627CF5FB-B4A5-4055-AE55-73B4DF42A0A0}"/>
+              </a:ext>
+            </a:extLst>
+          </p:cNvPr>
+          <p:cNvSpPr/>
+          <p:nvPr/>
+        </p:nvSpPr>
+        <p:spPr>
+          <a:xfrm>
+            <a:off x="6172200" y="6248400"/>
+            <a:ext cx="2544651" cy="304800"/>
+          </a:xfrm>
+          <a:prstGeom prst="rect">
+            <a:avLst/>
+          </a:prstGeom>
+        </p:spPr>
+        <p:style>
+          <a:lnRef idx="2">
+            <a:schemeClr val="accent1">
+              <a:shade val="50000"/>
+            </a:schemeClr>
+          </a:lnRef>
+          <a:fillRef idx="1">
+            <a:schemeClr val="accent1"/>
+          </a:fillRef>
+          <a:effectRef idx="0">
+            <a:schemeClr val="accent1"/>
+          </a:effectRef>
+          <a:fontRef idx="minor">
+            <a:schemeClr val="lt1"/>
+          </a:fontRef>
+        </p:style>
+        <p:txBody>
+          <a:bodyPr rtlCol="0" anchor="ctr"/>
+          <a:lstStyle/>
+          <a:p>
+            <a:pPr algn="ctr"/>
+            <a:r>
+              <a:rPr lang="en-US" dirty="0">
+                <a:hlinkClick r:id="rId3"/>
+              </a:rPr>
+              <a:t>Click to go to the channel</a:t>
+            </a:r>
+            <a:endParaRPr lang="en-US" dirty="0"/>
+          </a:p>
+        </p:txBody>
+      </p:sp>
+    </p:spTree>
+    <p:extLst>
+      <p:ext uri="{BB962C8B-B14F-4D97-AF65-F5344CB8AC3E}">
+        <p14:creationId xmlns:p14="http://schemas.microsoft.com/office/powerpoint/2010/main" val="680297714"/>
+      </p:ext>
+    </p:extLst>
+  </p:cSld>
+  <p:clrMapOvr>
+    <a:masterClrMapping/>
+  </p:clrMapOvr>
+</p:sld>
+</file>
+
+<file path=ppt/slides/slide10.xml><?xml version="1.0" encoding="utf-8"?>
+<p:sld xmlns:a="http://schemas.openxmlformats.org/drawingml/2006/main" xmlns:r="http://schemas.openxmlformats.org/officeDocument/2006/relationships" xmlns:p="http://schemas.openxmlformats.org/presentationml/2006/main">
+  <p:cSld>
+    <p:spTree>
+      <p:nvGrpSpPr>
+        <p:cNvPr id="1" name=""/>
+        <p:cNvGrpSpPr/>
+        <p:nvPr/>
+      </p:nvGrpSpPr>
+      <p:grpSpPr>
+        <a:xfrm>
+          <a:off x="0" y="0"/>
+          <a:ext cx="0" cy="0"/>
+          <a:chOff x="0" y="0"/>
+          <a:chExt cx="0" cy="0"/>
+        </a:xfrm>
+      </p:grpSpPr>
       <p:graphicFrame>
         <p:nvGraphicFramePr>
-          <p:cNvPr id="2" name="object 2"/>
+          <p:cNvPr id="7" name="object 2">
+            <a:extLst>
+              <a:ext uri="{FF2B5EF4-FFF2-40B4-BE49-F238E27FC236}">
+                <a16:creationId xmlns:a16="http://schemas.microsoft.com/office/drawing/2014/main" id="{293558D7-0AE1-40F4-A42C-B2887F346BD1}"/>
+              </a:ext>
+            </a:extLst>
+          </p:cNvPr>
           <p:cNvGraphicFramePr>
             <a:graphicFrameLocks noGrp="1"/>
           </p:cNvGraphicFramePr>
-          <p:nvPr/>
+          <p:nvPr>
+            <p:extLst>
+              <p:ext uri="{D42A27DB-BD31-4B8C-83A1-F6EECF244321}">
+                <p14:modId xmlns:p14="http://schemas.microsoft.com/office/powerpoint/2010/main" val="527460239"/>
+              </p:ext>
+            </p:extLst>
+          </p:nvPr>
         </p:nvGraphicFramePr>
         <p:xfrm>
           <a:off x="3333750" y="2057400"/>
@@ -3746,19 +4054,42 @@
       </p:graphicFrame>
       <p:sp>
         <p:nvSpPr>
-          <p:cNvPr id="6" name="object 4">
-            <a:extLst>
-              <a:ext uri="{FF2B5EF4-FFF2-40B4-BE49-F238E27FC236}">
-                <a16:creationId xmlns:a16="http://schemas.microsoft.com/office/drawing/2014/main" id="{5138E9D2-768B-4A4C-8009-7DE8E917D812}"/>
-              </a:ext>
-            </a:extLst>
-          </p:cNvPr>
+          <p:cNvPr id="3" name="object 3"/>
           <p:cNvSpPr/>
           <p:nvPr/>
         </p:nvSpPr>
         <p:spPr>
           <a:xfrm>
-            <a:off x="3200400" y="5658380"/>
+            <a:off x="1371600" y="145287"/>
+            <a:ext cx="5518404" cy="1435861"/>
+          </a:xfrm>
+          <a:prstGeom prst="rect">
+            <a:avLst/>
+          </a:prstGeom>
+          <a:blipFill>
+            <a:blip r:embed="rId3" cstate="print"/>
+            <a:stretch>
+              <a:fillRect/>
+            </a:stretch>
+          </a:blipFill>
+        </p:spPr>
+        <p:txBody>
+          <a:bodyPr wrap="square" lIns="0" tIns="0" rIns="0" bIns="0" rtlCol="0"/>
+          <a:lstStyle/>
+          <a:p>
+            <a:endParaRPr/>
+          </a:p>
+        </p:txBody>
+      </p:sp>
+      <p:sp>
+        <p:nvSpPr>
+          <p:cNvPr id="4" name="object 4"/>
+          <p:cNvSpPr/>
+          <p:nvPr/>
+        </p:nvSpPr>
+        <p:spPr>
+          <a:xfrm>
+            <a:off x="3162495" y="4648200"/>
             <a:ext cx="2438400" cy="375285"/>
           </a:xfrm>
           <a:custGeom>
@@ -3904,606 +4235,15 @@
           </a:p>
         </p:txBody>
       </p:sp>
-      <p:sp>
-        <p:nvSpPr>
-          <p:cNvPr id="5" name="Rectangle 4">
-            <a:extLst>
-              <a:ext uri="{FF2B5EF4-FFF2-40B4-BE49-F238E27FC236}">
-                <a16:creationId xmlns:a16="http://schemas.microsoft.com/office/drawing/2014/main" id="{29A1DD91-2788-41BD-9BA2-4B3B3D4178C2}"/>
-              </a:ext>
-            </a:extLst>
-          </p:cNvPr>
-          <p:cNvSpPr/>
-          <p:nvPr/>
-        </p:nvSpPr>
-        <p:spPr>
-          <a:xfrm>
-            <a:off x="228600" y="1981200"/>
-            <a:ext cx="2286000" cy="1295400"/>
-          </a:xfrm>
-          <a:prstGeom prst="rect">
-            <a:avLst/>
-          </a:prstGeom>
-          <a:noFill/>
-          <a:ln>
-            <a:noFill/>
-          </a:ln>
-        </p:spPr>
-        <p:style>
-          <a:lnRef idx="2">
-            <a:schemeClr val="accent1">
-              <a:shade val="50000"/>
-            </a:schemeClr>
-          </a:lnRef>
-          <a:fillRef idx="1">
-            <a:schemeClr val="accent1"/>
-          </a:fillRef>
-          <a:effectRef idx="0">
-            <a:schemeClr val="accent1"/>
-          </a:effectRef>
-          <a:fontRef idx="minor">
-            <a:schemeClr val="lt1"/>
-          </a:fontRef>
-        </p:style>
-        <p:txBody>
-          <a:bodyPr rot="0" spcFirstLastPara="0" vertOverflow="overflow" horzOverflow="overflow" vert="horz" wrap="square" lIns="91440" tIns="45720" rIns="91440" bIns="45720" numCol="1" spcCol="0" rtlCol="0" fromWordArt="0" anchor="ctr" anchorCtr="0" forceAA="0" compatLnSpc="1">
-            <a:prstTxWarp prst="textNoShape">
-              <a:avLst/>
-            </a:prstTxWarp>
-            <a:noAutofit/>
-          </a:bodyPr>
-          <a:lstStyle/>
-          <a:p>
-            <a:pPr algn="ctr"/>
-            <a:r>
-              <a:rPr lang="en-US" sz="3200" dirty="0"/>
-              <a:t>Episode - 4</a:t>
-            </a:r>
-          </a:p>
-        </p:txBody>
-      </p:sp>
-      <p:sp>
-        <p:nvSpPr>
-          <p:cNvPr id="7" name="Rectangle 6">
-            <a:extLst>
-              <a:ext uri="{FF2B5EF4-FFF2-40B4-BE49-F238E27FC236}">
-                <a16:creationId xmlns:a16="http://schemas.microsoft.com/office/drawing/2014/main" id="{ED190FF3-7E1E-4A72-A8CF-EC190D5DAA17}"/>
-              </a:ext>
-            </a:extLst>
-          </p:cNvPr>
-          <p:cNvSpPr/>
-          <p:nvPr/>
-        </p:nvSpPr>
-        <p:spPr>
-          <a:xfrm>
-            <a:off x="6477000" y="1981200"/>
-            <a:ext cx="2286000" cy="1295400"/>
-          </a:xfrm>
-          <a:prstGeom prst="rect">
-            <a:avLst/>
-          </a:prstGeom>
-          <a:noFill/>
-          <a:ln>
-            <a:noFill/>
-          </a:ln>
-        </p:spPr>
-        <p:style>
-          <a:lnRef idx="2">
-            <a:schemeClr val="accent1">
-              <a:shade val="50000"/>
-            </a:schemeClr>
-          </a:lnRef>
-          <a:fillRef idx="1">
-            <a:schemeClr val="accent1"/>
-          </a:fillRef>
-          <a:effectRef idx="0">
-            <a:schemeClr val="accent1"/>
-          </a:effectRef>
-          <a:fontRef idx="minor">
-            <a:schemeClr val="lt1"/>
-          </a:fontRef>
-        </p:style>
-        <p:txBody>
-          <a:bodyPr rot="0" spcFirstLastPara="0" vertOverflow="overflow" horzOverflow="overflow" vert="horz" wrap="square" lIns="91440" tIns="45720" rIns="91440" bIns="45720" numCol="1" spcCol="0" rtlCol="0" fromWordArt="0" anchor="ctr" anchorCtr="0" forceAA="0" compatLnSpc="1">
-            <a:prstTxWarp prst="textNoShape">
-              <a:avLst/>
-            </a:prstTxWarp>
-            <a:noAutofit/>
-          </a:bodyPr>
-          <a:lstStyle/>
-          <a:p>
-            <a:pPr algn="ctr"/>
-            <a:r>
-              <a:rPr lang="en-US" sz="3200" dirty="0"/>
-              <a:t>Topic – Space &amp; Technology</a:t>
-            </a:r>
-          </a:p>
-        </p:txBody>
-      </p:sp>
-      <p:sp>
-        <p:nvSpPr>
-          <p:cNvPr id="8" name="Rectangle 7">
-            <a:extLst>
-              <a:ext uri="{FF2B5EF4-FFF2-40B4-BE49-F238E27FC236}">
-                <a16:creationId xmlns:a16="http://schemas.microsoft.com/office/drawing/2014/main" id="{B733992A-94B4-4D29-B871-EC1412E66A48}"/>
-              </a:ext>
-            </a:extLst>
-          </p:cNvPr>
-          <p:cNvSpPr/>
-          <p:nvPr/>
-        </p:nvSpPr>
-        <p:spPr>
-          <a:xfrm>
-            <a:off x="228600" y="4078526"/>
-            <a:ext cx="2286000" cy="1295400"/>
-          </a:xfrm>
-          <a:prstGeom prst="rect">
-            <a:avLst/>
-          </a:prstGeom>
-          <a:noFill/>
-          <a:ln>
-            <a:noFill/>
-          </a:ln>
-        </p:spPr>
-        <p:style>
-          <a:lnRef idx="2">
-            <a:schemeClr val="accent1">
-              <a:shade val="50000"/>
-            </a:schemeClr>
-          </a:lnRef>
-          <a:fillRef idx="1">
-            <a:schemeClr val="accent1"/>
-          </a:fillRef>
-          <a:effectRef idx="0">
-            <a:schemeClr val="accent1"/>
-          </a:effectRef>
-          <a:fontRef idx="minor">
-            <a:schemeClr val="lt1"/>
-          </a:fontRef>
-        </p:style>
-        <p:txBody>
-          <a:bodyPr rot="0" spcFirstLastPara="0" vertOverflow="overflow" horzOverflow="overflow" vert="horz" wrap="square" lIns="91440" tIns="45720" rIns="91440" bIns="45720" numCol="1" spcCol="0" rtlCol="0" fromWordArt="0" anchor="ctr" anchorCtr="0" forceAA="0" compatLnSpc="1">
-            <a:prstTxWarp prst="textNoShape">
-              <a:avLst/>
-            </a:prstTxWarp>
-            <a:noAutofit/>
-          </a:bodyPr>
-          <a:lstStyle/>
-          <a:p>
-            <a:pPr algn="ctr"/>
-            <a:r>
-              <a:rPr lang="en-US" sz="3200" dirty="0"/>
-              <a:t>Age Group – 7 to 14</a:t>
-            </a:r>
-          </a:p>
-        </p:txBody>
-      </p:sp>
-      <p:sp>
-        <p:nvSpPr>
-          <p:cNvPr id="9" name="Rectangle 8">
-            <a:extLst>
-              <a:ext uri="{FF2B5EF4-FFF2-40B4-BE49-F238E27FC236}">
-                <a16:creationId xmlns:a16="http://schemas.microsoft.com/office/drawing/2014/main" id="{D95B08BC-3143-4A82-BFF8-B905D58E8C5E}"/>
-              </a:ext>
-            </a:extLst>
-          </p:cNvPr>
-          <p:cNvSpPr/>
-          <p:nvPr/>
-        </p:nvSpPr>
-        <p:spPr>
-          <a:xfrm>
-            <a:off x="6094379" y="4079960"/>
-            <a:ext cx="2821021" cy="1295400"/>
-          </a:xfrm>
-          <a:prstGeom prst="rect">
-            <a:avLst/>
-          </a:prstGeom>
-          <a:noFill/>
-          <a:ln>
-            <a:noFill/>
-          </a:ln>
-        </p:spPr>
-        <p:style>
-          <a:lnRef idx="2">
-            <a:schemeClr val="accent1">
-              <a:shade val="50000"/>
-            </a:schemeClr>
-          </a:lnRef>
-          <a:fillRef idx="1">
-            <a:schemeClr val="accent1"/>
-          </a:fillRef>
-          <a:effectRef idx="0">
-            <a:schemeClr val="accent1"/>
-          </a:effectRef>
-          <a:fontRef idx="minor">
-            <a:schemeClr val="lt1"/>
-          </a:fontRef>
-        </p:style>
-        <p:txBody>
-          <a:bodyPr rot="0" spcFirstLastPara="0" vertOverflow="overflow" horzOverflow="overflow" vert="horz" wrap="square" lIns="91440" tIns="45720" rIns="91440" bIns="45720" numCol="1" spcCol="0" rtlCol="0" fromWordArt="0" anchor="ctr" anchorCtr="0" forceAA="0" compatLnSpc="1">
-            <a:prstTxWarp prst="textNoShape">
-              <a:avLst/>
-            </a:prstTxWarp>
-            <a:noAutofit/>
-          </a:bodyPr>
-          <a:lstStyle/>
-          <a:p>
-            <a:pPr algn="ctr"/>
-            <a:r>
-              <a:rPr lang="en-US" sz="3200" dirty="0"/>
-              <a:t>12 Questions, 3 Lifelines</a:t>
-            </a:r>
-          </a:p>
-        </p:txBody>
-      </p:sp>
     </p:spTree>
-    <p:extLst>
-      <p:ext uri="{BB962C8B-B14F-4D97-AF65-F5344CB8AC3E}">
-        <p14:creationId xmlns:p14="http://schemas.microsoft.com/office/powerpoint/2010/main" val="314225066"/>
-      </p:ext>
-    </p:extLst>
   </p:cSld>
   <p:clrMapOvr>
     <a:masterClrMapping/>
   </p:clrMapOvr>
-  <p:timing>
-    <p:tnLst>
-      <p:par>
-        <p:cTn id="1" dur="indefinite" restart="never" nodeType="tmRoot">
-          <p:childTnLst>
-            <p:seq concurrent="1" nextAc="seek">
-              <p:cTn id="2" dur="indefinite" nodeType="mainSeq">
-                <p:childTnLst>
-                  <p:par>
-                    <p:cTn id="3" fill="hold">
-                      <p:stCondLst>
-                        <p:cond delay="indefinite"/>
-                        <p:cond evt="onBegin" delay="0">
-                          <p:tn val="2"/>
-                        </p:cond>
-                      </p:stCondLst>
-                      <p:childTnLst>
-                        <p:par>
-                          <p:cTn id="4" fill="hold">
-                            <p:stCondLst>
-                              <p:cond delay="0"/>
-                            </p:stCondLst>
-                            <p:childTnLst>
-                              <p:par>
-                                <p:cTn id="5" presetID="0" presetClass="path" presetSubtype="0" accel="50000" decel="50000" fill="hold" grpId="0" nodeType="afterEffect">
-                                  <p:stCondLst>
-                                    <p:cond delay="0"/>
-                                  </p:stCondLst>
-                                  <p:childTnLst>
-                                    <p:animMotion origin="layout" path="M 0.00018 -0.00416 L 0.00018 -0.00416 C -0.00017 -0.01064 -0.00069 -0.01712 -0.00086 -0.02361 C -0.00139 -0.03078 -0.00139 -0.03819 -0.00191 -0.0456 C -0.00208 -0.04699 -0.00382 -0.04861 -0.00295 -0.04953 L -0.00086 -0.04699 L -0.00086 -0.04699 " pathEditMode="relative" ptsTypes="AAAAAAA">
-                                      <p:cBhvr>
-                                        <p:cTn id="6" dur="2000" fill="hold"/>
-                                        <p:tgtEl>
-                                          <p:spTgt spid="6"/>
-                                        </p:tgtEl>
-                                        <p:attrNameLst>
-                                          <p:attrName>ppt_x</p:attrName>
-                                          <p:attrName>ppt_y</p:attrName>
-                                        </p:attrNameLst>
-                                      </p:cBhvr>
-                                    </p:animMotion>
-                                  </p:childTnLst>
-                                </p:cTn>
-                              </p:par>
-                            </p:childTnLst>
-                          </p:cTn>
-                        </p:par>
-                        <p:par>
-                          <p:cTn id="7" fill="hold">
-                            <p:stCondLst>
-                              <p:cond delay="2000"/>
-                            </p:stCondLst>
-                            <p:childTnLst>
-                              <p:par>
-                                <p:cTn id="8" presetID="27" presetClass="emph" presetSubtype="0" fill="remove" grpId="1" nodeType="afterEffect">
-                                  <p:stCondLst>
-                                    <p:cond delay="0"/>
-                                  </p:stCondLst>
-                                  <p:childTnLst>
-                                    <p:animClr clrSpc="rgb" dir="cw">
-                                      <p:cBhvr override="childStyle">
-                                        <p:cTn id="9" dur="750" autoRev="1" fill="remove"/>
-                                        <p:tgtEl>
-                                          <p:spTgt spid="6"/>
-                                        </p:tgtEl>
-                                        <p:attrNameLst>
-                                          <p:attrName>style.color</p:attrName>
-                                        </p:attrNameLst>
-                                      </p:cBhvr>
-                                      <p:to>
-                                        <a:schemeClr val="bg1"/>
-                                      </p:to>
-                                    </p:animClr>
-                                    <p:animClr clrSpc="rgb" dir="cw">
-                                      <p:cBhvr>
-                                        <p:cTn id="10" dur="750" autoRev="1" fill="remove"/>
-                                        <p:tgtEl>
-                                          <p:spTgt spid="6"/>
-                                        </p:tgtEl>
-                                        <p:attrNameLst>
-                                          <p:attrName>fillcolor</p:attrName>
-                                        </p:attrNameLst>
-                                      </p:cBhvr>
-                                      <p:to>
-                                        <a:schemeClr val="bg1"/>
-                                      </p:to>
-                                    </p:animClr>
-                                    <p:set>
-                                      <p:cBhvr>
-                                        <p:cTn id="11" dur="750" autoRev="1" fill="remove"/>
-                                        <p:tgtEl>
-                                          <p:spTgt spid="6"/>
-                                        </p:tgtEl>
-                                        <p:attrNameLst>
-                                          <p:attrName>fill.type</p:attrName>
-                                        </p:attrNameLst>
-                                      </p:cBhvr>
-                                      <p:to>
-                                        <p:strVal val="solid"/>
-                                      </p:to>
-                                    </p:set>
-                                    <p:set>
-                                      <p:cBhvr>
-                                        <p:cTn id="12" dur="750" autoRev="1" fill="remove"/>
-                                        <p:tgtEl>
-                                          <p:spTgt spid="6"/>
-                                        </p:tgtEl>
-                                        <p:attrNameLst>
-                                          <p:attrName>fill.on</p:attrName>
-                                        </p:attrNameLst>
-                                      </p:cBhvr>
-                                      <p:to>
-                                        <p:strVal val="true"/>
-                                      </p:to>
-                                    </p:set>
-                                  </p:childTnLst>
-                                </p:cTn>
-                              </p:par>
-                            </p:childTnLst>
-                          </p:cTn>
-                        </p:par>
-                        <p:par>
-                          <p:cTn id="13" fill="hold">
-                            <p:stCondLst>
-                              <p:cond delay="3500"/>
-                            </p:stCondLst>
-                            <p:childTnLst>
-                              <p:par>
-                                <p:cTn id="14" presetID="0" presetClass="path" presetSubtype="0" accel="50000" decel="50000" fill="hold" grpId="2" nodeType="afterEffect">
-                                  <p:stCondLst>
-                                    <p:cond delay="0"/>
-                                  </p:stCondLst>
-                                  <p:childTnLst>
-                                    <p:animMotion origin="layout" path="M 0.00677 -0.05092 L 0.00677 -0.05069 C 0.00625 -0.0574 0.00625 -0.06388 0.00556 -0.07037 C 0.00539 -0.07175 0.00469 -0.07314 0.00452 -0.07476 C 0.00295 -0.08379 0.0033 -0.08425 0.0033 -0.09259 L 0.0033 -0.14722 L -3.33333E-6 -0.20347 L 0.00105 -0.24652 L -3.33333E-6 -0.30555 " pathEditMode="relative" rAng="0" ptsTypes="AAAAAAAAA">
-                                      <p:cBhvr>
-                                        <p:cTn id="15" dur="2000" fill="hold"/>
-                                        <p:tgtEl>
-                                          <p:spTgt spid="6"/>
-                                        </p:tgtEl>
-                                        <p:attrNameLst>
-                                          <p:attrName>ppt_x</p:attrName>
-                                          <p:attrName>ppt_y</p:attrName>
-                                        </p:attrNameLst>
-                                      </p:cBhvr>
-                                      <p:rCtr x="-347" y="-12731"/>
-                                    </p:animMotion>
-                                  </p:childTnLst>
-                                </p:cTn>
-                              </p:par>
-                            </p:childTnLst>
-                          </p:cTn>
-                        </p:par>
-                        <p:par>
-                          <p:cTn id="16" fill="hold">
-                            <p:stCondLst>
-                              <p:cond delay="5500"/>
-                            </p:stCondLst>
-                            <p:childTnLst>
-                              <p:par>
-                                <p:cTn id="17" presetID="27" presetClass="emph" presetSubtype="0" fill="remove" grpId="3" nodeType="afterEffect">
-                                  <p:stCondLst>
-                                    <p:cond delay="0"/>
-                                  </p:stCondLst>
-                                  <p:childTnLst>
-                                    <p:animClr clrSpc="rgb" dir="cw">
-                                      <p:cBhvr override="childStyle">
-                                        <p:cTn id="18" dur="900" autoRev="1" fill="remove"/>
-                                        <p:tgtEl>
-                                          <p:spTgt spid="6"/>
-                                        </p:tgtEl>
-                                        <p:attrNameLst>
-                                          <p:attrName>style.color</p:attrName>
-                                        </p:attrNameLst>
-                                      </p:cBhvr>
-                                      <p:to>
-                                        <a:schemeClr val="bg1"/>
-                                      </p:to>
-                                    </p:animClr>
-                                    <p:animClr clrSpc="rgb" dir="cw">
-                                      <p:cBhvr>
-                                        <p:cTn id="19" dur="900" autoRev="1" fill="remove"/>
-                                        <p:tgtEl>
-                                          <p:spTgt spid="6"/>
-                                        </p:tgtEl>
-                                        <p:attrNameLst>
-                                          <p:attrName>fillcolor</p:attrName>
-                                        </p:attrNameLst>
-                                      </p:cBhvr>
-                                      <p:to>
-                                        <a:schemeClr val="bg1"/>
-                                      </p:to>
-                                    </p:animClr>
-                                    <p:set>
-                                      <p:cBhvr>
-                                        <p:cTn id="20" dur="900" autoRev="1" fill="remove"/>
-                                        <p:tgtEl>
-                                          <p:spTgt spid="6"/>
-                                        </p:tgtEl>
-                                        <p:attrNameLst>
-                                          <p:attrName>fill.type</p:attrName>
-                                        </p:attrNameLst>
-                                      </p:cBhvr>
-                                      <p:to>
-                                        <p:strVal val="solid"/>
-                                      </p:to>
-                                    </p:set>
-                                    <p:set>
-                                      <p:cBhvr>
-                                        <p:cTn id="21" dur="900" autoRev="1" fill="remove"/>
-                                        <p:tgtEl>
-                                          <p:spTgt spid="6"/>
-                                        </p:tgtEl>
-                                        <p:attrNameLst>
-                                          <p:attrName>fill.on</p:attrName>
-                                        </p:attrNameLst>
-                                      </p:cBhvr>
-                                      <p:to>
-                                        <p:strVal val="true"/>
-                                      </p:to>
-                                    </p:set>
-                                  </p:childTnLst>
-                                </p:cTn>
-                              </p:par>
-                            </p:childTnLst>
-                          </p:cTn>
-                        </p:par>
-                        <p:par>
-                          <p:cTn id="22" fill="hold">
-                            <p:stCondLst>
-                              <p:cond delay="7300"/>
-                            </p:stCondLst>
-                            <p:childTnLst>
-                              <p:par>
-                                <p:cTn id="23" presetID="0" presetClass="path" presetSubtype="0" accel="50000" decel="50000" fill="hold" grpId="4" nodeType="afterEffect">
-                                  <p:stCondLst>
-                                    <p:cond delay="0"/>
-                                  </p:stCondLst>
-                                  <p:childTnLst>
-                                    <p:animMotion origin="layout" path="M -0.0033 -0.29675 L -0.0033 -0.33981 L -0.00434 -0.39305 L -0.00434 -0.4449 L -0.00225 -0.49675 L -3.33333E-6 -0.5456 " pathEditMode="relative" rAng="0" ptsTypes="AAAAAA">
-                                      <p:cBhvr>
-                                        <p:cTn id="24" dur="2000" fill="hold"/>
-                                        <p:tgtEl>
-                                          <p:spTgt spid="6"/>
-                                        </p:tgtEl>
-                                        <p:attrNameLst>
-                                          <p:attrName>ppt_x</p:attrName>
-                                          <p:attrName>ppt_y</p:attrName>
-                                        </p:attrNameLst>
-                                      </p:cBhvr>
-                                      <p:rCtr x="104" y="-12454"/>
-                                    </p:animMotion>
-                                  </p:childTnLst>
-                                </p:cTn>
-                              </p:par>
-                            </p:childTnLst>
-                          </p:cTn>
-                        </p:par>
-                        <p:par>
-                          <p:cTn id="25" fill="hold">
-                            <p:stCondLst>
-                              <p:cond delay="9300"/>
-                            </p:stCondLst>
-                            <p:childTnLst>
-                              <p:par>
-                                <p:cTn id="26" presetID="6" presetClass="emph" presetSubtype="0" fill="hold" grpId="5" nodeType="afterEffect">
-                                  <p:stCondLst>
-                                    <p:cond delay="0"/>
-                                  </p:stCondLst>
-                                  <p:childTnLst>
-                                    <p:animScale>
-                                      <p:cBhvr>
-                                        <p:cTn id="27" dur="2000" fill="hold"/>
-                                        <p:tgtEl>
-                                          <p:spTgt spid="6"/>
-                                        </p:tgtEl>
-                                      </p:cBhvr>
-                                      <p:by x="150000" y="150000"/>
-                                    </p:animScale>
-                                  </p:childTnLst>
-                                </p:cTn>
-                              </p:par>
-                            </p:childTnLst>
-                          </p:cTn>
-                        </p:par>
-                        <p:par>
-                          <p:cTn id="28" fill="hold">
-                            <p:stCondLst>
-                              <p:cond delay="11300"/>
-                            </p:stCondLst>
-                            <p:childTnLst>
-                              <p:par>
-                                <p:cTn id="29" presetID="1" presetClass="entr" presetSubtype="0" fill="hold" grpId="0" nodeType="afterEffect">
-                                  <p:stCondLst>
-                                    <p:cond delay="0"/>
-                                  </p:stCondLst>
-                                  <p:childTnLst>
-                                    <p:set>
-                                      <p:cBhvr>
-                                        <p:cTn id="30" dur="1" fill="hold">
-                                          <p:stCondLst>
-                                            <p:cond delay="0"/>
-                                          </p:stCondLst>
-                                        </p:cTn>
-                                        <p:tgtEl>
-                                          <p:spTgt spid="3"/>
-                                        </p:tgtEl>
-                                        <p:attrNameLst>
-                                          <p:attrName>style.visibility</p:attrName>
-                                        </p:attrNameLst>
-                                      </p:cBhvr>
-                                      <p:to>
-                                        <p:strVal val="visible"/>
-                                      </p:to>
-                                    </p:set>
-                                  </p:childTnLst>
-                                </p:cTn>
-                              </p:par>
-                            </p:childTnLst>
-                          </p:cTn>
-                        </p:par>
-                      </p:childTnLst>
-                    </p:cTn>
-                  </p:par>
-                </p:childTnLst>
-              </p:cTn>
-              <p:prevCondLst>
-                <p:cond evt="onPrev" delay="0">
-                  <p:tgtEl>
-                    <p:sldTgt/>
-                  </p:tgtEl>
-                </p:cond>
-              </p:prevCondLst>
-              <p:nextCondLst>
-                <p:cond evt="onNext" delay="0">
-                  <p:tgtEl>
-                    <p:sldTgt/>
-                  </p:tgtEl>
-                </p:cond>
-              </p:nextCondLst>
-            </p:seq>
-          </p:childTnLst>
-        </p:cTn>
-      </p:par>
-    </p:tnLst>
-    <p:bldLst>
-      <p:bldP spid="3" grpId="0" animBg="1"/>
-      <p:bldP spid="6" grpId="0" animBg="1"/>
-      <p:bldP spid="6" grpId="1" animBg="1"/>
-      <p:bldP spid="6" grpId="2" animBg="1"/>
-      <p:bldP spid="6" grpId="3" animBg="1"/>
-      <p:bldP spid="6" grpId="4" animBg="1"/>
-      <p:bldP spid="6" grpId="5" animBg="1"/>
-    </p:bldLst>
-  </p:timing>
 </p:sld>
 </file>
 
-<file path=ppt/slides/slide10.xml><?xml version="1.0" encoding="utf-8"?>
+<file path=ppt/slides/slide11.xml><?xml version="1.0" encoding="utf-8"?>
 <p:sld xmlns:a="http://schemas.openxmlformats.org/drawingml/2006/main" xmlns:r="http://schemas.openxmlformats.org/officeDocument/2006/relationships" xmlns:p="http://schemas.openxmlformats.org/presentationml/2006/main">
   <p:cSld>
     <p:spTree>
@@ -6135,7 +5875,7 @@
 </p:sld>
 </file>
 
-<file path=ppt/slides/slide11.xml><?xml version="1.0" encoding="utf-8"?>
+<file path=ppt/slides/slide12.xml><?xml version="1.0" encoding="utf-8"?>
 <p:sld xmlns:a="http://schemas.openxmlformats.org/drawingml/2006/main" xmlns:r="http://schemas.openxmlformats.org/officeDocument/2006/relationships" xmlns:p="http://schemas.openxmlformats.org/presentationml/2006/main">
   <p:cSld>
     <p:spTree>
@@ -7243,7 +6983,7 @@
 </p:sld>
 </file>
 
-<file path=ppt/slides/slide12.xml><?xml version="1.0" encoding="utf-8"?>
+<file path=ppt/slides/slide13.xml><?xml version="1.0" encoding="utf-8"?>
 <p:sld xmlns:a="http://schemas.openxmlformats.org/drawingml/2006/main" xmlns:r="http://schemas.openxmlformats.org/officeDocument/2006/relationships" xmlns:p="http://schemas.openxmlformats.org/presentationml/2006/main">
   <p:cSld>
     <p:spTree>
@@ -8863,7 +8603,7 @@
 </p:sld>
 </file>
 
-<file path=ppt/slides/slide13.xml><?xml version="1.0" encoding="utf-8"?>
+<file path=ppt/slides/slide14.xml><?xml version="1.0" encoding="utf-8"?>
 <p:sld xmlns:a="http://schemas.openxmlformats.org/drawingml/2006/main" xmlns:r="http://schemas.openxmlformats.org/officeDocument/2006/relationships" xmlns:p="http://schemas.openxmlformats.org/presentationml/2006/main">
   <p:cSld>
     <p:spTree>
@@ -10035,7 +9775,7 @@
 </p:sld>
 </file>
 
-<file path=ppt/slides/slide14.xml><?xml version="1.0" encoding="utf-8"?>
+<file path=ppt/slides/slide15.xml><?xml version="1.0" encoding="utf-8"?>
 <p:sld xmlns:a="http://schemas.openxmlformats.org/drawingml/2006/main" xmlns:r="http://schemas.openxmlformats.org/officeDocument/2006/relationships" xmlns:p="http://schemas.openxmlformats.org/presentationml/2006/main">
   <p:cSld>
     <p:spTree>
@@ -11762,7 +11502,7 @@
 </p:sld>
 </file>
 
-<file path=ppt/slides/slide15.xml><?xml version="1.0" encoding="utf-8"?>
+<file path=ppt/slides/slide16.xml><?xml version="1.0" encoding="utf-8"?>
 <p:sld xmlns:a="http://schemas.openxmlformats.org/drawingml/2006/main" xmlns:r="http://schemas.openxmlformats.org/officeDocument/2006/relationships" xmlns:p="http://schemas.openxmlformats.org/presentationml/2006/main">
   <p:cSld>
     <p:spTree>
@@ -12934,7 +12674,7 @@
 </p:sld>
 </file>
 
-<file path=ppt/slides/slide16.xml><?xml version="1.0" encoding="utf-8"?>
+<file path=ppt/slides/slide17.xml><?xml version="1.0" encoding="utf-8"?>
 <p:sld xmlns:a="http://schemas.openxmlformats.org/drawingml/2006/main" xmlns:r="http://schemas.openxmlformats.org/officeDocument/2006/relationships" xmlns:p="http://schemas.openxmlformats.org/presentationml/2006/main">
   <p:cSld>
     <p:spTree>
@@ -14556,7 +14296,7 @@
 </p:sld>
 </file>
 
-<file path=ppt/slides/slide17.xml><?xml version="1.0" encoding="utf-8"?>
+<file path=ppt/slides/slide18.xml><?xml version="1.0" encoding="utf-8"?>
 <p:sld xmlns:a="http://schemas.openxmlformats.org/drawingml/2006/main" xmlns:r="http://schemas.openxmlformats.org/officeDocument/2006/relationships" xmlns:p="http://schemas.openxmlformats.org/presentationml/2006/main">
   <p:cSld>
     <p:spTree>
@@ -15757,7 +15497,7 @@
 </p:sld>
 </file>
 
-<file path=ppt/slides/slide18.xml><?xml version="1.0" encoding="utf-8"?>
+<file path=ppt/slides/slide19.xml><?xml version="1.0" encoding="utf-8"?>
 <p:sld xmlns:a="http://schemas.openxmlformats.org/drawingml/2006/main" xmlns:r="http://schemas.openxmlformats.org/officeDocument/2006/relationships" xmlns:p="http://schemas.openxmlformats.org/presentationml/2006/main">
   <p:cSld>
     <p:spTree>
@@ -17379,7 +17119,1694 @@
 </p:sld>
 </file>
 
-<file path=ppt/slides/slide19.xml><?xml version="1.0" encoding="utf-8"?>
+<file path=ppt/slides/slide2.xml><?xml version="1.0" encoding="utf-8"?>
+<p:sld xmlns:a="http://schemas.openxmlformats.org/drawingml/2006/main" xmlns:r="http://schemas.openxmlformats.org/officeDocument/2006/relationships" xmlns:p="http://schemas.openxmlformats.org/presentationml/2006/main">
+  <p:cSld>
+    <p:spTree>
+      <p:nvGrpSpPr>
+        <p:cNvPr id="1" name=""/>
+        <p:cNvGrpSpPr/>
+        <p:nvPr/>
+      </p:nvGrpSpPr>
+      <p:grpSpPr>
+        <a:xfrm>
+          <a:off x="0" y="0"/>
+          <a:ext cx="0" cy="0"/>
+          <a:chOff x="0" y="0"/>
+          <a:chExt cx="0" cy="0"/>
+        </a:xfrm>
+      </p:grpSpPr>
+      <p:sp>
+        <p:nvSpPr>
+          <p:cNvPr id="3" name="object 3"/>
+          <p:cNvSpPr/>
+          <p:nvPr/>
+        </p:nvSpPr>
+        <p:spPr>
+          <a:xfrm>
+            <a:off x="1371600" y="11937"/>
+            <a:ext cx="5518404" cy="1435861"/>
+          </a:xfrm>
+          <a:prstGeom prst="rect">
+            <a:avLst/>
+          </a:prstGeom>
+          <a:blipFill>
+            <a:blip r:embed="rId3" cstate="print"/>
+            <a:stretch>
+              <a:fillRect/>
+            </a:stretch>
+          </a:blipFill>
+        </p:spPr>
+        <p:txBody>
+          <a:bodyPr wrap="square" lIns="0" tIns="0" rIns="0" bIns="0" rtlCol="0"/>
+          <a:lstStyle/>
+          <a:p>
+            <a:endParaRPr/>
+          </a:p>
+        </p:txBody>
+      </p:sp>
+      <p:graphicFrame>
+        <p:nvGraphicFramePr>
+          <p:cNvPr id="2" name="object 2"/>
+          <p:cNvGraphicFramePr>
+            <a:graphicFrameLocks noGrp="1"/>
+          </p:cNvGraphicFramePr>
+          <p:nvPr/>
+        </p:nvGraphicFramePr>
+        <p:xfrm>
+          <a:off x="3333750" y="2057400"/>
+          <a:ext cx="2095891" cy="3999832"/>
+        </p:xfrm>
+        <a:graphic>
+          <a:graphicData uri="http://schemas.openxmlformats.org/drawingml/2006/table">
+            <a:tbl>
+              <a:tblPr firstRow="1" bandRow="1">
+                <a:tableStyleId>{2D5ABB26-0587-4C30-8999-92F81FD0307C}</a:tableStyleId>
+              </a:tblPr>
+              <a:tblGrid>
+                <a:gridCol w="707009">
+                  <a:extLst>
+                    <a:ext uri="{9D8B030D-6E8A-4147-A177-3AD203B41FA5}">
+                      <a16:colId xmlns:a16="http://schemas.microsoft.com/office/drawing/2014/main" val="20000"/>
+                    </a:ext>
+                  </a:extLst>
+                </a:gridCol>
+                <a:gridCol w="1388882">
+                  <a:extLst>
+                    <a:ext uri="{9D8B030D-6E8A-4147-A177-3AD203B41FA5}">
+                      <a16:colId xmlns:a16="http://schemas.microsoft.com/office/drawing/2014/main" val="20001"/>
+                    </a:ext>
+                  </a:extLst>
+                </a:gridCol>
+              </a:tblGrid>
+              <a:tr h="308863">
+                <a:tc>
+                  <a:txBody>
+                    <a:bodyPr/>
+                    <a:lstStyle/>
+                    <a:p>
+                      <a:pPr marL="34925">
+                        <a:lnSpc>
+                          <a:spcPct val="100000"/>
+                        </a:lnSpc>
+                      </a:pPr>
+                      <a:r>
+                        <a:rPr sz="1200" spc="-5" dirty="0">
+                          <a:solidFill>
+                            <a:srgbClr val="FFC000"/>
+                          </a:solidFill>
+                          <a:latin typeface="Arial"/>
+                          <a:cs typeface="Arial"/>
+                        </a:rPr>
+                        <a:t>12</a:t>
+                      </a:r>
+                      <a:endParaRPr sz="1200">
+                        <a:latin typeface="Arial"/>
+                        <a:cs typeface="Arial"/>
+                      </a:endParaRPr>
+                    </a:p>
+                  </a:txBody>
+                  <a:tcPr marL="0" marR="0" marT="0" marB="0">
+                    <a:solidFill>
+                      <a:srgbClr val="000000"/>
+                    </a:solidFill>
+                  </a:tcPr>
+                </a:tc>
+                <a:tc>
+                  <a:txBody>
+                    <a:bodyPr/>
+                    <a:lstStyle/>
+                    <a:p>
+                      <a:pPr marL="492125" algn="r">
+                        <a:lnSpc>
+                          <a:spcPct val="100000"/>
+                        </a:lnSpc>
+                      </a:pPr>
+                      <a:r>
+                        <a:rPr lang="en-US" sz="1200" spc="-5" dirty="0">
+                          <a:solidFill>
+                            <a:srgbClr val="FFC000"/>
+                          </a:solidFill>
+                          <a:latin typeface="Arial"/>
+                          <a:cs typeface="Arial"/>
+                        </a:rPr>
+                        <a:t>110</a:t>
+                      </a:r>
+                      <a:endParaRPr sz="1200" dirty="0">
+                        <a:latin typeface="Arial"/>
+                        <a:cs typeface="Arial"/>
+                      </a:endParaRPr>
+                    </a:p>
+                  </a:txBody>
+                  <a:tcPr marL="0" marR="0" marT="0" marB="0">
+                    <a:solidFill>
+                      <a:srgbClr val="000000"/>
+                    </a:solidFill>
+                  </a:tcPr>
+                </a:tc>
+                <a:extLst>
+                  <a:ext uri="{0D108BD9-81ED-4DB2-BD59-A6C34878D82A}">
+                    <a16:rowId xmlns:a16="http://schemas.microsoft.com/office/drawing/2014/main" val="10000"/>
+                  </a:ext>
+                </a:extLst>
+              </a:tr>
+              <a:tr h="338327">
+                <a:tc>
+                  <a:txBody>
+                    <a:bodyPr/>
+                    <a:lstStyle/>
+                    <a:p>
+                      <a:pPr marL="34925">
+                        <a:lnSpc>
+                          <a:spcPct val="100000"/>
+                        </a:lnSpc>
+                      </a:pPr>
+                      <a:r>
+                        <a:rPr sz="1200" spc="-5" dirty="0">
+                          <a:solidFill>
+                            <a:srgbClr val="FFC000"/>
+                          </a:solidFill>
+                          <a:latin typeface="Arial"/>
+                          <a:cs typeface="Arial"/>
+                        </a:rPr>
+                        <a:t>11</a:t>
+                      </a:r>
+                      <a:endParaRPr sz="1200">
+                        <a:latin typeface="Arial"/>
+                        <a:cs typeface="Arial"/>
+                      </a:endParaRPr>
+                    </a:p>
+                  </a:txBody>
+                  <a:tcPr marL="0" marR="0" marT="0" marB="0">
+                    <a:solidFill>
+                      <a:srgbClr val="000000"/>
+                    </a:solidFill>
+                  </a:tcPr>
+                </a:tc>
+                <a:tc>
+                  <a:txBody>
+                    <a:bodyPr/>
+                    <a:lstStyle/>
+                    <a:p>
+                      <a:pPr marL="629285" algn="r">
+                        <a:lnSpc>
+                          <a:spcPct val="100000"/>
+                        </a:lnSpc>
+                      </a:pPr>
+                      <a:r>
+                        <a:rPr lang="en-US" sz="1200" spc="-5" dirty="0">
+                          <a:solidFill>
+                            <a:srgbClr val="FFC000"/>
+                          </a:solidFill>
+                          <a:latin typeface="Arial"/>
+                          <a:cs typeface="Arial"/>
+                        </a:rPr>
+                        <a:t>100</a:t>
+                      </a:r>
+                      <a:endParaRPr sz="1200" dirty="0">
+                        <a:latin typeface="Arial"/>
+                        <a:cs typeface="Arial"/>
+                      </a:endParaRPr>
+                    </a:p>
+                  </a:txBody>
+                  <a:tcPr marL="0" marR="0" marT="0" marB="0">
+                    <a:solidFill>
+                      <a:srgbClr val="000000"/>
+                    </a:solidFill>
+                  </a:tcPr>
+                </a:tc>
+                <a:extLst>
+                  <a:ext uri="{0D108BD9-81ED-4DB2-BD59-A6C34878D82A}">
+                    <a16:rowId xmlns:a16="http://schemas.microsoft.com/office/drawing/2014/main" val="10001"/>
+                  </a:ext>
+                </a:extLst>
+              </a:tr>
+              <a:tr h="338200">
+                <a:tc>
+                  <a:txBody>
+                    <a:bodyPr/>
+                    <a:lstStyle/>
+                    <a:p>
+                      <a:pPr marL="34925">
+                        <a:lnSpc>
+                          <a:spcPct val="100000"/>
+                        </a:lnSpc>
+                      </a:pPr>
+                      <a:r>
+                        <a:rPr sz="1200" spc="-5" dirty="0">
+                          <a:solidFill>
+                            <a:srgbClr val="FFC000"/>
+                          </a:solidFill>
+                          <a:latin typeface="Arial"/>
+                          <a:cs typeface="Arial"/>
+                        </a:rPr>
+                        <a:t>10</a:t>
+                      </a:r>
+                      <a:endParaRPr sz="1200">
+                        <a:latin typeface="Arial"/>
+                        <a:cs typeface="Arial"/>
+                      </a:endParaRPr>
+                    </a:p>
+                  </a:txBody>
+                  <a:tcPr marL="0" marR="0" marT="0" marB="0">
+                    <a:solidFill>
+                      <a:srgbClr val="000000"/>
+                    </a:solidFill>
+                  </a:tcPr>
+                </a:tc>
+                <a:tc>
+                  <a:txBody>
+                    <a:bodyPr/>
+                    <a:lstStyle/>
+                    <a:p>
+                      <a:pPr marL="629285" algn="r">
+                        <a:lnSpc>
+                          <a:spcPct val="100000"/>
+                        </a:lnSpc>
+                      </a:pPr>
+                      <a:r>
+                        <a:rPr lang="en-US" sz="1200" spc="-5" dirty="0">
+                          <a:solidFill>
+                            <a:srgbClr val="FFC000"/>
+                          </a:solidFill>
+                          <a:latin typeface="Arial"/>
+                          <a:cs typeface="Arial"/>
+                        </a:rPr>
+                        <a:t>90</a:t>
+                      </a:r>
+                      <a:endParaRPr sz="1200" dirty="0">
+                        <a:latin typeface="Arial"/>
+                        <a:cs typeface="Arial"/>
+                      </a:endParaRPr>
+                    </a:p>
+                  </a:txBody>
+                  <a:tcPr marL="0" marR="0" marT="0" marB="0">
+                    <a:solidFill>
+                      <a:srgbClr val="000000"/>
+                    </a:solidFill>
+                  </a:tcPr>
+                </a:tc>
+                <a:extLst>
+                  <a:ext uri="{0D108BD9-81ED-4DB2-BD59-A6C34878D82A}">
+                    <a16:rowId xmlns:a16="http://schemas.microsoft.com/office/drawing/2014/main" val="10002"/>
+                  </a:ext>
+                </a:extLst>
+              </a:tr>
+              <a:tr h="338200">
+                <a:tc>
+                  <a:txBody>
+                    <a:bodyPr/>
+                    <a:lstStyle/>
+                    <a:p>
+                      <a:pPr marL="34925">
+                        <a:lnSpc>
+                          <a:spcPct val="100000"/>
+                        </a:lnSpc>
+                      </a:pPr>
+                      <a:r>
+                        <a:rPr sz="1200" dirty="0">
+                          <a:solidFill>
+                            <a:srgbClr val="FFC000"/>
+                          </a:solidFill>
+                          <a:latin typeface="Arial"/>
+                          <a:cs typeface="Arial"/>
+                        </a:rPr>
+                        <a:t>9</a:t>
+                      </a:r>
+                      <a:endParaRPr sz="1200">
+                        <a:latin typeface="Arial"/>
+                        <a:cs typeface="Arial"/>
+                      </a:endParaRPr>
+                    </a:p>
+                  </a:txBody>
+                  <a:tcPr marL="0" marR="0" marT="0" marB="0">
+                    <a:solidFill>
+                      <a:srgbClr val="000000"/>
+                    </a:solidFill>
+                  </a:tcPr>
+                </a:tc>
+                <a:tc>
+                  <a:txBody>
+                    <a:bodyPr/>
+                    <a:lstStyle/>
+                    <a:p>
+                      <a:pPr marL="629285" algn="r">
+                        <a:lnSpc>
+                          <a:spcPct val="100000"/>
+                        </a:lnSpc>
+                      </a:pPr>
+                      <a:r>
+                        <a:rPr lang="en-US" sz="1200" spc="-5" dirty="0">
+                          <a:solidFill>
+                            <a:srgbClr val="FFC000"/>
+                          </a:solidFill>
+                          <a:latin typeface="Arial"/>
+                          <a:cs typeface="Arial"/>
+                        </a:rPr>
+                        <a:t>80</a:t>
+                      </a:r>
+                      <a:endParaRPr sz="1200" dirty="0">
+                        <a:latin typeface="Arial"/>
+                        <a:cs typeface="Arial"/>
+                      </a:endParaRPr>
+                    </a:p>
+                  </a:txBody>
+                  <a:tcPr marL="0" marR="0" marT="0" marB="0">
+                    <a:solidFill>
+                      <a:srgbClr val="000000"/>
+                    </a:solidFill>
+                  </a:tcPr>
+                </a:tc>
+                <a:extLst>
+                  <a:ext uri="{0D108BD9-81ED-4DB2-BD59-A6C34878D82A}">
+                    <a16:rowId xmlns:a16="http://schemas.microsoft.com/office/drawing/2014/main" val="10003"/>
+                  </a:ext>
+                </a:extLst>
+              </a:tr>
+              <a:tr h="338201">
+                <a:tc>
+                  <a:txBody>
+                    <a:bodyPr/>
+                    <a:lstStyle/>
+                    <a:p>
+                      <a:pPr marL="34925">
+                        <a:lnSpc>
+                          <a:spcPct val="100000"/>
+                        </a:lnSpc>
+                      </a:pPr>
+                      <a:r>
+                        <a:rPr sz="1200" dirty="0">
+                          <a:solidFill>
+                            <a:srgbClr val="FFC000"/>
+                          </a:solidFill>
+                          <a:latin typeface="Arial"/>
+                          <a:cs typeface="Arial"/>
+                        </a:rPr>
+                        <a:t>8</a:t>
+                      </a:r>
+                      <a:endParaRPr sz="1200">
+                        <a:latin typeface="Arial"/>
+                        <a:cs typeface="Arial"/>
+                      </a:endParaRPr>
+                    </a:p>
+                  </a:txBody>
+                  <a:tcPr marL="0" marR="0" marT="0" marB="0">
+                    <a:solidFill>
+                      <a:srgbClr val="000000"/>
+                    </a:solidFill>
+                  </a:tcPr>
+                </a:tc>
+                <a:tc>
+                  <a:txBody>
+                    <a:bodyPr/>
+                    <a:lstStyle/>
+                    <a:p>
+                      <a:pPr marL="718820" algn="r">
+                        <a:lnSpc>
+                          <a:spcPct val="100000"/>
+                        </a:lnSpc>
+                      </a:pPr>
+                      <a:r>
+                        <a:rPr lang="en-US" sz="1200" spc="-5" dirty="0">
+                          <a:solidFill>
+                            <a:srgbClr val="FFC000"/>
+                          </a:solidFill>
+                          <a:latin typeface="Arial"/>
+                          <a:cs typeface="Arial"/>
+                        </a:rPr>
+                        <a:t>70</a:t>
+                      </a:r>
+                      <a:endParaRPr sz="1200" dirty="0">
+                        <a:latin typeface="Arial"/>
+                        <a:cs typeface="Arial"/>
+                      </a:endParaRPr>
+                    </a:p>
+                  </a:txBody>
+                  <a:tcPr marL="0" marR="0" marT="0" marB="0">
+                    <a:solidFill>
+                      <a:srgbClr val="000000"/>
+                    </a:solidFill>
+                  </a:tcPr>
+                </a:tc>
+                <a:extLst>
+                  <a:ext uri="{0D108BD9-81ED-4DB2-BD59-A6C34878D82A}">
+                    <a16:rowId xmlns:a16="http://schemas.microsoft.com/office/drawing/2014/main" val="10004"/>
+                  </a:ext>
+                </a:extLst>
+              </a:tr>
+              <a:tr h="338200">
+                <a:tc>
+                  <a:txBody>
+                    <a:bodyPr/>
+                    <a:lstStyle/>
+                    <a:p>
+                      <a:pPr marL="34925">
+                        <a:lnSpc>
+                          <a:spcPct val="100000"/>
+                        </a:lnSpc>
+                      </a:pPr>
+                      <a:r>
+                        <a:rPr sz="1200" dirty="0">
+                          <a:solidFill>
+                            <a:srgbClr val="FFFFFF"/>
+                          </a:solidFill>
+                          <a:latin typeface="Arial"/>
+                          <a:cs typeface="Arial"/>
+                        </a:rPr>
+                        <a:t>7</a:t>
+                      </a:r>
+                      <a:endParaRPr sz="1200" dirty="0">
+                        <a:latin typeface="Arial"/>
+                        <a:cs typeface="Arial"/>
+                      </a:endParaRPr>
+                    </a:p>
+                  </a:txBody>
+                  <a:tcPr marL="0" marR="0" marT="0" marB="0">
+                    <a:solidFill>
+                      <a:srgbClr val="000000"/>
+                    </a:solidFill>
+                  </a:tcPr>
+                </a:tc>
+                <a:tc>
+                  <a:txBody>
+                    <a:bodyPr/>
+                    <a:lstStyle/>
+                    <a:p>
+                      <a:pPr marL="718820" algn="r">
+                        <a:lnSpc>
+                          <a:spcPct val="100000"/>
+                        </a:lnSpc>
+                      </a:pPr>
+                      <a:r>
+                        <a:rPr lang="en-US" sz="1200" spc="-5" dirty="0">
+                          <a:solidFill>
+                            <a:srgbClr val="FFFFFF"/>
+                          </a:solidFill>
+                          <a:latin typeface="Arial"/>
+                          <a:cs typeface="Arial"/>
+                        </a:rPr>
+                        <a:t>60</a:t>
+                      </a:r>
+                      <a:endParaRPr sz="1200" dirty="0">
+                        <a:latin typeface="Arial"/>
+                        <a:cs typeface="Arial"/>
+                      </a:endParaRPr>
+                    </a:p>
+                  </a:txBody>
+                  <a:tcPr marL="0" marR="0" marT="0" marB="0">
+                    <a:solidFill>
+                      <a:srgbClr val="000000"/>
+                    </a:solidFill>
+                  </a:tcPr>
+                </a:tc>
+                <a:extLst>
+                  <a:ext uri="{0D108BD9-81ED-4DB2-BD59-A6C34878D82A}">
+                    <a16:rowId xmlns:a16="http://schemas.microsoft.com/office/drawing/2014/main" val="10005"/>
+                  </a:ext>
+                </a:extLst>
+              </a:tr>
+              <a:tr h="338137">
+                <a:tc>
+                  <a:txBody>
+                    <a:bodyPr/>
+                    <a:lstStyle/>
+                    <a:p>
+                      <a:pPr marL="34925">
+                        <a:lnSpc>
+                          <a:spcPct val="100000"/>
+                        </a:lnSpc>
+                      </a:pPr>
+                      <a:r>
+                        <a:rPr sz="1200" dirty="0">
+                          <a:solidFill>
+                            <a:srgbClr val="FFC000"/>
+                          </a:solidFill>
+                          <a:latin typeface="Arial"/>
+                          <a:cs typeface="Arial"/>
+                        </a:rPr>
+                        <a:t>6</a:t>
+                      </a:r>
+                      <a:endParaRPr sz="1200">
+                        <a:latin typeface="Arial"/>
+                        <a:cs typeface="Arial"/>
+                      </a:endParaRPr>
+                    </a:p>
+                  </a:txBody>
+                  <a:tcPr marL="0" marR="0" marT="0" marB="0">
+                    <a:solidFill>
+                      <a:srgbClr val="000000"/>
+                    </a:solidFill>
+                  </a:tcPr>
+                </a:tc>
+                <a:tc>
+                  <a:txBody>
+                    <a:bodyPr/>
+                    <a:lstStyle/>
+                    <a:p>
+                      <a:pPr marL="718820" algn="r">
+                        <a:lnSpc>
+                          <a:spcPct val="100000"/>
+                        </a:lnSpc>
+                      </a:pPr>
+                      <a:r>
+                        <a:rPr lang="en-US" sz="1200" spc="-5" dirty="0">
+                          <a:solidFill>
+                            <a:srgbClr val="FFC000"/>
+                          </a:solidFill>
+                          <a:latin typeface="Arial"/>
+                          <a:cs typeface="Arial"/>
+                        </a:rPr>
+                        <a:t>50</a:t>
+                      </a:r>
+                      <a:endParaRPr sz="1200" dirty="0">
+                        <a:latin typeface="Arial"/>
+                        <a:cs typeface="Arial"/>
+                      </a:endParaRPr>
+                    </a:p>
+                  </a:txBody>
+                  <a:tcPr marL="0" marR="0" marT="0" marB="0">
+                    <a:solidFill>
+                      <a:srgbClr val="000000"/>
+                    </a:solidFill>
+                  </a:tcPr>
+                </a:tc>
+                <a:extLst>
+                  <a:ext uri="{0D108BD9-81ED-4DB2-BD59-A6C34878D82A}">
+                    <a16:rowId xmlns:a16="http://schemas.microsoft.com/office/drawing/2014/main" val="10006"/>
+                  </a:ext>
+                </a:extLst>
+              </a:tr>
+              <a:tr h="338137">
+                <a:tc>
+                  <a:txBody>
+                    <a:bodyPr/>
+                    <a:lstStyle/>
+                    <a:p>
+                      <a:pPr marL="34925">
+                        <a:lnSpc>
+                          <a:spcPct val="100000"/>
+                        </a:lnSpc>
+                      </a:pPr>
+                      <a:r>
+                        <a:rPr sz="1200" dirty="0">
+                          <a:solidFill>
+                            <a:srgbClr val="FFC000"/>
+                          </a:solidFill>
+                          <a:latin typeface="Arial"/>
+                          <a:cs typeface="Arial"/>
+                        </a:rPr>
+                        <a:t>5</a:t>
+                      </a:r>
+                      <a:endParaRPr sz="1200">
+                        <a:latin typeface="Arial"/>
+                        <a:cs typeface="Arial"/>
+                      </a:endParaRPr>
+                    </a:p>
+                  </a:txBody>
+                  <a:tcPr marL="0" marR="0" marT="0" marB="0">
+                    <a:solidFill>
+                      <a:srgbClr val="000000"/>
+                    </a:solidFill>
+                  </a:tcPr>
+                </a:tc>
+                <a:tc>
+                  <a:txBody>
+                    <a:bodyPr/>
+                    <a:lstStyle/>
+                    <a:p>
+                      <a:pPr marL="855980" algn="r">
+                        <a:lnSpc>
+                          <a:spcPct val="100000"/>
+                        </a:lnSpc>
+                      </a:pPr>
+                      <a:r>
+                        <a:rPr lang="en-US" sz="1200" spc="-5" dirty="0">
+                          <a:solidFill>
+                            <a:srgbClr val="FFC000"/>
+                          </a:solidFill>
+                          <a:latin typeface="Arial"/>
+                          <a:cs typeface="Arial"/>
+                        </a:rPr>
+                        <a:t>40</a:t>
+                      </a:r>
+                      <a:endParaRPr sz="1200" dirty="0">
+                        <a:latin typeface="Arial"/>
+                        <a:cs typeface="Arial"/>
+                      </a:endParaRPr>
+                    </a:p>
+                  </a:txBody>
+                  <a:tcPr marL="0" marR="0" marT="0" marB="0">
+                    <a:solidFill>
+                      <a:srgbClr val="000000"/>
+                    </a:solidFill>
+                  </a:tcPr>
+                </a:tc>
+                <a:extLst>
+                  <a:ext uri="{0D108BD9-81ED-4DB2-BD59-A6C34878D82A}">
+                    <a16:rowId xmlns:a16="http://schemas.microsoft.com/office/drawing/2014/main" val="10007"/>
+                  </a:ext>
+                </a:extLst>
+              </a:tr>
+              <a:tr h="338327">
+                <a:tc>
+                  <a:txBody>
+                    <a:bodyPr/>
+                    <a:lstStyle/>
+                    <a:p>
+                      <a:pPr marL="34925">
+                        <a:lnSpc>
+                          <a:spcPct val="100000"/>
+                        </a:lnSpc>
+                      </a:pPr>
+                      <a:r>
+                        <a:rPr sz="1200" dirty="0">
+                          <a:solidFill>
+                            <a:srgbClr val="FFC000"/>
+                          </a:solidFill>
+                          <a:latin typeface="Arial"/>
+                          <a:cs typeface="Arial"/>
+                        </a:rPr>
+                        <a:t>4</a:t>
+                      </a:r>
+                      <a:endParaRPr sz="1200">
+                        <a:latin typeface="Arial"/>
+                        <a:cs typeface="Arial"/>
+                      </a:endParaRPr>
+                    </a:p>
+                  </a:txBody>
+                  <a:tcPr marL="0" marR="0" marT="0" marB="0">
+                    <a:solidFill>
+                      <a:srgbClr val="000000"/>
+                    </a:solidFill>
+                  </a:tcPr>
+                </a:tc>
+                <a:tc>
+                  <a:txBody>
+                    <a:bodyPr/>
+                    <a:lstStyle/>
+                    <a:p>
+                      <a:pPr marL="855980" algn="r">
+                        <a:lnSpc>
+                          <a:spcPct val="100000"/>
+                        </a:lnSpc>
+                      </a:pPr>
+                      <a:r>
+                        <a:rPr lang="en-US" sz="1200" spc="-5" dirty="0">
+                          <a:solidFill>
+                            <a:srgbClr val="FFC000"/>
+                          </a:solidFill>
+                          <a:latin typeface="Arial"/>
+                          <a:cs typeface="Arial"/>
+                        </a:rPr>
+                        <a:t>30</a:t>
+                      </a:r>
+                      <a:endParaRPr sz="1200" dirty="0">
+                        <a:latin typeface="Arial"/>
+                        <a:cs typeface="Arial"/>
+                      </a:endParaRPr>
+                    </a:p>
+                  </a:txBody>
+                  <a:tcPr marL="0" marR="0" marT="0" marB="0">
+                    <a:solidFill>
+                      <a:srgbClr val="000000"/>
+                    </a:solidFill>
+                  </a:tcPr>
+                </a:tc>
+                <a:extLst>
+                  <a:ext uri="{0D108BD9-81ED-4DB2-BD59-A6C34878D82A}">
+                    <a16:rowId xmlns:a16="http://schemas.microsoft.com/office/drawing/2014/main" val="10008"/>
+                  </a:ext>
+                </a:extLst>
+              </a:tr>
+              <a:tr h="338188">
+                <a:tc>
+                  <a:txBody>
+                    <a:bodyPr/>
+                    <a:lstStyle/>
+                    <a:p>
+                      <a:pPr marL="34925">
+                        <a:lnSpc>
+                          <a:spcPct val="100000"/>
+                        </a:lnSpc>
+                      </a:pPr>
+                      <a:r>
+                        <a:rPr sz="1200" dirty="0">
+                          <a:solidFill>
+                            <a:srgbClr val="FFC000"/>
+                          </a:solidFill>
+                          <a:latin typeface="Arial"/>
+                          <a:cs typeface="Arial"/>
+                        </a:rPr>
+                        <a:t>3</a:t>
+                      </a:r>
+                      <a:endParaRPr sz="1200">
+                        <a:latin typeface="Arial"/>
+                        <a:cs typeface="Arial"/>
+                      </a:endParaRPr>
+                    </a:p>
+                  </a:txBody>
+                  <a:tcPr marL="0" marR="0" marT="0" marB="0">
+                    <a:solidFill>
+                      <a:srgbClr val="000000"/>
+                    </a:solidFill>
+                  </a:tcPr>
+                </a:tc>
+                <a:tc>
+                  <a:txBody>
+                    <a:bodyPr/>
+                    <a:lstStyle/>
+                    <a:p>
+                      <a:pPr marL="855980" algn="r">
+                        <a:lnSpc>
+                          <a:spcPct val="100000"/>
+                        </a:lnSpc>
+                      </a:pPr>
+                      <a:r>
+                        <a:rPr sz="1200" spc="-5" dirty="0">
+                          <a:solidFill>
+                            <a:srgbClr val="FFC000"/>
+                          </a:solidFill>
+                          <a:latin typeface="Arial"/>
+                          <a:cs typeface="Arial"/>
+                        </a:rPr>
+                        <a:t>20</a:t>
+                      </a:r>
+                      <a:endParaRPr sz="1200" dirty="0">
+                        <a:latin typeface="Arial"/>
+                        <a:cs typeface="Arial"/>
+                      </a:endParaRPr>
+                    </a:p>
+                  </a:txBody>
+                  <a:tcPr marL="0" marR="0" marT="0" marB="0">
+                    <a:solidFill>
+                      <a:srgbClr val="000000"/>
+                    </a:solidFill>
+                  </a:tcPr>
+                </a:tc>
+                <a:extLst>
+                  <a:ext uri="{0D108BD9-81ED-4DB2-BD59-A6C34878D82A}">
+                    <a16:rowId xmlns:a16="http://schemas.microsoft.com/office/drawing/2014/main" val="10009"/>
+                  </a:ext>
+                </a:extLst>
+              </a:tr>
+              <a:tr h="338188">
+                <a:tc>
+                  <a:txBody>
+                    <a:bodyPr/>
+                    <a:lstStyle/>
+                    <a:p>
+                      <a:pPr marL="34925">
+                        <a:lnSpc>
+                          <a:spcPct val="100000"/>
+                        </a:lnSpc>
+                      </a:pPr>
+                      <a:r>
+                        <a:rPr sz="1200" dirty="0">
+                          <a:solidFill>
+                            <a:srgbClr val="FFFFFF"/>
+                          </a:solidFill>
+                          <a:latin typeface="Arial"/>
+                          <a:cs typeface="Arial"/>
+                        </a:rPr>
+                        <a:t>2</a:t>
+                      </a:r>
+                      <a:endParaRPr sz="1200" dirty="0">
+                        <a:latin typeface="Arial"/>
+                        <a:cs typeface="Arial"/>
+                      </a:endParaRPr>
+                    </a:p>
+                  </a:txBody>
+                  <a:tcPr marL="0" marR="0" marT="0" marB="0">
+                    <a:solidFill>
+                      <a:srgbClr val="000000"/>
+                    </a:solidFill>
+                  </a:tcPr>
+                </a:tc>
+                <a:tc>
+                  <a:txBody>
+                    <a:bodyPr/>
+                    <a:lstStyle/>
+                    <a:p>
+                      <a:pPr marL="855980" algn="r">
+                        <a:lnSpc>
+                          <a:spcPct val="100000"/>
+                        </a:lnSpc>
+                      </a:pPr>
+                      <a:r>
+                        <a:rPr sz="1200" spc="-5" dirty="0">
+                          <a:solidFill>
+                            <a:srgbClr val="FFFFFF"/>
+                          </a:solidFill>
+                          <a:latin typeface="Arial"/>
+                          <a:cs typeface="Arial"/>
+                        </a:rPr>
+                        <a:t>10</a:t>
+                      </a:r>
+                      <a:endParaRPr sz="1200" dirty="0">
+                        <a:latin typeface="Arial"/>
+                        <a:cs typeface="Arial"/>
+                      </a:endParaRPr>
+                    </a:p>
+                  </a:txBody>
+                  <a:tcPr marL="0" marR="0" marT="0" marB="0">
+                    <a:solidFill>
+                      <a:srgbClr val="000000"/>
+                    </a:solidFill>
+                  </a:tcPr>
+                </a:tc>
+                <a:extLst>
+                  <a:ext uri="{0D108BD9-81ED-4DB2-BD59-A6C34878D82A}">
+                    <a16:rowId xmlns:a16="http://schemas.microsoft.com/office/drawing/2014/main" val="10010"/>
+                  </a:ext>
+                </a:extLst>
+              </a:tr>
+              <a:tr h="308864">
+                <a:tc>
+                  <a:txBody>
+                    <a:bodyPr/>
+                    <a:lstStyle/>
+                    <a:p>
+                      <a:pPr marL="34925">
+                        <a:lnSpc>
+                          <a:spcPct val="100000"/>
+                        </a:lnSpc>
+                      </a:pPr>
+                      <a:r>
+                        <a:rPr sz="1200" dirty="0">
+                          <a:solidFill>
+                            <a:srgbClr val="FFC000"/>
+                          </a:solidFill>
+                          <a:latin typeface="Arial"/>
+                          <a:cs typeface="Arial"/>
+                        </a:rPr>
+                        <a:t>1</a:t>
+                      </a:r>
+                      <a:endParaRPr sz="1200">
+                        <a:latin typeface="Arial"/>
+                        <a:cs typeface="Arial"/>
+                      </a:endParaRPr>
+                    </a:p>
+                  </a:txBody>
+                  <a:tcPr marL="0" marR="0" marT="0" marB="0"/>
+                </a:tc>
+                <a:tc>
+                  <a:txBody>
+                    <a:bodyPr/>
+                    <a:lstStyle/>
+                    <a:p>
+                      <a:pPr marR="27305" algn="r">
+                        <a:lnSpc>
+                          <a:spcPct val="100000"/>
+                        </a:lnSpc>
+                      </a:pPr>
+                      <a:r>
+                        <a:rPr sz="1200" spc="-5" dirty="0">
+                          <a:solidFill>
+                            <a:srgbClr val="FFC000"/>
+                          </a:solidFill>
+                          <a:latin typeface="Arial"/>
+                          <a:cs typeface="Arial"/>
+                        </a:rPr>
+                        <a:t>5</a:t>
+                      </a:r>
+                      <a:endParaRPr sz="1200" dirty="0">
+                        <a:latin typeface="Arial"/>
+                        <a:cs typeface="Arial"/>
+                      </a:endParaRPr>
+                    </a:p>
+                  </a:txBody>
+                  <a:tcPr marL="0" marR="0" marT="0" marB="0"/>
+                </a:tc>
+                <a:extLst>
+                  <a:ext uri="{0D108BD9-81ED-4DB2-BD59-A6C34878D82A}">
+                    <a16:rowId xmlns:a16="http://schemas.microsoft.com/office/drawing/2014/main" val="10011"/>
+                  </a:ext>
+                </a:extLst>
+              </a:tr>
+            </a:tbl>
+          </a:graphicData>
+        </a:graphic>
+      </p:graphicFrame>
+      <p:sp>
+        <p:nvSpPr>
+          <p:cNvPr id="6" name="object 4">
+            <a:extLst>
+              <a:ext uri="{FF2B5EF4-FFF2-40B4-BE49-F238E27FC236}">
+                <a16:creationId xmlns:a16="http://schemas.microsoft.com/office/drawing/2014/main" id="{5138E9D2-768B-4A4C-8009-7DE8E917D812}"/>
+              </a:ext>
+            </a:extLst>
+          </p:cNvPr>
+          <p:cNvSpPr/>
+          <p:nvPr/>
+        </p:nvSpPr>
+        <p:spPr>
+          <a:xfrm>
+            <a:off x="3200400" y="5658380"/>
+            <a:ext cx="2438400" cy="375285"/>
+          </a:xfrm>
+          <a:custGeom>
+            <a:avLst/>
+            <a:gdLst/>
+            <a:ahLst/>
+            <a:cxnLst/>
+            <a:rect l="l" t="t" r="r" b="b"/>
+            <a:pathLst>
+              <a:path w="2438400" h="375285">
+                <a:moveTo>
+                  <a:pt x="2186178" y="0"/>
+                </a:moveTo>
+                <a:lnTo>
+                  <a:pt x="210185" y="0"/>
+                </a:lnTo>
+                <a:lnTo>
+                  <a:pt x="201853" y="1911"/>
+                </a:lnTo>
+                <a:lnTo>
+                  <a:pt x="164431" y="23610"/>
+                </a:lnTo>
+                <a:lnTo>
+                  <a:pt x="133072" y="51169"/>
+                </a:lnTo>
+                <a:lnTo>
+                  <a:pt x="99975" y="84682"/>
+                </a:lnTo>
+                <a:lnTo>
+                  <a:pt x="54826" y="132838"/>
+                </a:lnTo>
+                <a:lnTo>
+                  <a:pt x="43597" y="144670"/>
+                </a:lnTo>
+                <a:lnTo>
+                  <a:pt x="32464" y="156171"/>
+                </a:lnTo>
+                <a:lnTo>
+                  <a:pt x="21463" y="167218"/>
+                </a:lnTo>
+                <a:lnTo>
+                  <a:pt x="10629" y="177686"/>
+                </a:lnTo>
+                <a:lnTo>
+                  <a:pt x="0" y="187452"/>
+                </a:lnTo>
+                <a:lnTo>
+                  <a:pt x="10629" y="197205"/>
+                </a:lnTo>
+                <a:lnTo>
+                  <a:pt x="43597" y="229893"/>
+                </a:lnTo>
+                <a:lnTo>
+                  <a:pt x="88725" y="277199"/>
+                </a:lnTo>
+                <a:lnTo>
+                  <a:pt x="99975" y="288927"/>
+                </a:lnTo>
+                <a:lnTo>
+                  <a:pt x="133072" y="322042"/>
+                </a:lnTo>
+                <a:lnTo>
+                  <a:pt x="164431" y="349650"/>
+                </a:lnTo>
+                <a:lnTo>
+                  <a:pt x="201853" y="372552"/>
+                </a:lnTo>
+                <a:lnTo>
+                  <a:pt x="210185" y="375031"/>
+                </a:lnTo>
+                <a:lnTo>
+                  <a:pt x="2192634" y="374908"/>
+                </a:lnTo>
+                <a:lnTo>
+                  <a:pt x="2230052" y="356991"/>
+                </a:lnTo>
+                <a:lnTo>
+                  <a:pt x="2267425" y="329558"/>
+                </a:lnTo>
+                <a:lnTo>
+                  <a:pt x="2309708" y="294740"/>
+                </a:lnTo>
+                <a:lnTo>
+                  <a:pt x="2383590" y="231563"/>
+                </a:lnTo>
+                <a:lnTo>
+                  <a:pt x="2397958" y="219539"/>
+                </a:lnTo>
+                <a:lnTo>
+                  <a:pt x="2411950" y="208076"/>
+                </a:lnTo>
+                <a:lnTo>
+                  <a:pt x="2425464" y="197329"/>
+                </a:lnTo>
+                <a:lnTo>
+                  <a:pt x="2438400" y="187452"/>
+                </a:lnTo>
+                <a:lnTo>
+                  <a:pt x="2425544" y="177633"/>
+                </a:lnTo>
+                <a:lnTo>
+                  <a:pt x="2412251" y="167016"/>
+                </a:lnTo>
+                <a:lnTo>
+                  <a:pt x="2398599" y="155741"/>
+                </a:lnTo>
+                <a:lnTo>
+                  <a:pt x="2384663" y="143950"/>
+                </a:lnTo>
+                <a:lnTo>
+                  <a:pt x="2313442" y="82178"/>
+                </a:lnTo>
+                <a:lnTo>
+                  <a:pt x="2299430" y="70246"/>
+                </a:lnTo>
+                <a:lnTo>
+                  <a:pt x="2259243" y="37832"/>
+                </a:lnTo>
+                <a:lnTo>
+                  <a:pt x="2223455" y="13447"/>
+                </a:lnTo>
+                <a:lnTo>
+                  <a:pt x="2194147" y="896"/>
+                </a:lnTo>
+                <a:lnTo>
+                  <a:pt x="2186178" y="0"/>
+                </a:lnTo>
+                <a:close/>
+              </a:path>
+            </a:pathLst>
+          </a:custGeom>
+          <a:solidFill>
+            <a:srgbClr val="FFFF00">
+              <a:alpha val="48000"/>
+            </a:srgbClr>
+          </a:solidFill>
+        </p:spPr>
+        <p:txBody>
+          <a:bodyPr wrap="square" lIns="0" tIns="0" rIns="0" bIns="0" rtlCol="0"/>
+          <a:lstStyle/>
+          <a:p>
+            <a:endParaRPr/>
+          </a:p>
+        </p:txBody>
+      </p:sp>
+      <p:sp>
+        <p:nvSpPr>
+          <p:cNvPr id="5" name="Rectangle 4">
+            <a:extLst>
+              <a:ext uri="{FF2B5EF4-FFF2-40B4-BE49-F238E27FC236}">
+                <a16:creationId xmlns:a16="http://schemas.microsoft.com/office/drawing/2014/main" id="{29A1DD91-2788-41BD-9BA2-4B3B3D4178C2}"/>
+              </a:ext>
+            </a:extLst>
+          </p:cNvPr>
+          <p:cNvSpPr/>
+          <p:nvPr/>
+        </p:nvSpPr>
+        <p:spPr>
+          <a:xfrm>
+            <a:off x="228600" y="1981200"/>
+            <a:ext cx="2286000" cy="1295400"/>
+          </a:xfrm>
+          <a:prstGeom prst="rect">
+            <a:avLst/>
+          </a:prstGeom>
+          <a:noFill/>
+          <a:ln>
+            <a:noFill/>
+          </a:ln>
+        </p:spPr>
+        <p:style>
+          <a:lnRef idx="2">
+            <a:schemeClr val="accent1">
+              <a:shade val="50000"/>
+            </a:schemeClr>
+          </a:lnRef>
+          <a:fillRef idx="1">
+            <a:schemeClr val="accent1"/>
+          </a:fillRef>
+          <a:effectRef idx="0">
+            <a:schemeClr val="accent1"/>
+          </a:effectRef>
+          <a:fontRef idx="minor">
+            <a:schemeClr val="lt1"/>
+          </a:fontRef>
+        </p:style>
+        <p:txBody>
+          <a:bodyPr rot="0" spcFirstLastPara="0" vertOverflow="overflow" horzOverflow="overflow" vert="horz" wrap="square" lIns="91440" tIns="45720" rIns="91440" bIns="45720" numCol="1" spcCol="0" rtlCol="0" fromWordArt="0" anchor="ctr" anchorCtr="0" forceAA="0" compatLnSpc="1">
+            <a:prstTxWarp prst="textNoShape">
+              <a:avLst/>
+            </a:prstTxWarp>
+            <a:noAutofit/>
+          </a:bodyPr>
+          <a:lstStyle/>
+          <a:p>
+            <a:pPr algn="ctr"/>
+            <a:r>
+              <a:rPr lang="en-US" sz="3200" dirty="0"/>
+              <a:t>Episode - 4</a:t>
+            </a:r>
+          </a:p>
+        </p:txBody>
+      </p:sp>
+      <p:sp>
+        <p:nvSpPr>
+          <p:cNvPr id="7" name="Rectangle 6">
+            <a:extLst>
+              <a:ext uri="{FF2B5EF4-FFF2-40B4-BE49-F238E27FC236}">
+                <a16:creationId xmlns:a16="http://schemas.microsoft.com/office/drawing/2014/main" id="{ED190FF3-7E1E-4A72-A8CF-EC190D5DAA17}"/>
+              </a:ext>
+            </a:extLst>
+          </p:cNvPr>
+          <p:cNvSpPr/>
+          <p:nvPr/>
+        </p:nvSpPr>
+        <p:spPr>
+          <a:xfrm>
+            <a:off x="6477000" y="1981200"/>
+            <a:ext cx="2286000" cy="1295400"/>
+          </a:xfrm>
+          <a:prstGeom prst="rect">
+            <a:avLst/>
+          </a:prstGeom>
+          <a:noFill/>
+          <a:ln>
+            <a:noFill/>
+          </a:ln>
+        </p:spPr>
+        <p:style>
+          <a:lnRef idx="2">
+            <a:schemeClr val="accent1">
+              <a:shade val="50000"/>
+            </a:schemeClr>
+          </a:lnRef>
+          <a:fillRef idx="1">
+            <a:schemeClr val="accent1"/>
+          </a:fillRef>
+          <a:effectRef idx="0">
+            <a:schemeClr val="accent1"/>
+          </a:effectRef>
+          <a:fontRef idx="minor">
+            <a:schemeClr val="lt1"/>
+          </a:fontRef>
+        </p:style>
+        <p:txBody>
+          <a:bodyPr rot="0" spcFirstLastPara="0" vertOverflow="overflow" horzOverflow="overflow" vert="horz" wrap="square" lIns="91440" tIns="45720" rIns="91440" bIns="45720" numCol="1" spcCol="0" rtlCol="0" fromWordArt="0" anchor="ctr" anchorCtr="0" forceAA="0" compatLnSpc="1">
+            <a:prstTxWarp prst="textNoShape">
+              <a:avLst/>
+            </a:prstTxWarp>
+            <a:noAutofit/>
+          </a:bodyPr>
+          <a:lstStyle/>
+          <a:p>
+            <a:pPr algn="ctr"/>
+            <a:r>
+              <a:rPr lang="en-US" sz="3200" dirty="0"/>
+              <a:t>Topic – Space &amp; Technology</a:t>
+            </a:r>
+          </a:p>
+        </p:txBody>
+      </p:sp>
+      <p:sp>
+        <p:nvSpPr>
+          <p:cNvPr id="8" name="Rectangle 7">
+            <a:extLst>
+              <a:ext uri="{FF2B5EF4-FFF2-40B4-BE49-F238E27FC236}">
+                <a16:creationId xmlns:a16="http://schemas.microsoft.com/office/drawing/2014/main" id="{B733992A-94B4-4D29-B871-EC1412E66A48}"/>
+              </a:ext>
+            </a:extLst>
+          </p:cNvPr>
+          <p:cNvSpPr/>
+          <p:nvPr/>
+        </p:nvSpPr>
+        <p:spPr>
+          <a:xfrm>
+            <a:off x="228600" y="4078526"/>
+            <a:ext cx="2286000" cy="1295400"/>
+          </a:xfrm>
+          <a:prstGeom prst="rect">
+            <a:avLst/>
+          </a:prstGeom>
+          <a:noFill/>
+          <a:ln>
+            <a:noFill/>
+          </a:ln>
+        </p:spPr>
+        <p:style>
+          <a:lnRef idx="2">
+            <a:schemeClr val="accent1">
+              <a:shade val="50000"/>
+            </a:schemeClr>
+          </a:lnRef>
+          <a:fillRef idx="1">
+            <a:schemeClr val="accent1"/>
+          </a:fillRef>
+          <a:effectRef idx="0">
+            <a:schemeClr val="accent1"/>
+          </a:effectRef>
+          <a:fontRef idx="minor">
+            <a:schemeClr val="lt1"/>
+          </a:fontRef>
+        </p:style>
+        <p:txBody>
+          <a:bodyPr rot="0" spcFirstLastPara="0" vertOverflow="overflow" horzOverflow="overflow" vert="horz" wrap="square" lIns="91440" tIns="45720" rIns="91440" bIns="45720" numCol="1" spcCol="0" rtlCol="0" fromWordArt="0" anchor="ctr" anchorCtr="0" forceAA="0" compatLnSpc="1">
+            <a:prstTxWarp prst="textNoShape">
+              <a:avLst/>
+            </a:prstTxWarp>
+            <a:noAutofit/>
+          </a:bodyPr>
+          <a:lstStyle/>
+          <a:p>
+            <a:pPr algn="ctr"/>
+            <a:r>
+              <a:rPr lang="en-US" sz="3200" dirty="0"/>
+              <a:t>Age Group – 7 to 14</a:t>
+            </a:r>
+          </a:p>
+        </p:txBody>
+      </p:sp>
+      <p:sp>
+        <p:nvSpPr>
+          <p:cNvPr id="9" name="Rectangle 8">
+            <a:extLst>
+              <a:ext uri="{FF2B5EF4-FFF2-40B4-BE49-F238E27FC236}">
+                <a16:creationId xmlns:a16="http://schemas.microsoft.com/office/drawing/2014/main" id="{D95B08BC-3143-4A82-BFF8-B905D58E8C5E}"/>
+              </a:ext>
+            </a:extLst>
+          </p:cNvPr>
+          <p:cNvSpPr/>
+          <p:nvPr/>
+        </p:nvSpPr>
+        <p:spPr>
+          <a:xfrm>
+            <a:off x="6094379" y="4079960"/>
+            <a:ext cx="2821021" cy="1295400"/>
+          </a:xfrm>
+          <a:prstGeom prst="rect">
+            <a:avLst/>
+          </a:prstGeom>
+          <a:noFill/>
+          <a:ln>
+            <a:noFill/>
+          </a:ln>
+        </p:spPr>
+        <p:style>
+          <a:lnRef idx="2">
+            <a:schemeClr val="accent1">
+              <a:shade val="50000"/>
+            </a:schemeClr>
+          </a:lnRef>
+          <a:fillRef idx="1">
+            <a:schemeClr val="accent1"/>
+          </a:fillRef>
+          <a:effectRef idx="0">
+            <a:schemeClr val="accent1"/>
+          </a:effectRef>
+          <a:fontRef idx="minor">
+            <a:schemeClr val="lt1"/>
+          </a:fontRef>
+        </p:style>
+        <p:txBody>
+          <a:bodyPr rot="0" spcFirstLastPara="0" vertOverflow="overflow" horzOverflow="overflow" vert="horz" wrap="square" lIns="91440" tIns="45720" rIns="91440" bIns="45720" numCol="1" spcCol="0" rtlCol="0" fromWordArt="0" anchor="ctr" anchorCtr="0" forceAA="0" compatLnSpc="1">
+            <a:prstTxWarp prst="textNoShape">
+              <a:avLst/>
+            </a:prstTxWarp>
+            <a:noAutofit/>
+          </a:bodyPr>
+          <a:lstStyle/>
+          <a:p>
+            <a:pPr algn="ctr"/>
+            <a:r>
+              <a:rPr lang="en-US" sz="3200" dirty="0"/>
+              <a:t>12 Questions, 3 Lifelines</a:t>
+            </a:r>
+          </a:p>
+        </p:txBody>
+      </p:sp>
+    </p:spTree>
+    <p:extLst>
+      <p:ext uri="{BB962C8B-B14F-4D97-AF65-F5344CB8AC3E}">
+        <p14:creationId xmlns:p14="http://schemas.microsoft.com/office/powerpoint/2010/main" val="314225066"/>
+      </p:ext>
+    </p:extLst>
+  </p:cSld>
+  <p:clrMapOvr>
+    <a:masterClrMapping/>
+  </p:clrMapOvr>
+  <p:timing>
+    <p:tnLst>
+      <p:par>
+        <p:cTn id="1" dur="indefinite" restart="never" nodeType="tmRoot">
+          <p:childTnLst>
+            <p:seq concurrent="1" nextAc="seek">
+              <p:cTn id="2" dur="indefinite" nodeType="mainSeq">
+                <p:childTnLst>
+                  <p:par>
+                    <p:cTn id="3" fill="hold">
+                      <p:stCondLst>
+                        <p:cond delay="indefinite"/>
+                        <p:cond evt="onBegin" delay="0">
+                          <p:tn val="2"/>
+                        </p:cond>
+                      </p:stCondLst>
+                      <p:childTnLst>
+                        <p:par>
+                          <p:cTn id="4" fill="hold">
+                            <p:stCondLst>
+                              <p:cond delay="0"/>
+                            </p:stCondLst>
+                            <p:childTnLst>
+                              <p:par>
+                                <p:cTn id="5" presetID="0" presetClass="path" presetSubtype="0" accel="50000" decel="50000" fill="hold" grpId="0" nodeType="afterEffect">
+                                  <p:stCondLst>
+                                    <p:cond delay="0"/>
+                                  </p:stCondLst>
+                                  <p:childTnLst>
+                                    <p:animMotion origin="layout" path="M 0.00018 -0.00416 L 0.00018 -0.00416 C -0.00017 -0.01064 -0.00069 -0.01712 -0.00086 -0.02361 C -0.00139 -0.03078 -0.00139 -0.03819 -0.00191 -0.0456 C -0.00208 -0.04699 -0.00382 -0.04861 -0.00295 -0.04953 L -0.00086 -0.04699 L -0.00086 -0.04699 " pathEditMode="relative" ptsTypes="AAAAAAA">
+                                      <p:cBhvr>
+                                        <p:cTn id="6" dur="2000" fill="hold"/>
+                                        <p:tgtEl>
+                                          <p:spTgt spid="6"/>
+                                        </p:tgtEl>
+                                        <p:attrNameLst>
+                                          <p:attrName>ppt_x</p:attrName>
+                                          <p:attrName>ppt_y</p:attrName>
+                                        </p:attrNameLst>
+                                      </p:cBhvr>
+                                    </p:animMotion>
+                                  </p:childTnLst>
+                                </p:cTn>
+                              </p:par>
+                            </p:childTnLst>
+                          </p:cTn>
+                        </p:par>
+                        <p:par>
+                          <p:cTn id="7" fill="hold">
+                            <p:stCondLst>
+                              <p:cond delay="2000"/>
+                            </p:stCondLst>
+                            <p:childTnLst>
+                              <p:par>
+                                <p:cTn id="8" presetID="27" presetClass="emph" presetSubtype="0" fill="remove" grpId="1" nodeType="afterEffect">
+                                  <p:stCondLst>
+                                    <p:cond delay="0"/>
+                                  </p:stCondLst>
+                                  <p:childTnLst>
+                                    <p:animClr clrSpc="rgb" dir="cw">
+                                      <p:cBhvr override="childStyle">
+                                        <p:cTn id="9" dur="750" autoRev="1" fill="remove"/>
+                                        <p:tgtEl>
+                                          <p:spTgt spid="6"/>
+                                        </p:tgtEl>
+                                        <p:attrNameLst>
+                                          <p:attrName>style.color</p:attrName>
+                                        </p:attrNameLst>
+                                      </p:cBhvr>
+                                      <p:to>
+                                        <a:schemeClr val="bg1"/>
+                                      </p:to>
+                                    </p:animClr>
+                                    <p:animClr clrSpc="rgb" dir="cw">
+                                      <p:cBhvr>
+                                        <p:cTn id="10" dur="750" autoRev="1" fill="remove"/>
+                                        <p:tgtEl>
+                                          <p:spTgt spid="6"/>
+                                        </p:tgtEl>
+                                        <p:attrNameLst>
+                                          <p:attrName>fillcolor</p:attrName>
+                                        </p:attrNameLst>
+                                      </p:cBhvr>
+                                      <p:to>
+                                        <a:schemeClr val="bg1"/>
+                                      </p:to>
+                                    </p:animClr>
+                                    <p:set>
+                                      <p:cBhvr>
+                                        <p:cTn id="11" dur="750" autoRev="1" fill="remove"/>
+                                        <p:tgtEl>
+                                          <p:spTgt spid="6"/>
+                                        </p:tgtEl>
+                                        <p:attrNameLst>
+                                          <p:attrName>fill.type</p:attrName>
+                                        </p:attrNameLst>
+                                      </p:cBhvr>
+                                      <p:to>
+                                        <p:strVal val="solid"/>
+                                      </p:to>
+                                    </p:set>
+                                    <p:set>
+                                      <p:cBhvr>
+                                        <p:cTn id="12" dur="750" autoRev="1" fill="remove"/>
+                                        <p:tgtEl>
+                                          <p:spTgt spid="6"/>
+                                        </p:tgtEl>
+                                        <p:attrNameLst>
+                                          <p:attrName>fill.on</p:attrName>
+                                        </p:attrNameLst>
+                                      </p:cBhvr>
+                                      <p:to>
+                                        <p:strVal val="true"/>
+                                      </p:to>
+                                    </p:set>
+                                  </p:childTnLst>
+                                </p:cTn>
+                              </p:par>
+                            </p:childTnLst>
+                          </p:cTn>
+                        </p:par>
+                        <p:par>
+                          <p:cTn id="13" fill="hold">
+                            <p:stCondLst>
+                              <p:cond delay="3500"/>
+                            </p:stCondLst>
+                            <p:childTnLst>
+                              <p:par>
+                                <p:cTn id="14" presetID="0" presetClass="path" presetSubtype="0" accel="50000" decel="50000" fill="hold" grpId="2" nodeType="afterEffect">
+                                  <p:stCondLst>
+                                    <p:cond delay="0"/>
+                                  </p:stCondLst>
+                                  <p:childTnLst>
+                                    <p:animMotion origin="layout" path="M 0.00677 -0.05092 L 0.00677 -0.05069 C 0.00625 -0.0574 0.00625 -0.06388 0.00556 -0.07037 C 0.00539 -0.07175 0.00469 -0.07314 0.00452 -0.07476 C 0.00295 -0.08379 0.0033 -0.08425 0.0033 -0.09259 L 0.0033 -0.14722 L -3.33333E-6 -0.20347 L 0.00105 -0.24652 L -3.33333E-6 -0.30555 " pathEditMode="relative" rAng="0" ptsTypes="AAAAAAAAA">
+                                      <p:cBhvr>
+                                        <p:cTn id="15" dur="2000" fill="hold"/>
+                                        <p:tgtEl>
+                                          <p:spTgt spid="6"/>
+                                        </p:tgtEl>
+                                        <p:attrNameLst>
+                                          <p:attrName>ppt_x</p:attrName>
+                                          <p:attrName>ppt_y</p:attrName>
+                                        </p:attrNameLst>
+                                      </p:cBhvr>
+                                      <p:rCtr x="-347" y="-12731"/>
+                                    </p:animMotion>
+                                  </p:childTnLst>
+                                </p:cTn>
+                              </p:par>
+                            </p:childTnLst>
+                          </p:cTn>
+                        </p:par>
+                        <p:par>
+                          <p:cTn id="16" fill="hold">
+                            <p:stCondLst>
+                              <p:cond delay="5500"/>
+                            </p:stCondLst>
+                            <p:childTnLst>
+                              <p:par>
+                                <p:cTn id="17" presetID="27" presetClass="emph" presetSubtype="0" fill="remove" grpId="3" nodeType="afterEffect">
+                                  <p:stCondLst>
+                                    <p:cond delay="0"/>
+                                  </p:stCondLst>
+                                  <p:childTnLst>
+                                    <p:animClr clrSpc="rgb" dir="cw">
+                                      <p:cBhvr override="childStyle">
+                                        <p:cTn id="18" dur="900" autoRev="1" fill="remove"/>
+                                        <p:tgtEl>
+                                          <p:spTgt spid="6"/>
+                                        </p:tgtEl>
+                                        <p:attrNameLst>
+                                          <p:attrName>style.color</p:attrName>
+                                        </p:attrNameLst>
+                                      </p:cBhvr>
+                                      <p:to>
+                                        <a:schemeClr val="bg1"/>
+                                      </p:to>
+                                    </p:animClr>
+                                    <p:animClr clrSpc="rgb" dir="cw">
+                                      <p:cBhvr>
+                                        <p:cTn id="19" dur="900" autoRev="1" fill="remove"/>
+                                        <p:tgtEl>
+                                          <p:spTgt spid="6"/>
+                                        </p:tgtEl>
+                                        <p:attrNameLst>
+                                          <p:attrName>fillcolor</p:attrName>
+                                        </p:attrNameLst>
+                                      </p:cBhvr>
+                                      <p:to>
+                                        <a:schemeClr val="bg1"/>
+                                      </p:to>
+                                    </p:animClr>
+                                    <p:set>
+                                      <p:cBhvr>
+                                        <p:cTn id="20" dur="900" autoRev="1" fill="remove"/>
+                                        <p:tgtEl>
+                                          <p:spTgt spid="6"/>
+                                        </p:tgtEl>
+                                        <p:attrNameLst>
+                                          <p:attrName>fill.type</p:attrName>
+                                        </p:attrNameLst>
+                                      </p:cBhvr>
+                                      <p:to>
+                                        <p:strVal val="solid"/>
+                                      </p:to>
+                                    </p:set>
+                                    <p:set>
+                                      <p:cBhvr>
+                                        <p:cTn id="21" dur="900" autoRev="1" fill="remove"/>
+                                        <p:tgtEl>
+                                          <p:spTgt spid="6"/>
+                                        </p:tgtEl>
+                                        <p:attrNameLst>
+                                          <p:attrName>fill.on</p:attrName>
+                                        </p:attrNameLst>
+                                      </p:cBhvr>
+                                      <p:to>
+                                        <p:strVal val="true"/>
+                                      </p:to>
+                                    </p:set>
+                                  </p:childTnLst>
+                                </p:cTn>
+                              </p:par>
+                            </p:childTnLst>
+                          </p:cTn>
+                        </p:par>
+                        <p:par>
+                          <p:cTn id="22" fill="hold">
+                            <p:stCondLst>
+                              <p:cond delay="7300"/>
+                            </p:stCondLst>
+                            <p:childTnLst>
+                              <p:par>
+                                <p:cTn id="23" presetID="0" presetClass="path" presetSubtype="0" accel="50000" decel="50000" fill="hold" grpId="4" nodeType="afterEffect">
+                                  <p:stCondLst>
+                                    <p:cond delay="0"/>
+                                  </p:stCondLst>
+                                  <p:childTnLst>
+                                    <p:animMotion origin="layout" path="M -0.0033 -0.29675 L -0.0033 -0.33981 L -0.00434 -0.39305 L -0.00434 -0.4449 L -0.00225 -0.49675 L -3.33333E-6 -0.5456 " pathEditMode="relative" rAng="0" ptsTypes="AAAAAA">
+                                      <p:cBhvr>
+                                        <p:cTn id="24" dur="2000" fill="hold"/>
+                                        <p:tgtEl>
+                                          <p:spTgt spid="6"/>
+                                        </p:tgtEl>
+                                        <p:attrNameLst>
+                                          <p:attrName>ppt_x</p:attrName>
+                                          <p:attrName>ppt_y</p:attrName>
+                                        </p:attrNameLst>
+                                      </p:cBhvr>
+                                      <p:rCtr x="104" y="-12454"/>
+                                    </p:animMotion>
+                                  </p:childTnLst>
+                                </p:cTn>
+                              </p:par>
+                            </p:childTnLst>
+                          </p:cTn>
+                        </p:par>
+                        <p:par>
+                          <p:cTn id="25" fill="hold">
+                            <p:stCondLst>
+                              <p:cond delay="9300"/>
+                            </p:stCondLst>
+                            <p:childTnLst>
+                              <p:par>
+                                <p:cTn id="26" presetID="6" presetClass="emph" presetSubtype="0" fill="hold" grpId="5" nodeType="afterEffect">
+                                  <p:stCondLst>
+                                    <p:cond delay="0"/>
+                                  </p:stCondLst>
+                                  <p:childTnLst>
+                                    <p:animScale>
+                                      <p:cBhvr>
+                                        <p:cTn id="27" dur="2000" fill="hold"/>
+                                        <p:tgtEl>
+                                          <p:spTgt spid="6"/>
+                                        </p:tgtEl>
+                                      </p:cBhvr>
+                                      <p:by x="150000" y="150000"/>
+                                    </p:animScale>
+                                  </p:childTnLst>
+                                </p:cTn>
+                              </p:par>
+                            </p:childTnLst>
+                          </p:cTn>
+                        </p:par>
+                        <p:par>
+                          <p:cTn id="28" fill="hold">
+                            <p:stCondLst>
+                              <p:cond delay="11300"/>
+                            </p:stCondLst>
+                            <p:childTnLst>
+                              <p:par>
+                                <p:cTn id="29" presetID="1" presetClass="entr" presetSubtype="0" fill="hold" grpId="0" nodeType="afterEffect">
+                                  <p:stCondLst>
+                                    <p:cond delay="0"/>
+                                  </p:stCondLst>
+                                  <p:childTnLst>
+                                    <p:set>
+                                      <p:cBhvr>
+                                        <p:cTn id="30" dur="1" fill="hold">
+                                          <p:stCondLst>
+                                            <p:cond delay="0"/>
+                                          </p:stCondLst>
+                                        </p:cTn>
+                                        <p:tgtEl>
+                                          <p:spTgt spid="3"/>
+                                        </p:tgtEl>
+                                        <p:attrNameLst>
+                                          <p:attrName>style.visibility</p:attrName>
+                                        </p:attrNameLst>
+                                      </p:cBhvr>
+                                      <p:to>
+                                        <p:strVal val="visible"/>
+                                      </p:to>
+                                    </p:set>
+                                  </p:childTnLst>
+                                </p:cTn>
+                              </p:par>
+                            </p:childTnLst>
+                          </p:cTn>
+                        </p:par>
+                      </p:childTnLst>
+                    </p:cTn>
+                  </p:par>
+                </p:childTnLst>
+              </p:cTn>
+              <p:prevCondLst>
+                <p:cond evt="onPrev" delay="0">
+                  <p:tgtEl>
+                    <p:sldTgt/>
+                  </p:tgtEl>
+                </p:cond>
+              </p:prevCondLst>
+              <p:nextCondLst>
+                <p:cond evt="onNext" delay="0">
+                  <p:tgtEl>
+                    <p:sldTgt/>
+                  </p:tgtEl>
+                </p:cond>
+              </p:nextCondLst>
+            </p:seq>
+          </p:childTnLst>
+        </p:cTn>
+      </p:par>
+    </p:tnLst>
+    <p:bldLst>
+      <p:bldP spid="3" grpId="0" animBg="1"/>
+      <p:bldP spid="6" grpId="0" animBg="1"/>
+      <p:bldP spid="6" grpId="1" animBg="1"/>
+      <p:bldP spid="6" grpId="2" animBg="1"/>
+      <p:bldP spid="6" grpId="3" animBg="1"/>
+      <p:bldP spid="6" grpId="4" animBg="1"/>
+      <p:bldP spid="6" grpId="5" animBg="1"/>
+    </p:bldLst>
+  </p:timing>
+</p:sld>
+</file>
+
+<file path=ppt/slides/slide20.xml><?xml version="1.0" encoding="utf-8"?>
 <p:sld xmlns:a="http://schemas.openxmlformats.org/drawingml/2006/main" xmlns:r="http://schemas.openxmlformats.org/officeDocument/2006/relationships" xmlns:p="http://schemas.openxmlformats.org/presentationml/2006/main">
   <p:cSld>
     <p:spTree>
@@ -18580,1639 +20007,7 @@
 </p:sld>
 </file>
 
-<file path=ppt/slides/slide2.xml><?xml version="1.0" encoding="utf-8"?>
-<p:sld xmlns:a="http://schemas.openxmlformats.org/drawingml/2006/main" xmlns:r="http://schemas.openxmlformats.org/officeDocument/2006/relationships" xmlns:p="http://schemas.openxmlformats.org/presentationml/2006/main">
-  <p:cSld>
-    <p:spTree>
-      <p:nvGrpSpPr>
-        <p:cNvPr id="1" name=""/>
-        <p:cNvGrpSpPr/>
-        <p:nvPr/>
-      </p:nvGrpSpPr>
-      <p:grpSpPr>
-        <a:xfrm>
-          <a:off x="0" y="0"/>
-          <a:ext cx="0" cy="0"/>
-          <a:chOff x="0" y="0"/>
-          <a:chExt cx="0" cy="0"/>
-        </a:xfrm>
-      </p:grpSpPr>
-      <p:sp>
-        <p:nvSpPr>
-          <p:cNvPr id="2" name="object 2"/>
-          <p:cNvSpPr/>
-          <p:nvPr/>
-        </p:nvSpPr>
-        <p:spPr>
-          <a:xfrm>
-            <a:off x="4716017" y="5361813"/>
-            <a:ext cx="4176522" cy="720140"/>
-          </a:xfrm>
-          <a:prstGeom prst="rect">
-            <a:avLst/>
-          </a:prstGeom>
-          <a:blipFill>
-            <a:blip r:embed="rId3" cstate="print"/>
-            <a:stretch>
-              <a:fillRect/>
-            </a:stretch>
-          </a:blipFill>
-        </p:spPr>
-        <p:txBody>
-          <a:bodyPr wrap="square" lIns="0" tIns="0" rIns="0" bIns="0" rtlCol="0"/>
-          <a:lstStyle/>
-          <a:p>
-            <a:endParaRPr/>
-          </a:p>
-        </p:txBody>
-      </p:sp>
-      <p:sp>
-        <p:nvSpPr>
-          <p:cNvPr id="3" name="object 3"/>
-          <p:cNvSpPr/>
-          <p:nvPr/>
-        </p:nvSpPr>
-        <p:spPr>
-          <a:xfrm>
-            <a:off x="4691084" y="5336540"/>
-            <a:ext cx="4226855" cy="771118"/>
-          </a:xfrm>
-          <a:prstGeom prst="rect">
-            <a:avLst/>
-          </a:prstGeom>
-          <a:blipFill>
-            <a:blip r:embed="rId4" cstate="print"/>
-            <a:stretch>
-              <a:fillRect/>
-            </a:stretch>
-          </a:blipFill>
-        </p:spPr>
-        <p:txBody>
-          <a:bodyPr wrap="square" lIns="0" tIns="0" rIns="0" bIns="0" rtlCol="0"/>
-          <a:lstStyle/>
-          <a:p>
-            <a:endParaRPr/>
-          </a:p>
-        </p:txBody>
-      </p:sp>
-      <p:sp>
-        <p:nvSpPr>
-          <p:cNvPr id="4" name="object 4"/>
-          <p:cNvSpPr/>
-          <p:nvPr/>
-        </p:nvSpPr>
-        <p:spPr>
-          <a:xfrm>
-            <a:off x="251523" y="5362066"/>
-            <a:ext cx="4176458" cy="720051"/>
-          </a:xfrm>
-          <a:prstGeom prst="rect">
-            <a:avLst/>
-          </a:prstGeom>
-          <a:blipFill>
-            <a:blip r:embed="rId5" cstate="print"/>
-            <a:stretch>
-              <a:fillRect/>
-            </a:stretch>
-          </a:blipFill>
-        </p:spPr>
-        <p:txBody>
-          <a:bodyPr wrap="square" lIns="0" tIns="0" rIns="0" bIns="0" rtlCol="0"/>
-          <a:lstStyle/>
-          <a:p>
-            <a:endParaRPr/>
-          </a:p>
-        </p:txBody>
-      </p:sp>
-      <p:sp>
-        <p:nvSpPr>
-          <p:cNvPr id="5" name="object 5"/>
-          <p:cNvSpPr/>
-          <p:nvPr/>
-        </p:nvSpPr>
-        <p:spPr>
-          <a:xfrm>
-            <a:off x="226616" y="5336666"/>
-            <a:ext cx="4226711" cy="771182"/>
-          </a:xfrm>
-          <a:prstGeom prst="rect">
-            <a:avLst/>
-          </a:prstGeom>
-          <a:blipFill>
-            <a:blip r:embed="rId6" cstate="print"/>
-            <a:stretch>
-              <a:fillRect/>
-            </a:stretch>
-          </a:blipFill>
-        </p:spPr>
-        <p:txBody>
-          <a:bodyPr wrap="square" lIns="0" tIns="0" rIns="0" bIns="0" rtlCol="0"/>
-          <a:lstStyle/>
-          <a:p>
-            <a:endParaRPr dirty="0"/>
-          </a:p>
-        </p:txBody>
-      </p:sp>
-      <p:sp>
-        <p:nvSpPr>
-          <p:cNvPr id="6" name="object 6"/>
-          <p:cNvSpPr/>
-          <p:nvPr/>
-        </p:nvSpPr>
-        <p:spPr>
-          <a:xfrm>
-            <a:off x="4427982" y="5721908"/>
-            <a:ext cx="288290" cy="635"/>
-          </a:xfrm>
-          <a:custGeom>
-            <a:avLst/>
-            <a:gdLst/>
-            <a:ahLst/>
-            <a:cxnLst/>
-            <a:rect l="l" t="t" r="r" b="b"/>
-            <a:pathLst>
-              <a:path w="288289" h="635">
-                <a:moveTo>
-                  <a:pt x="0" y="165"/>
-                </a:moveTo>
-                <a:lnTo>
-                  <a:pt x="288035" y="0"/>
-                </a:lnTo>
-              </a:path>
-            </a:pathLst>
-          </a:custGeom>
-          <a:ln w="50800">
-            <a:solidFill>
-              <a:srgbClr val="005CBE"/>
-            </a:solidFill>
-          </a:ln>
-        </p:spPr>
-        <p:txBody>
-          <a:bodyPr wrap="square" lIns="0" tIns="0" rIns="0" bIns="0" rtlCol="0"/>
-          <a:lstStyle/>
-          <a:p>
-            <a:endParaRPr/>
-          </a:p>
-        </p:txBody>
-      </p:sp>
-      <p:sp>
-        <p:nvSpPr>
-          <p:cNvPr id="7" name="object 7"/>
-          <p:cNvSpPr/>
-          <p:nvPr/>
-        </p:nvSpPr>
-        <p:spPr>
-          <a:xfrm>
-            <a:off x="4716017" y="4281804"/>
-            <a:ext cx="4176522" cy="719963"/>
-          </a:xfrm>
-          <a:prstGeom prst="rect">
-            <a:avLst/>
-          </a:prstGeom>
-          <a:blipFill>
-            <a:blip r:embed="rId7" cstate="print"/>
-            <a:stretch>
-              <a:fillRect/>
-            </a:stretch>
-          </a:blipFill>
-        </p:spPr>
-        <p:txBody>
-          <a:bodyPr wrap="square" lIns="0" tIns="0" rIns="0" bIns="0" rtlCol="0"/>
-          <a:lstStyle/>
-          <a:p>
-            <a:endParaRPr/>
-          </a:p>
-        </p:txBody>
-      </p:sp>
-      <p:sp>
-        <p:nvSpPr>
-          <p:cNvPr id="8" name="object 8"/>
-          <p:cNvSpPr/>
-          <p:nvPr/>
-        </p:nvSpPr>
-        <p:spPr>
-          <a:xfrm>
-            <a:off x="4663423" y="4256278"/>
-            <a:ext cx="4226790" cy="771144"/>
-          </a:xfrm>
-          <a:prstGeom prst="rect">
-            <a:avLst/>
-          </a:prstGeom>
-          <a:blipFill>
-            <a:blip r:embed="rId8" cstate="print"/>
-            <a:stretch>
-              <a:fillRect/>
-            </a:stretch>
-          </a:blipFill>
-        </p:spPr>
-        <p:txBody>
-          <a:bodyPr wrap="square" lIns="0" tIns="0" rIns="0" bIns="0" rtlCol="0"/>
-          <a:lstStyle/>
-          <a:p>
-            <a:endParaRPr/>
-          </a:p>
-        </p:txBody>
-      </p:sp>
-      <p:sp>
-        <p:nvSpPr>
-          <p:cNvPr id="9" name="object 9"/>
-          <p:cNvSpPr/>
-          <p:nvPr/>
-        </p:nvSpPr>
-        <p:spPr>
-          <a:xfrm>
-            <a:off x="251523" y="4281932"/>
-            <a:ext cx="4176458" cy="720090"/>
-          </a:xfrm>
-          <a:prstGeom prst="rect">
-            <a:avLst/>
-          </a:prstGeom>
-          <a:blipFill>
-            <a:blip r:embed="rId9" cstate="print"/>
-            <a:stretch>
-              <a:fillRect/>
-            </a:stretch>
-          </a:blipFill>
-        </p:spPr>
-        <p:txBody>
-          <a:bodyPr wrap="square" lIns="0" tIns="0" rIns="0" bIns="0" rtlCol="0"/>
-          <a:lstStyle/>
-          <a:p>
-            <a:endParaRPr/>
-          </a:p>
-        </p:txBody>
-      </p:sp>
-      <p:sp>
-        <p:nvSpPr>
-          <p:cNvPr id="10" name="object 10"/>
-          <p:cNvSpPr/>
-          <p:nvPr/>
-        </p:nvSpPr>
-        <p:spPr>
-          <a:xfrm>
-            <a:off x="226623" y="4256532"/>
-            <a:ext cx="4226699" cy="771144"/>
-          </a:xfrm>
-          <a:prstGeom prst="rect">
-            <a:avLst/>
-          </a:prstGeom>
-          <a:blipFill>
-            <a:blip r:embed="rId10" cstate="print"/>
-            <a:stretch>
-              <a:fillRect/>
-            </a:stretch>
-          </a:blipFill>
-        </p:spPr>
-        <p:txBody>
-          <a:bodyPr wrap="square" lIns="0" tIns="0" rIns="0" bIns="0" rtlCol="0"/>
-          <a:lstStyle/>
-          <a:p>
-            <a:endParaRPr/>
-          </a:p>
-        </p:txBody>
-      </p:sp>
-      <p:sp>
-        <p:nvSpPr>
-          <p:cNvPr id="11" name="object 11"/>
-          <p:cNvSpPr/>
-          <p:nvPr/>
-        </p:nvSpPr>
-        <p:spPr>
-          <a:xfrm>
-            <a:off x="4427982" y="4641850"/>
-            <a:ext cx="288290" cy="635"/>
-          </a:xfrm>
-          <a:custGeom>
-            <a:avLst/>
-            <a:gdLst/>
-            <a:ahLst/>
-            <a:cxnLst/>
-            <a:rect l="l" t="t" r="r" b="b"/>
-            <a:pathLst>
-              <a:path w="288289" h="635">
-                <a:moveTo>
-                  <a:pt x="0" y="126"/>
-                </a:moveTo>
-                <a:lnTo>
-                  <a:pt x="288035" y="0"/>
-                </a:lnTo>
-              </a:path>
-            </a:pathLst>
-          </a:custGeom>
-          <a:ln w="50800">
-            <a:solidFill>
-              <a:srgbClr val="005CBE"/>
-            </a:solidFill>
-          </a:ln>
-        </p:spPr>
-        <p:txBody>
-          <a:bodyPr wrap="square" lIns="0" tIns="0" rIns="0" bIns="0" rtlCol="0"/>
-          <a:lstStyle/>
-          <a:p>
-            <a:endParaRPr/>
-          </a:p>
-        </p:txBody>
-      </p:sp>
-      <p:sp>
-        <p:nvSpPr>
-          <p:cNvPr id="12" name="object 12"/>
-          <p:cNvSpPr txBox="1"/>
-          <p:nvPr/>
-        </p:nvSpPr>
-        <p:spPr>
-          <a:xfrm>
-            <a:off x="5011673" y="5519115"/>
-            <a:ext cx="3880804" cy="492443"/>
-          </a:xfrm>
-          <a:prstGeom prst="rect">
-            <a:avLst/>
-          </a:prstGeom>
-        </p:spPr>
-        <p:txBody>
-          <a:bodyPr vert="horz" wrap="square" lIns="0" tIns="0" rIns="0" bIns="0" rtlCol="0">
-            <a:spAutoFit/>
-          </a:bodyPr>
-          <a:lstStyle/>
-          <a:p>
-            <a:pPr marL="12700">
-              <a:lnSpc>
-                <a:spcPct val="100000"/>
-              </a:lnSpc>
-              <a:tabLst>
-                <a:tab pos="715645" algn="l"/>
-              </a:tabLst>
-            </a:pPr>
-            <a:r>
-              <a:rPr sz="3200" spc="-5" dirty="0">
-                <a:solidFill>
-                  <a:srgbClr val="FFFF00"/>
-                </a:solidFill>
-                <a:latin typeface="Calibri"/>
-                <a:cs typeface="Calibri"/>
-              </a:rPr>
-              <a:t>D</a:t>
-            </a:r>
-            <a:r>
-              <a:rPr sz="3200" dirty="0">
-                <a:solidFill>
-                  <a:srgbClr val="FFFF00"/>
-                </a:solidFill>
-                <a:latin typeface="Calibri"/>
-                <a:cs typeface="Calibri"/>
-              </a:rPr>
-              <a:t>:	</a:t>
-            </a:r>
-            <a:r>
-              <a:rPr lang="en-US" sz="3200" dirty="0">
-                <a:solidFill>
-                  <a:srgbClr val="FFFF00"/>
-                </a:solidFill>
-                <a:latin typeface="Calibri"/>
-                <a:cs typeface="Calibri"/>
-              </a:rPr>
-              <a:t>  </a:t>
-            </a:r>
-            <a:r>
-              <a:rPr lang="en-US" sz="3600" baseline="1157" dirty="0">
-                <a:solidFill>
-                  <a:srgbClr val="FFFFFF"/>
-                </a:solidFill>
-                <a:latin typeface="Calibri"/>
-                <a:cs typeface="Calibri"/>
-              </a:rPr>
-              <a:t>WHO</a:t>
-            </a:r>
-            <a:endParaRPr sz="3600" baseline="1157" dirty="0">
-              <a:latin typeface="Calibri"/>
-              <a:cs typeface="Calibri"/>
-            </a:endParaRPr>
-          </a:p>
-        </p:txBody>
-      </p:sp>
-      <p:sp>
-        <p:nvSpPr>
-          <p:cNvPr id="13" name="object 13"/>
-          <p:cNvSpPr txBox="1"/>
-          <p:nvPr/>
-        </p:nvSpPr>
-        <p:spPr>
-          <a:xfrm>
-            <a:off x="546303" y="5519115"/>
-            <a:ext cx="2640965" cy="492443"/>
-          </a:xfrm>
-          <a:prstGeom prst="rect">
-            <a:avLst/>
-          </a:prstGeom>
-        </p:spPr>
-        <p:txBody>
-          <a:bodyPr vert="horz" wrap="square" lIns="0" tIns="0" rIns="0" bIns="0" rtlCol="0">
-            <a:spAutoFit/>
-          </a:bodyPr>
-          <a:lstStyle/>
-          <a:p>
-            <a:pPr marL="12700">
-              <a:lnSpc>
-                <a:spcPct val="100000"/>
-              </a:lnSpc>
-              <a:tabLst>
-                <a:tab pos="958215" algn="l"/>
-              </a:tabLst>
-            </a:pPr>
-            <a:r>
-              <a:rPr sz="3200" spc="-10" dirty="0">
-                <a:solidFill>
-                  <a:srgbClr val="FFFF00"/>
-                </a:solidFill>
-                <a:latin typeface="Calibri"/>
-                <a:cs typeface="Calibri"/>
-              </a:rPr>
-              <a:t>C</a:t>
-            </a:r>
-            <a:r>
-              <a:rPr sz="3200" dirty="0">
-                <a:solidFill>
-                  <a:srgbClr val="FFFF00"/>
-                </a:solidFill>
-                <a:latin typeface="Calibri"/>
-                <a:cs typeface="Calibri"/>
-              </a:rPr>
-              <a:t>:</a:t>
-            </a:r>
-            <a:r>
-              <a:rPr lang="en-US" sz="3200" dirty="0">
-                <a:solidFill>
-                  <a:srgbClr val="FFFF00"/>
-                </a:solidFill>
-                <a:latin typeface="Calibri"/>
-                <a:cs typeface="Calibri"/>
-              </a:rPr>
-              <a:t>   </a:t>
-            </a:r>
-            <a:r>
-              <a:rPr lang="en-US" sz="3600" baseline="1157" dirty="0">
-                <a:solidFill>
-                  <a:srgbClr val="FFFFFF"/>
-                </a:solidFill>
-                <a:latin typeface="Calibri"/>
-                <a:cs typeface="Calibri"/>
-              </a:rPr>
-              <a:t>NATO</a:t>
-            </a:r>
-            <a:endParaRPr sz="3600" baseline="1157" dirty="0">
-              <a:latin typeface="Calibri"/>
-              <a:cs typeface="Calibri"/>
-            </a:endParaRPr>
-          </a:p>
-        </p:txBody>
-      </p:sp>
-      <p:sp>
-        <p:nvSpPr>
-          <p:cNvPr id="14" name="object 14"/>
-          <p:cNvSpPr txBox="1"/>
-          <p:nvPr/>
-        </p:nvSpPr>
-        <p:spPr>
-          <a:xfrm>
-            <a:off x="5011672" y="4438777"/>
-            <a:ext cx="3370327" cy="492443"/>
-          </a:xfrm>
-          <a:prstGeom prst="rect">
-            <a:avLst/>
-          </a:prstGeom>
-        </p:spPr>
-        <p:txBody>
-          <a:bodyPr vert="horz" wrap="square" lIns="0" tIns="0" rIns="0" bIns="0" rtlCol="0">
-            <a:spAutoFit/>
-          </a:bodyPr>
-          <a:lstStyle/>
-          <a:p>
-            <a:pPr marL="12700">
-              <a:lnSpc>
-                <a:spcPct val="100000"/>
-              </a:lnSpc>
-              <a:tabLst>
-                <a:tab pos="901700" algn="l"/>
-              </a:tabLst>
-            </a:pPr>
-            <a:r>
-              <a:rPr sz="3200" spc="-5" dirty="0">
-                <a:solidFill>
-                  <a:srgbClr val="FFFF00"/>
-                </a:solidFill>
-                <a:latin typeface="Calibri"/>
-                <a:cs typeface="Calibri"/>
-              </a:rPr>
-              <a:t>B</a:t>
-            </a:r>
-            <a:r>
-              <a:rPr sz="3200" dirty="0">
-                <a:solidFill>
-                  <a:srgbClr val="FFFF00"/>
-                </a:solidFill>
-                <a:latin typeface="Calibri"/>
-                <a:cs typeface="Calibri"/>
-              </a:rPr>
-              <a:t>:</a:t>
-            </a:r>
-            <a:r>
-              <a:rPr lang="en-US" sz="3200" dirty="0">
-                <a:solidFill>
-                  <a:srgbClr val="FFFF00"/>
-                </a:solidFill>
-                <a:latin typeface="Calibri"/>
-                <a:cs typeface="Calibri"/>
-              </a:rPr>
-              <a:t>	</a:t>
-            </a:r>
-            <a:r>
-              <a:rPr lang="en-US" sz="3600" spc="-22" baseline="1157" dirty="0">
-                <a:solidFill>
-                  <a:srgbClr val="FFFFFF"/>
-                </a:solidFill>
-                <a:latin typeface="Calibri"/>
-                <a:cs typeface="Calibri"/>
-              </a:rPr>
-              <a:t>NASA</a:t>
-            </a:r>
-            <a:endParaRPr sz="3600" baseline="1157" dirty="0">
-              <a:latin typeface="Calibri"/>
-              <a:cs typeface="Calibri"/>
-            </a:endParaRPr>
-          </a:p>
-        </p:txBody>
-      </p:sp>
-      <p:sp>
-        <p:nvSpPr>
-          <p:cNvPr id="15" name="object 15"/>
-          <p:cNvSpPr txBox="1"/>
-          <p:nvPr/>
-        </p:nvSpPr>
-        <p:spPr>
-          <a:xfrm>
-            <a:off x="546302" y="4438777"/>
-            <a:ext cx="3263697" cy="492443"/>
-          </a:xfrm>
-          <a:prstGeom prst="rect">
-            <a:avLst/>
-          </a:prstGeom>
-        </p:spPr>
-        <p:txBody>
-          <a:bodyPr vert="horz" wrap="square" lIns="0" tIns="0" rIns="0" bIns="0" rtlCol="0">
-            <a:spAutoFit/>
-          </a:bodyPr>
-          <a:lstStyle/>
-          <a:p>
-            <a:pPr marL="12700">
-              <a:lnSpc>
-                <a:spcPct val="100000"/>
-              </a:lnSpc>
-              <a:tabLst>
-                <a:tab pos="589280" algn="l"/>
-              </a:tabLst>
-            </a:pPr>
-            <a:r>
-              <a:rPr sz="3200" spc="-10" dirty="0">
-                <a:solidFill>
-                  <a:srgbClr val="FFFF00"/>
-                </a:solidFill>
-                <a:latin typeface="Calibri"/>
-                <a:cs typeface="Calibri"/>
-              </a:rPr>
-              <a:t>A</a:t>
-            </a:r>
-            <a:r>
-              <a:rPr sz="3200" dirty="0">
-                <a:solidFill>
-                  <a:srgbClr val="FFFF00"/>
-                </a:solidFill>
-                <a:latin typeface="Calibri"/>
-                <a:cs typeface="Calibri"/>
-              </a:rPr>
-              <a:t>:	</a:t>
-            </a:r>
-            <a:r>
-              <a:rPr lang="en-US" sz="3600" spc="-7" baseline="1157" dirty="0">
-                <a:solidFill>
-                  <a:srgbClr val="FFFFFF"/>
-                </a:solidFill>
-                <a:latin typeface="Calibri"/>
-                <a:cs typeface="Calibri"/>
-              </a:rPr>
-              <a:t>United Nations</a:t>
-            </a:r>
-            <a:endParaRPr sz="3600" baseline="1157" dirty="0">
-              <a:latin typeface="Calibri"/>
-              <a:cs typeface="Calibri"/>
-            </a:endParaRPr>
-          </a:p>
-        </p:txBody>
-      </p:sp>
-      <p:sp>
-        <p:nvSpPr>
-          <p:cNvPr id="16" name="object 16"/>
-          <p:cNvSpPr/>
-          <p:nvPr/>
-        </p:nvSpPr>
-        <p:spPr>
-          <a:xfrm>
-            <a:off x="1219200" y="228612"/>
-            <a:ext cx="1359789" cy="1149337"/>
-          </a:xfrm>
-          <a:prstGeom prst="rect">
-            <a:avLst/>
-          </a:prstGeom>
-          <a:blipFill>
-            <a:blip r:embed="rId11" cstate="print"/>
-            <a:stretch>
-              <a:fillRect/>
-            </a:stretch>
-          </a:blipFill>
-        </p:spPr>
-        <p:txBody>
-          <a:bodyPr wrap="square" lIns="0" tIns="0" rIns="0" bIns="0" rtlCol="0"/>
-          <a:lstStyle/>
-          <a:p>
-            <a:endParaRPr/>
-          </a:p>
-        </p:txBody>
-      </p:sp>
-      <p:sp>
-        <p:nvSpPr>
-          <p:cNvPr id="17" name="object 17"/>
-          <p:cNvSpPr/>
-          <p:nvPr/>
-        </p:nvSpPr>
-        <p:spPr>
-          <a:xfrm>
-            <a:off x="2864739" y="457200"/>
-            <a:ext cx="1466850" cy="762000"/>
-          </a:xfrm>
-          <a:prstGeom prst="rect">
-            <a:avLst/>
-          </a:prstGeom>
-          <a:blipFill>
-            <a:blip r:embed="rId12" cstate="print"/>
-            <a:stretch>
-              <a:fillRect/>
-            </a:stretch>
-          </a:blipFill>
-        </p:spPr>
-        <p:txBody>
-          <a:bodyPr wrap="square" lIns="0" tIns="0" rIns="0" bIns="0" rtlCol="0"/>
-          <a:lstStyle/>
-          <a:p>
-            <a:endParaRPr/>
-          </a:p>
-        </p:txBody>
-      </p:sp>
-      <p:sp>
-        <p:nvSpPr>
-          <p:cNvPr id="18" name="object 18"/>
-          <p:cNvSpPr/>
-          <p:nvPr/>
-        </p:nvSpPr>
-        <p:spPr>
-          <a:xfrm>
-            <a:off x="4634357" y="457200"/>
-            <a:ext cx="1373632" cy="762000"/>
-          </a:xfrm>
-          <a:prstGeom prst="rect">
-            <a:avLst/>
-          </a:prstGeom>
-          <a:blipFill>
-            <a:blip r:embed="rId13" cstate="print"/>
-            <a:stretch>
-              <a:fillRect/>
-            </a:stretch>
-          </a:blipFill>
-        </p:spPr>
-        <p:txBody>
-          <a:bodyPr wrap="square" lIns="0" tIns="0" rIns="0" bIns="0" rtlCol="0"/>
-          <a:lstStyle/>
-          <a:p>
-            <a:endParaRPr/>
-          </a:p>
-        </p:txBody>
-      </p:sp>
-      <p:sp>
-        <p:nvSpPr>
-          <p:cNvPr id="19" name="object 19"/>
-          <p:cNvSpPr/>
-          <p:nvPr/>
-        </p:nvSpPr>
-        <p:spPr>
-          <a:xfrm>
-            <a:off x="6477000" y="228600"/>
-            <a:ext cx="1219200" cy="1219200"/>
-          </a:xfrm>
-          <a:custGeom>
-            <a:avLst/>
-            <a:gdLst/>
-            <a:ahLst/>
-            <a:cxnLst/>
-            <a:rect l="l" t="t" r="r" b="b"/>
-            <a:pathLst>
-              <a:path w="1219200" h="1219200">
-                <a:moveTo>
-                  <a:pt x="609600" y="0"/>
-                </a:moveTo>
-                <a:lnTo>
-                  <a:pt x="559602" y="2020"/>
-                </a:lnTo>
-                <a:lnTo>
-                  <a:pt x="510718" y="7978"/>
-                </a:lnTo>
-                <a:lnTo>
-                  <a:pt x="463104" y="17716"/>
-                </a:lnTo>
-                <a:lnTo>
-                  <a:pt x="416917" y="31077"/>
-                </a:lnTo>
-                <a:lnTo>
-                  <a:pt x="372314" y="47904"/>
-                </a:lnTo>
-                <a:lnTo>
-                  <a:pt x="329451" y="68041"/>
-                </a:lnTo>
-                <a:lnTo>
-                  <a:pt x="288486" y="91331"/>
-                </a:lnTo>
-                <a:lnTo>
-                  <a:pt x="249576" y="117616"/>
-                </a:lnTo>
-                <a:lnTo>
-                  <a:pt x="212877" y="146740"/>
-                </a:lnTo>
-                <a:lnTo>
-                  <a:pt x="178546" y="178546"/>
-                </a:lnTo>
-                <a:lnTo>
-                  <a:pt x="146740" y="212877"/>
-                </a:lnTo>
-                <a:lnTo>
-                  <a:pt x="117616" y="249576"/>
-                </a:lnTo>
-                <a:lnTo>
-                  <a:pt x="91331" y="288486"/>
-                </a:lnTo>
-                <a:lnTo>
-                  <a:pt x="68041" y="329451"/>
-                </a:lnTo>
-                <a:lnTo>
-                  <a:pt x="47904" y="372314"/>
-                </a:lnTo>
-                <a:lnTo>
-                  <a:pt x="31077" y="416917"/>
-                </a:lnTo>
-                <a:lnTo>
-                  <a:pt x="17716" y="463104"/>
-                </a:lnTo>
-                <a:lnTo>
-                  <a:pt x="7978" y="510718"/>
-                </a:lnTo>
-                <a:lnTo>
-                  <a:pt x="2020" y="559602"/>
-                </a:lnTo>
-                <a:lnTo>
-                  <a:pt x="0" y="609600"/>
-                </a:lnTo>
-                <a:lnTo>
-                  <a:pt x="2020" y="659597"/>
-                </a:lnTo>
-                <a:lnTo>
-                  <a:pt x="7978" y="708481"/>
-                </a:lnTo>
-                <a:lnTo>
-                  <a:pt x="17716" y="756095"/>
-                </a:lnTo>
-                <a:lnTo>
-                  <a:pt x="31077" y="802282"/>
-                </a:lnTo>
-                <a:lnTo>
-                  <a:pt x="47904" y="846885"/>
-                </a:lnTo>
-                <a:lnTo>
-                  <a:pt x="68041" y="889748"/>
-                </a:lnTo>
-                <a:lnTo>
-                  <a:pt x="91331" y="930713"/>
-                </a:lnTo>
-                <a:lnTo>
-                  <a:pt x="117616" y="969623"/>
-                </a:lnTo>
-                <a:lnTo>
-                  <a:pt x="146740" y="1006322"/>
-                </a:lnTo>
-                <a:lnTo>
-                  <a:pt x="178546" y="1040653"/>
-                </a:lnTo>
-                <a:lnTo>
-                  <a:pt x="212877" y="1072459"/>
-                </a:lnTo>
-                <a:lnTo>
-                  <a:pt x="249576" y="1101583"/>
-                </a:lnTo>
-                <a:lnTo>
-                  <a:pt x="288486" y="1127868"/>
-                </a:lnTo>
-                <a:lnTo>
-                  <a:pt x="329451" y="1151158"/>
-                </a:lnTo>
-                <a:lnTo>
-                  <a:pt x="372314" y="1171295"/>
-                </a:lnTo>
-                <a:lnTo>
-                  <a:pt x="416917" y="1188122"/>
-                </a:lnTo>
-                <a:lnTo>
-                  <a:pt x="463104" y="1201483"/>
-                </a:lnTo>
-                <a:lnTo>
-                  <a:pt x="510718" y="1211221"/>
-                </a:lnTo>
-                <a:lnTo>
-                  <a:pt x="559602" y="1217179"/>
-                </a:lnTo>
-                <a:lnTo>
-                  <a:pt x="609600" y="1219200"/>
-                </a:lnTo>
-                <a:lnTo>
-                  <a:pt x="659597" y="1217179"/>
-                </a:lnTo>
-                <a:lnTo>
-                  <a:pt x="708481" y="1211221"/>
-                </a:lnTo>
-                <a:lnTo>
-                  <a:pt x="756095" y="1201483"/>
-                </a:lnTo>
-                <a:lnTo>
-                  <a:pt x="802282" y="1188122"/>
-                </a:lnTo>
-                <a:lnTo>
-                  <a:pt x="846885" y="1171295"/>
-                </a:lnTo>
-                <a:lnTo>
-                  <a:pt x="889748" y="1151158"/>
-                </a:lnTo>
-                <a:lnTo>
-                  <a:pt x="930713" y="1127868"/>
-                </a:lnTo>
-                <a:lnTo>
-                  <a:pt x="969623" y="1101583"/>
-                </a:lnTo>
-                <a:lnTo>
-                  <a:pt x="1006322" y="1072459"/>
-                </a:lnTo>
-                <a:lnTo>
-                  <a:pt x="1040653" y="1040653"/>
-                </a:lnTo>
-                <a:lnTo>
-                  <a:pt x="1072459" y="1006322"/>
-                </a:lnTo>
-                <a:lnTo>
-                  <a:pt x="1101583" y="969623"/>
-                </a:lnTo>
-                <a:lnTo>
-                  <a:pt x="1127868" y="930713"/>
-                </a:lnTo>
-                <a:lnTo>
-                  <a:pt x="1151158" y="889748"/>
-                </a:lnTo>
-                <a:lnTo>
-                  <a:pt x="1171295" y="846885"/>
-                </a:lnTo>
-                <a:lnTo>
-                  <a:pt x="1188122" y="802282"/>
-                </a:lnTo>
-                <a:lnTo>
-                  <a:pt x="1201483" y="756095"/>
-                </a:lnTo>
-                <a:lnTo>
-                  <a:pt x="1211221" y="708481"/>
-                </a:lnTo>
-                <a:lnTo>
-                  <a:pt x="1217179" y="659597"/>
-                </a:lnTo>
-                <a:lnTo>
-                  <a:pt x="1219200" y="609600"/>
-                </a:lnTo>
-                <a:lnTo>
-                  <a:pt x="1217179" y="559602"/>
-                </a:lnTo>
-                <a:lnTo>
-                  <a:pt x="1211221" y="510718"/>
-                </a:lnTo>
-                <a:lnTo>
-                  <a:pt x="1201483" y="463104"/>
-                </a:lnTo>
-                <a:lnTo>
-                  <a:pt x="1188122" y="416917"/>
-                </a:lnTo>
-                <a:lnTo>
-                  <a:pt x="1171295" y="372314"/>
-                </a:lnTo>
-                <a:lnTo>
-                  <a:pt x="1151158" y="329451"/>
-                </a:lnTo>
-                <a:lnTo>
-                  <a:pt x="1127868" y="288486"/>
-                </a:lnTo>
-                <a:lnTo>
-                  <a:pt x="1101583" y="249576"/>
-                </a:lnTo>
-                <a:lnTo>
-                  <a:pt x="1072459" y="212877"/>
-                </a:lnTo>
-                <a:lnTo>
-                  <a:pt x="1040653" y="178546"/>
-                </a:lnTo>
-                <a:lnTo>
-                  <a:pt x="1006322" y="146740"/>
-                </a:lnTo>
-                <a:lnTo>
-                  <a:pt x="969623" y="117616"/>
-                </a:lnTo>
-                <a:lnTo>
-                  <a:pt x="930713" y="91331"/>
-                </a:lnTo>
-                <a:lnTo>
-                  <a:pt x="889748" y="68041"/>
-                </a:lnTo>
-                <a:lnTo>
-                  <a:pt x="846885" y="47904"/>
-                </a:lnTo>
-                <a:lnTo>
-                  <a:pt x="802282" y="31077"/>
-                </a:lnTo>
-                <a:lnTo>
-                  <a:pt x="756095" y="17716"/>
-                </a:lnTo>
-                <a:lnTo>
-                  <a:pt x="708481" y="7978"/>
-                </a:lnTo>
-                <a:lnTo>
-                  <a:pt x="659597" y="2020"/>
-                </a:lnTo>
-                <a:lnTo>
-                  <a:pt x="609600" y="0"/>
-                </a:lnTo>
-                <a:close/>
-              </a:path>
-            </a:pathLst>
-          </a:custGeom>
-          <a:solidFill>
-            <a:srgbClr val="000000"/>
-          </a:solidFill>
-        </p:spPr>
-        <p:txBody>
-          <a:bodyPr wrap="square" lIns="0" tIns="0" rIns="0" bIns="0" rtlCol="0"/>
-          <a:lstStyle/>
-          <a:p>
-            <a:endParaRPr/>
-          </a:p>
-        </p:txBody>
-      </p:sp>
-      <p:sp>
-        <p:nvSpPr>
-          <p:cNvPr id="20" name="object 20"/>
-          <p:cNvSpPr/>
-          <p:nvPr/>
-        </p:nvSpPr>
-        <p:spPr>
-          <a:xfrm>
-            <a:off x="6477000" y="228600"/>
-            <a:ext cx="1219200" cy="1219200"/>
-          </a:xfrm>
-          <a:custGeom>
-            <a:avLst/>
-            <a:gdLst/>
-            <a:ahLst/>
-            <a:cxnLst/>
-            <a:rect l="l" t="t" r="r" b="b"/>
-            <a:pathLst>
-              <a:path w="1219200" h="1219200">
-                <a:moveTo>
-                  <a:pt x="0" y="609600"/>
-                </a:moveTo>
-                <a:lnTo>
-                  <a:pt x="2020" y="559602"/>
-                </a:lnTo>
-                <a:lnTo>
-                  <a:pt x="7978" y="510718"/>
-                </a:lnTo>
-                <a:lnTo>
-                  <a:pt x="17716" y="463104"/>
-                </a:lnTo>
-                <a:lnTo>
-                  <a:pt x="31077" y="416917"/>
-                </a:lnTo>
-                <a:lnTo>
-                  <a:pt x="47904" y="372314"/>
-                </a:lnTo>
-                <a:lnTo>
-                  <a:pt x="68041" y="329451"/>
-                </a:lnTo>
-                <a:lnTo>
-                  <a:pt x="91331" y="288486"/>
-                </a:lnTo>
-                <a:lnTo>
-                  <a:pt x="117616" y="249576"/>
-                </a:lnTo>
-                <a:lnTo>
-                  <a:pt x="146740" y="212877"/>
-                </a:lnTo>
-                <a:lnTo>
-                  <a:pt x="178546" y="178546"/>
-                </a:lnTo>
-                <a:lnTo>
-                  <a:pt x="212877" y="146740"/>
-                </a:lnTo>
-                <a:lnTo>
-                  <a:pt x="249576" y="117616"/>
-                </a:lnTo>
-                <a:lnTo>
-                  <a:pt x="288486" y="91331"/>
-                </a:lnTo>
-                <a:lnTo>
-                  <a:pt x="329451" y="68041"/>
-                </a:lnTo>
-                <a:lnTo>
-                  <a:pt x="372314" y="47904"/>
-                </a:lnTo>
-                <a:lnTo>
-                  <a:pt x="416917" y="31077"/>
-                </a:lnTo>
-                <a:lnTo>
-                  <a:pt x="463104" y="17716"/>
-                </a:lnTo>
-                <a:lnTo>
-                  <a:pt x="510718" y="7978"/>
-                </a:lnTo>
-                <a:lnTo>
-                  <a:pt x="559602" y="2020"/>
-                </a:lnTo>
-                <a:lnTo>
-                  <a:pt x="609600" y="0"/>
-                </a:lnTo>
-                <a:lnTo>
-                  <a:pt x="659597" y="2020"/>
-                </a:lnTo>
-                <a:lnTo>
-                  <a:pt x="708481" y="7978"/>
-                </a:lnTo>
-                <a:lnTo>
-                  <a:pt x="756095" y="17716"/>
-                </a:lnTo>
-                <a:lnTo>
-                  <a:pt x="802282" y="31077"/>
-                </a:lnTo>
-                <a:lnTo>
-                  <a:pt x="846885" y="47904"/>
-                </a:lnTo>
-                <a:lnTo>
-                  <a:pt x="889748" y="68041"/>
-                </a:lnTo>
-                <a:lnTo>
-                  <a:pt x="930713" y="91331"/>
-                </a:lnTo>
-                <a:lnTo>
-                  <a:pt x="969623" y="117616"/>
-                </a:lnTo>
-                <a:lnTo>
-                  <a:pt x="1006322" y="146740"/>
-                </a:lnTo>
-                <a:lnTo>
-                  <a:pt x="1040653" y="178546"/>
-                </a:lnTo>
-                <a:lnTo>
-                  <a:pt x="1072459" y="212877"/>
-                </a:lnTo>
-                <a:lnTo>
-                  <a:pt x="1101583" y="249576"/>
-                </a:lnTo>
-                <a:lnTo>
-                  <a:pt x="1127868" y="288486"/>
-                </a:lnTo>
-                <a:lnTo>
-                  <a:pt x="1151158" y="329451"/>
-                </a:lnTo>
-                <a:lnTo>
-                  <a:pt x="1171295" y="372314"/>
-                </a:lnTo>
-                <a:lnTo>
-                  <a:pt x="1188122" y="416917"/>
-                </a:lnTo>
-                <a:lnTo>
-                  <a:pt x="1201483" y="463104"/>
-                </a:lnTo>
-                <a:lnTo>
-                  <a:pt x="1211221" y="510718"/>
-                </a:lnTo>
-                <a:lnTo>
-                  <a:pt x="1217179" y="559602"/>
-                </a:lnTo>
-                <a:lnTo>
-                  <a:pt x="1219200" y="609600"/>
-                </a:lnTo>
-                <a:lnTo>
-                  <a:pt x="1217179" y="659597"/>
-                </a:lnTo>
-                <a:lnTo>
-                  <a:pt x="1211221" y="708481"/>
-                </a:lnTo>
-                <a:lnTo>
-                  <a:pt x="1201483" y="756095"/>
-                </a:lnTo>
-                <a:lnTo>
-                  <a:pt x="1188122" y="802282"/>
-                </a:lnTo>
-                <a:lnTo>
-                  <a:pt x="1171295" y="846885"/>
-                </a:lnTo>
-                <a:lnTo>
-                  <a:pt x="1151158" y="889748"/>
-                </a:lnTo>
-                <a:lnTo>
-                  <a:pt x="1127868" y="930713"/>
-                </a:lnTo>
-                <a:lnTo>
-                  <a:pt x="1101583" y="969623"/>
-                </a:lnTo>
-                <a:lnTo>
-                  <a:pt x="1072459" y="1006322"/>
-                </a:lnTo>
-                <a:lnTo>
-                  <a:pt x="1040653" y="1040653"/>
-                </a:lnTo>
-                <a:lnTo>
-                  <a:pt x="1006322" y="1072459"/>
-                </a:lnTo>
-                <a:lnTo>
-                  <a:pt x="969623" y="1101583"/>
-                </a:lnTo>
-                <a:lnTo>
-                  <a:pt x="930713" y="1127868"/>
-                </a:lnTo>
-                <a:lnTo>
-                  <a:pt x="889748" y="1151158"/>
-                </a:lnTo>
-                <a:lnTo>
-                  <a:pt x="846885" y="1171295"/>
-                </a:lnTo>
-                <a:lnTo>
-                  <a:pt x="802282" y="1188122"/>
-                </a:lnTo>
-                <a:lnTo>
-                  <a:pt x="756095" y="1201483"/>
-                </a:lnTo>
-                <a:lnTo>
-                  <a:pt x="708481" y="1211221"/>
-                </a:lnTo>
-                <a:lnTo>
-                  <a:pt x="659597" y="1217179"/>
-                </a:lnTo>
-                <a:lnTo>
-                  <a:pt x="609600" y="1219200"/>
-                </a:lnTo>
-                <a:lnTo>
-                  <a:pt x="559602" y="1217179"/>
-                </a:lnTo>
-                <a:lnTo>
-                  <a:pt x="510718" y="1211221"/>
-                </a:lnTo>
-                <a:lnTo>
-                  <a:pt x="463104" y="1201483"/>
-                </a:lnTo>
-                <a:lnTo>
-                  <a:pt x="416917" y="1188122"/>
-                </a:lnTo>
-                <a:lnTo>
-                  <a:pt x="372314" y="1171295"/>
-                </a:lnTo>
-                <a:lnTo>
-                  <a:pt x="329451" y="1151158"/>
-                </a:lnTo>
-                <a:lnTo>
-                  <a:pt x="288486" y="1127868"/>
-                </a:lnTo>
-                <a:lnTo>
-                  <a:pt x="249576" y="1101583"/>
-                </a:lnTo>
-                <a:lnTo>
-                  <a:pt x="212877" y="1072459"/>
-                </a:lnTo>
-                <a:lnTo>
-                  <a:pt x="178546" y="1040653"/>
-                </a:lnTo>
-                <a:lnTo>
-                  <a:pt x="146740" y="1006322"/>
-                </a:lnTo>
-                <a:lnTo>
-                  <a:pt x="117616" y="969623"/>
-                </a:lnTo>
-                <a:lnTo>
-                  <a:pt x="91331" y="930713"/>
-                </a:lnTo>
-                <a:lnTo>
-                  <a:pt x="68041" y="889748"/>
-                </a:lnTo>
-                <a:lnTo>
-                  <a:pt x="47904" y="846885"/>
-                </a:lnTo>
-                <a:lnTo>
-                  <a:pt x="31077" y="802282"/>
-                </a:lnTo>
-                <a:lnTo>
-                  <a:pt x="17716" y="756095"/>
-                </a:lnTo>
-                <a:lnTo>
-                  <a:pt x="7978" y="708481"/>
-                </a:lnTo>
-                <a:lnTo>
-                  <a:pt x="2020" y="659597"/>
-                </a:lnTo>
-                <a:lnTo>
-                  <a:pt x="0" y="609600"/>
-                </a:lnTo>
-                <a:close/>
-              </a:path>
-            </a:pathLst>
-          </a:custGeom>
-          <a:ln w="25400">
-            <a:solidFill>
-              <a:srgbClr val="000000"/>
-            </a:solidFill>
-          </a:ln>
-        </p:spPr>
-        <p:txBody>
-          <a:bodyPr wrap="square" lIns="0" tIns="0" rIns="0" bIns="0" rtlCol="0"/>
-          <a:lstStyle/>
-          <a:p>
-            <a:endParaRPr/>
-          </a:p>
-        </p:txBody>
-      </p:sp>
-      <p:sp>
-        <p:nvSpPr>
-          <p:cNvPr id="22" name="object 22"/>
-          <p:cNvSpPr/>
-          <p:nvPr/>
-        </p:nvSpPr>
-        <p:spPr>
-          <a:xfrm>
-            <a:off x="6553200" y="304800"/>
-            <a:ext cx="1066800" cy="1066800"/>
-          </a:xfrm>
-          <a:custGeom>
-            <a:avLst/>
-            <a:gdLst/>
-            <a:ahLst/>
-            <a:cxnLst/>
-            <a:rect l="l" t="t" r="r" b="b"/>
-            <a:pathLst>
-              <a:path w="1066800" h="1066800">
-                <a:moveTo>
-                  <a:pt x="0" y="533400"/>
-                </a:moveTo>
-                <a:lnTo>
-                  <a:pt x="1767" y="489645"/>
-                </a:lnTo>
-                <a:lnTo>
-                  <a:pt x="6979" y="446867"/>
-                </a:lnTo>
-                <a:lnTo>
-                  <a:pt x="15499" y="405201"/>
-                </a:lnTo>
-                <a:lnTo>
-                  <a:pt x="27188" y="364784"/>
-                </a:lnTo>
-                <a:lnTo>
-                  <a:pt x="41909" y="325754"/>
-                </a:lnTo>
-                <a:lnTo>
-                  <a:pt x="59527" y="288249"/>
-                </a:lnTo>
-                <a:lnTo>
-                  <a:pt x="79903" y="252404"/>
-                </a:lnTo>
-                <a:lnTo>
-                  <a:pt x="102900" y="218358"/>
-                </a:lnTo>
-                <a:lnTo>
-                  <a:pt x="128381" y="186248"/>
-                </a:lnTo>
-                <a:lnTo>
-                  <a:pt x="156209" y="156210"/>
-                </a:lnTo>
-                <a:lnTo>
-                  <a:pt x="186248" y="128381"/>
-                </a:lnTo>
-                <a:lnTo>
-                  <a:pt x="218358" y="102900"/>
-                </a:lnTo>
-                <a:lnTo>
-                  <a:pt x="252404" y="79903"/>
-                </a:lnTo>
-                <a:lnTo>
-                  <a:pt x="288249" y="59527"/>
-                </a:lnTo>
-                <a:lnTo>
-                  <a:pt x="325754" y="41909"/>
-                </a:lnTo>
-                <a:lnTo>
-                  <a:pt x="364784" y="27188"/>
-                </a:lnTo>
-                <a:lnTo>
-                  <a:pt x="405201" y="15499"/>
-                </a:lnTo>
-                <a:lnTo>
-                  <a:pt x="446867" y="6979"/>
-                </a:lnTo>
-                <a:lnTo>
-                  <a:pt x="489645" y="1767"/>
-                </a:lnTo>
-                <a:lnTo>
-                  <a:pt x="533400" y="0"/>
-                </a:lnTo>
-                <a:lnTo>
-                  <a:pt x="577154" y="1767"/>
-                </a:lnTo>
-                <a:lnTo>
-                  <a:pt x="619932" y="6979"/>
-                </a:lnTo>
-                <a:lnTo>
-                  <a:pt x="661598" y="15499"/>
-                </a:lnTo>
-                <a:lnTo>
-                  <a:pt x="702015" y="27188"/>
-                </a:lnTo>
-                <a:lnTo>
-                  <a:pt x="741045" y="41909"/>
-                </a:lnTo>
-                <a:lnTo>
-                  <a:pt x="778550" y="59527"/>
-                </a:lnTo>
-                <a:lnTo>
-                  <a:pt x="814395" y="79903"/>
-                </a:lnTo>
-                <a:lnTo>
-                  <a:pt x="848441" y="102900"/>
-                </a:lnTo>
-                <a:lnTo>
-                  <a:pt x="880551" y="128381"/>
-                </a:lnTo>
-                <a:lnTo>
-                  <a:pt x="910590" y="156210"/>
-                </a:lnTo>
-                <a:lnTo>
-                  <a:pt x="938418" y="186248"/>
-                </a:lnTo>
-                <a:lnTo>
-                  <a:pt x="963899" y="218358"/>
-                </a:lnTo>
-                <a:lnTo>
-                  <a:pt x="986896" y="252404"/>
-                </a:lnTo>
-                <a:lnTo>
-                  <a:pt x="1007272" y="288249"/>
-                </a:lnTo>
-                <a:lnTo>
-                  <a:pt x="1024890" y="325754"/>
-                </a:lnTo>
-                <a:lnTo>
-                  <a:pt x="1039611" y="364784"/>
-                </a:lnTo>
-                <a:lnTo>
-                  <a:pt x="1051300" y="405201"/>
-                </a:lnTo>
-                <a:lnTo>
-                  <a:pt x="1059820" y="446867"/>
-                </a:lnTo>
-                <a:lnTo>
-                  <a:pt x="1065032" y="489645"/>
-                </a:lnTo>
-                <a:lnTo>
-                  <a:pt x="1066800" y="533400"/>
-                </a:lnTo>
-                <a:lnTo>
-                  <a:pt x="1065032" y="577154"/>
-                </a:lnTo>
-                <a:lnTo>
-                  <a:pt x="1059820" y="619932"/>
-                </a:lnTo>
-                <a:lnTo>
-                  <a:pt x="1051300" y="661598"/>
-                </a:lnTo>
-                <a:lnTo>
-                  <a:pt x="1039611" y="702015"/>
-                </a:lnTo>
-                <a:lnTo>
-                  <a:pt x="1024890" y="741045"/>
-                </a:lnTo>
-                <a:lnTo>
-                  <a:pt x="1007272" y="778550"/>
-                </a:lnTo>
-                <a:lnTo>
-                  <a:pt x="986896" y="814395"/>
-                </a:lnTo>
-                <a:lnTo>
-                  <a:pt x="963899" y="848441"/>
-                </a:lnTo>
-                <a:lnTo>
-                  <a:pt x="938418" y="880551"/>
-                </a:lnTo>
-                <a:lnTo>
-                  <a:pt x="910590" y="910589"/>
-                </a:lnTo>
-                <a:lnTo>
-                  <a:pt x="880551" y="938418"/>
-                </a:lnTo>
-                <a:lnTo>
-                  <a:pt x="848441" y="963899"/>
-                </a:lnTo>
-                <a:lnTo>
-                  <a:pt x="814395" y="986896"/>
-                </a:lnTo>
-                <a:lnTo>
-                  <a:pt x="778550" y="1007272"/>
-                </a:lnTo>
-                <a:lnTo>
-                  <a:pt x="741045" y="1024889"/>
-                </a:lnTo>
-                <a:lnTo>
-                  <a:pt x="702015" y="1039611"/>
-                </a:lnTo>
-                <a:lnTo>
-                  <a:pt x="661598" y="1051300"/>
-                </a:lnTo>
-                <a:lnTo>
-                  <a:pt x="619932" y="1059820"/>
-                </a:lnTo>
-                <a:lnTo>
-                  <a:pt x="577154" y="1065032"/>
-                </a:lnTo>
-                <a:lnTo>
-                  <a:pt x="533400" y="1066800"/>
-                </a:lnTo>
-                <a:lnTo>
-                  <a:pt x="489645" y="1065032"/>
-                </a:lnTo>
-                <a:lnTo>
-                  <a:pt x="446867" y="1059820"/>
-                </a:lnTo>
-                <a:lnTo>
-                  <a:pt x="405201" y="1051300"/>
-                </a:lnTo>
-                <a:lnTo>
-                  <a:pt x="364784" y="1039611"/>
-                </a:lnTo>
-                <a:lnTo>
-                  <a:pt x="325754" y="1024889"/>
-                </a:lnTo>
-                <a:lnTo>
-                  <a:pt x="288249" y="1007272"/>
-                </a:lnTo>
-                <a:lnTo>
-                  <a:pt x="252404" y="986896"/>
-                </a:lnTo>
-                <a:lnTo>
-                  <a:pt x="218358" y="963899"/>
-                </a:lnTo>
-                <a:lnTo>
-                  <a:pt x="186248" y="938418"/>
-                </a:lnTo>
-                <a:lnTo>
-                  <a:pt x="156209" y="910589"/>
-                </a:lnTo>
-                <a:lnTo>
-                  <a:pt x="128381" y="880551"/>
-                </a:lnTo>
-                <a:lnTo>
-                  <a:pt x="102900" y="848441"/>
-                </a:lnTo>
-                <a:lnTo>
-                  <a:pt x="79903" y="814395"/>
-                </a:lnTo>
-                <a:lnTo>
-                  <a:pt x="59527" y="778550"/>
-                </a:lnTo>
-                <a:lnTo>
-                  <a:pt x="41909" y="741045"/>
-                </a:lnTo>
-                <a:lnTo>
-                  <a:pt x="27188" y="702015"/>
-                </a:lnTo>
-                <a:lnTo>
-                  <a:pt x="15499" y="661598"/>
-                </a:lnTo>
-                <a:lnTo>
-                  <a:pt x="6979" y="619932"/>
-                </a:lnTo>
-                <a:lnTo>
-                  <a:pt x="1767" y="577154"/>
-                </a:lnTo>
-                <a:lnTo>
-                  <a:pt x="0" y="533400"/>
-                </a:lnTo>
-                <a:close/>
-              </a:path>
-            </a:pathLst>
-          </a:custGeom>
-          <a:ln w="25400">
-            <a:solidFill>
-              <a:srgbClr val="000000"/>
-            </a:solidFill>
-          </a:ln>
-        </p:spPr>
-        <p:txBody>
-          <a:bodyPr wrap="square" lIns="0" tIns="0" rIns="0" bIns="0" rtlCol="0"/>
-          <a:lstStyle/>
-          <a:p>
-            <a:endParaRPr/>
-          </a:p>
-        </p:txBody>
-      </p:sp>
-      <p:sp>
-        <p:nvSpPr>
-          <p:cNvPr id="23" name="object 23"/>
-          <p:cNvSpPr/>
-          <p:nvPr/>
-        </p:nvSpPr>
-        <p:spPr>
-          <a:xfrm>
-            <a:off x="127205" y="1804035"/>
-            <a:ext cx="8813302" cy="1752600"/>
-          </a:xfrm>
-          <a:prstGeom prst="rect">
-            <a:avLst/>
-          </a:prstGeom>
-          <a:blipFill>
-            <a:blip r:embed="rId14" cstate="print"/>
-            <a:stretch>
-              <a:fillRect/>
-            </a:stretch>
-          </a:blipFill>
-        </p:spPr>
-        <p:txBody>
-          <a:bodyPr wrap="square" lIns="0" tIns="0" rIns="0" bIns="0" rtlCol="0"/>
-          <a:lstStyle/>
-          <a:p>
-            <a:endParaRPr/>
-          </a:p>
-        </p:txBody>
-      </p:sp>
-      <p:sp>
-        <p:nvSpPr>
-          <p:cNvPr id="24" name="object 24"/>
-          <p:cNvSpPr txBox="1">
-            <a:spLocks noGrp="1"/>
-          </p:cNvSpPr>
-          <p:nvPr>
-            <p:ph type="title"/>
-          </p:nvPr>
-        </p:nvSpPr>
-        <p:spPr>
-          <a:xfrm>
-            <a:off x="531934" y="2141981"/>
-            <a:ext cx="8003844" cy="1107996"/>
-          </a:xfrm>
-          <a:prstGeom prst="rect">
-            <a:avLst/>
-          </a:prstGeom>
-        </p:spPr>
-        <p:txBody>
-          <a:bodyPr vert="horz" wrap="square" lIns="0" tIns="0" rIns="0" bIns="0" rtlCol="0">
-            <a:spAutoFit/>
-          </a:bodyPr>
-          <a:lstStyle/>
-          <a:p>
-            <a:pPr marL="1057910">
-              <a:lnSpc>
-                <a:spcPct val="100000"/>
-              </a:lnSpc>
-            </a:pPr>
-            <a:r>
-              <a:rPr lang="en-US" dirty="0"/>
-              <a:t>Which of the following is space research organization?</a:t>
-            </a:r>
-            <a:endParaRPr dirty="0"/>
-          </a:p>
-        </p:txBody>
-      </p:sp>
-    </p:spTree>
-    <p:extLst>
-      <p:ext uri="{BB962C8B-B14F-4D97-AF65-F5344CB8AC3E}">
-        <p14:creationId xmlns:p14="http://schemas.microsoft.com/office/powerpoint/2010/main" val="2360858739"/>
-      </p:ext>
-    </p:extLst>
-  </p:cSld>
-  <p:clrMapOvr>
-    <a:masterClrMapping/>
-  </p:clrMapOvr>
-</p:sld>
-</file>
-
-<file path=ppt/slides/slide20.xml><?xml version="1.0" encoding="utf-8"?>
+<file path=ppt/slides/slide21.xml><?xml version="1.0" encoding="utf-8"?>
 <p:sld xmlns:a="http://schemas.openxmlformats.org/drawingml/2006/main" xmlns:r="http://schemas.openxmlformats.org/officeDocument/2006/relationships" xmlns:p="http://schemas.openxmlformats.org/presentationml/2006/main">
   <p:cSld>
     <p:spTree>
@@ -21842,7 +21637,7 @@
 </p:sld>
 </file>
 
-<file path=ppt/slides/slide21.xml><?xml version="1.0" encoding="utf-8"?>
+<file path=ppt/slides/slide22.xml><?xml version="1.0" encoding="utf-8"?>
 <p:sld xmlns:a="http://schemas.openxmlformats.org/drawingml/2006/main" xmlns:r="http://schemas.openxmlformats.org/officeDocument/2006/relationships" xmlns:p="http://schemas.openxmlformats.org/presentationml/2006/main">
   <p:cSld>
     <p:spTree>
@@ -23042,7 +22837,7 @@
 </p:sld>
 </file>
 
-<file path=ppt/slides/slide22.xml><?xml version="1.0" encoding="utf-8"?>
+<file path=ppt/slides/slide23.xml><?xml version="1.0" encoding="utf-8"?>
 <p:sld xmlns:a="http://schemas.openxmlformats.org/drawingml/2006/main" xmlns:r="http://schemas.openxmlformats.org/officeDocument/2006/relationships" xmlns:p="http://schemas.openxmlformats.org/presentationml/2006/main">
   <p:cSld>
     <p:spTree>
@@ -24674,7 +24469,7 @@
 </p:sld>
 </file>
 
-<file path=ppt/slides/slide23.xml><?xml version="1.0" encoding="utf-8"?>
+<file path=ppt/slides/slide24.xml><?xml version="1.0" encoding="utf-8"?>
 <p:sld xmlns:a="http://schemas.openxmlformats.org/drawingml/2006/main" xmlns:r="http://schemas.openxmlformats.org/officeDocument/2006/relationships" xmlns:p="http://schemas.openxmlformats.org/presentationml/2006/main">
   <p:cSld>
     <p:spTree>
@@ -25874,7 +25669,7 @@
 </p:sld>
 </file>
 
-<file path=ppt/slides/slide24.xml><?xml version="1.0" encoding="utf-8"?>
+<file path=ppt/slides/slide25.xml><?xml version="1.0" encoding="utf-8"?>
 <p:sld xmlns:a="http://schemas.openxmlformats.org/drawingml/2006/main" xmlns:r="http://schemas.openxmlformats.org/officeDocument/2006/relationships" xmlns:p="http://schemas.openxmlformats.org/presentationml/2006/main">
   <p:cSld>
     <p:spTree>
@@ -27506,7 +27301,7 @@
 </p:sld>
 </file>
 
-<file path=ppt/slides/slide25.xml><?xml version="1.0" encoding="utf-8"?>
+<file path=ppt/slides/slide26.xml><?xml version="1.0" encoding="utf-8"?>
 <p:sld xmlns:a="http://schemas.openxmlformats.org/drawingml/2006/main" xmlns:r="http://schemas.openxmlformats.org/officeDocument/2006/relationships" xmlns:p="http://schemas.openxmlformats.org/presentationml/2006/main">
   <p:cSld>
     <p:spTree>
@@ -28706,7 +28501,7 @@
 </p:sld>
 </file>
 
-<file path=ppt/slides/slide26.xml><?xml version="1.0" encoding="utf-8"?>
+<file path=ppt/slides/slide27.xml><?xml version="1.0" encoding="utf-8"?>
 <p:sld xmlns:a="http://schemas.openxmlformats.org/drawingml/2006/main" xmlns:r="http://schemas.openxmlformats.org/officeDocument/2006/relationships" xmlns:p="http://schemas.openxmlformats.org/presentationml/2006/main">
   <p:cSld>
     <p:spTree>
@@ -29707,6 +29502,1638 @@
       </p:grpSpPr>
       <p:sp>
         <p:nvSpPr>
+          <p:cNvPr id="2" name="object 2"/>
+          <p:cNvSpPr/>
+          <p:nvPr/>
+        </p:nvSpPr>
+        <p:spPr>
+          <a:xfrm>
+            <a:off x="4716017" y="5361813"/>
+            <a:ext cx="4176522" cy="720140"/>
+          </a:xfrm>
+          <a:prstGeom prst="rect">
+            <a:avLst/>
+          </a:prstGeom>
+          <a:blipFill>
+            <a:blip r:embed="rId3" cstate="print"/>
+            <a:stretch>
+              <a:fillRect/>
+            </a:stretch>
+          </a:blipFill>
+        </p:spPr>
+        <p:txBody>
+          <a:bodyPr wrap="square" lIns="0" tIns="0" rIns="0" bIns="0" rtlCol="0"/>
+          <a:lstStyle/>
+          <a:p>
+            <a:endParaRPr/>
+          </a:p>
+        </p:txBody>
+      </p:sp>
+      <p:sp>
+        <p:nvSpPr>
+          <p:cNvPr id="3" name="object 3"/>
+          <p:cNvSpPr/>
+          <p:nvPr/>
+        </p:nvSpPr>
+        <p:spPr>
+          <a:xfrm>
+            <a:off x="4691084" y="5336540"/>
+            <a:ext cx="4226855" cy="771118"/>
+          </a:xfrm>
+          <a:prstGeom prst="rect">
+            <a:avLst/>
+          </a:prstGeom>
+          <a:blipFill>
+            <a:blip r:embed="rId4" cstate="print"/>
+            <a:stretch>
+              <a:fillRect/>
+            </a:stretch>
+          </a:blipFill>
+        </p:spPr>
+        <p:txBody>
+          <a:bodyPr wrap="square" lIns="0" tIns="0" rIns="0" bIns="0" rtlCol="0"/>
+          <a:lstStyle/>
+          <a:p>
+            <a:endParaRPr/>
+          </a:p>
+        </p:txBody>
+      </p:sp>
+      <p:sp>
+        <p:nvSpPr>
+          <p:cNvPr id="4" name="object 4"/>
+          <p:cNvSpPr/>
+          <p:nvPr/>
+        </p:nvSpPr>
+        <p:spPr>
+          <a:xfrm>
+            <a:off x="251523" y="5362066"/>
+            <a:ext cx="4176458" cy="720051"/>
+          </a:xfrm>
+          <a:prstGeom prst="rect">
+            <a:avLst/>
+          </a:prstGeom>
+          <a:blipFill>
+            <a:blip r:embed="rId5" cstate="print"/>
+            <a:stretch>
+              <a:fillRect/>
+            </a:stretch>
+          </a:blipFill>
+        </p:spPr>
+        <p:txBody>
+          <a:bodyPr wrap="square" lIns="0" tIns="0" rIns="0" bIns="0" rtlCol="0"/>
+          <a:lstStyle/>
+          <a:p>
+            <a:endParaRPr/>
+          </a:p>
+        </p:txBody>
+      </p:sp>
+      <p:sp>
+        <p:nvSpPr>
+          <p:cNvPr id="5" name="object 5"/>
+          <p:cNvSpPr/>
+          <p:nvPr/>
+        </p:nvSpPr>
+        <p:spPr>
+          <a:xfrm>
+            <a:off x="226616" y="5336666"/>
+            <a:ext cx="4226711" cy="771182"/>
+          </a:xfrm>
+          <a:prstGeom prst="rect">
+            <a:avLst/>
+          </a:prstGeom>
+          <a:blipFill>
+            <a:blip r:embed="rId6" cstate="print"/>
+            <a:stretch>
+              <a:fillRect/>
+            </a:stretch>
+          </a:blipFill>
+        </p:spPr>
+        <p:txBody>
+          <a:bodyPr wrap="square" lIns="0" tIns="0" rIns="0" bIns="0" rtlCol="0"/>
+          <a:lstStyle/>
+          <a:p>
+            <a:endParaRPr dirty="0"/>
+          </a:p>
+        </p:txBody>
+      </p:sp>
+      <p:sp>
+        <p:nvSpPr>
+          <p:cNvPr id="6" name="object 6"/>
+          <p:cNvSpPr/>
+          <p:nvPr/>
+        </p:nvSpPr>
+        <p:spPr>
+          <a:xfrm>
+            <a:off x="4427982" y="5721908"/>
+            <a:ext cx="288290" cy="635"/>
+          </a:xfrm>
+          <a:custGeom>
+            <a:avLst/>
+            <a:gdLst/>
+            <a:ahLst/>
+            <a:cxnLst/>
+            <a:rect l="l" t="t" r="r" b="b"/>
+            <a:pathLst>
+              <a:path w="288289" h="635">
+                <a:moveTo>
+                  <a:pt x="0" y="165"/>
+                </a:moveTo>
+                <a:lnTo>
+                  <a:pt x="288035" y="0"/>
+                </a:lnTo>
+              </a:path>
+            </a:pathLst>
+          </a:custGeom>
+          <a:ln w="50800">
+            <a:solidFill>
+              <a:srgbClr val="005CBE"/>
+            </a:solidFill>
+          </a:ln>
+        </p:spPr>
+        <p:txBody>
+          <a:bodyPr wrap="square" lIns="0" tIns="0" rIns="0" bIns="0" rtlCol="0"/>
+          <a:lstStyle/>
+          <a:p>
+            <a:endParaRPr/>
+          </a:p>
+        </p:txBody>
+      </p:sp>
+      <p:sp>
+        <p:nvSpPr>
+          <p:cNvPr id="7" name="object 7"/>
+          <p:cNvSpPr/>
+          <p:nvPr/>
+        </p:nvSpPr>
+        <p:spPr>
+          <a:xfrm>
+            <a:off x="4716017" y="4281804"/>
+            <a:ext cx="4176522" cy="719963"/>
+          </a:xfrm>
+          <a:prstGeom prst="rect">
+            <a:avLst/>
+          </a:prstGeom>
+          <a:blipFill>
+            <a:blip r:embed="rId7" cstate="print"/>
+            <a:stretch>
+              <a:fillRect/>
+            </a:stretch>
+          </a:blipFill>
+        </p:spPr>
+        <p:txBody>
+          <a:bodyPr wrap="square" lIns="0" tIns="0" rIns="0" bIns="0" rtlCol="0"/>
+          <a:lstStyle/>
+          <a:p>
+            <a:endParaRPr/>
+          </a:p>
+        </p:txBody>
+      </p:sp>
+      <p:sp>
+        <p:nvSpPr>
+          <p:cNvPr id="8" name="object 8"/>
+          <p:cNvSpPr/>
+          <p:nvPr/>
+        </p:nvSpPr>
+        <p:spPr>
+          <a:xfrm>
+            <a:off x="4663423" y="4256278"/>
+            <a:ext cx="4226790" cy="771144"/>
+          </a:xfrm>
+          <a:prstGeom prst="rect">
+            <a:avLst/>
+          </a:prstGeom>
+          <a:blipFill>
+            <a:blip r:embed="rId8" cstate="print"/>
+            <a:stretch>
+              <a:fillRect/>
+            </a:stretch>
+          </a:blipFill>
+        </p:spPr>
+        <p:txBody>
+          <a:bodyPr wrap="square" lIns="0" tIns="0" rIns="0" bIns="0" rtlCol="0"/>
+          <a:lstStyle/>
+          <a:p>
+            <a:endParaRPr/>
+          </a:p>
+        </p:txBody>
+      </p:sp>
+      <p:sp>
+        <p:nvSpPr>
+          <p:cNvPr id="9" name="object 9"/>
+          <p:cNvSpPr/>
+          <p:nvPr/>
+        </p:nvSpPr>
+        <p:spPr>
+          <a:xfrm>
+            <a:off x="251523" y="4281932"/>
+            <a:ext cx="4176458" cy="720090"/>
+          </a:xfrm>
+          <a:prstGeom prst="rect">
+            <a:avLst/>
+          </a:prstGeom>
+          <a:blipFill>
+            <a:blip r:embed="rId9" cstate="print"/>
+            <a:stretch>
+              <a:fillRect/>
+            </a:stretch>
+          </a:blipFill>
+        </p:spPr>
+        <p:txBody>
+          <a:bodyPr wrap="square" lIns="0" tIns="0" rIns="0" bIns="0" rtlCol="0"/>
+          <a:lstStyle/>
+          <a:p>
+            <a:endParaRPr/>
+          </a:p>
+        </p:txBody>
+      </p:sp>
+      <p:sp>
+        <p:nvSpPr>
+          <p:cNvPr id="10" name="object 10"/>
+          <p:cNvSpPr/>
+          <p:nvPr/>
+        </p:nvSpPr>
+        <p:spPr>
+          <a:xfrm>
+            <a:off x="226623" y="4256532"/>
+            <a:ext cx="4226699" cy="771144"/>
+          </a:xfrm>
+          <a:prstGeom prst="rect">
+            <a:avLst/>
+          </a:prstGeom>
+          <a:blipFill>
+            <a:blip r:embed="rId10" cstate="print"/>
+            <a:stretch>
+              <a:fillRect/>
+            </a:stretch>
+          </a:blipFill>
+        </p:spPr>
+        <p:txBody>
+          <a:bodyPr wrap="square" lIns="0" tIns="0" rIns="0" bIns="0" rtlCol="0"/>
+          <a:lstStyle/>
+          <a:p>
+            <a:endParaRPr/>
+          </a:p>
+        </p:txBody>
+      </p:sp>
+      <p:sp>
+        <p:nvSpPr>
+          <p:cNvPr id="11" name="object 11"/>
+          <p:cNvSpPr/>
+          <p:nvPr/>
+        </p:nvSpPr>
+        <p:spPr>
+          <a:xfrm>
+            <a:off x="4427982" y="4641850"/>
+            <a:ext cx="288290" cy="635"/>
+          </a:xfrm>
+          <a:custGeom>
+            <a:avLst/>
+            <a:gdLst/>
+            <a:ahLst/>
+            <a:cxnLst/>
+            <a:rect l="l" t="t" r="r" b="b"/>
+            <a:pathLst>
+              <a:path w="288289" h="635">
+                <a:moveTo>
+                  <a:pt x="0" y="126"/>
+                </a:moveTo>
+                <a:lnTo>
+                  <a:pt x="288035" y="0"/>
+                </a:lnTo>
+              </a:path>
+            </a:pathLst>
+          </a:custGeom>
+          <a:ln w="50800">
+            <a:solidFill>
+              <a:srgbClr val="005CBE"/>
+            </a:solidFill>
+          </a:ln>
+        </p:spPr>
+        <p:txBody>
+          <a:bodyPr wrap="square" lIns="0" tIns="0" rIns="0" bIns="0" rtlCol="0"/>
+          <a:lstStyle/>
+          <a:p>
+            <a:endParaRPr/>
+          </a:p>
+        </p:txBody>
+      </p:sp>
+      <p:sp>
+        <p:nvSpPr>
+          <p:cNvPr id="12" name="object 12"/>
+          <p:cNvSpPr txBox="1"/>
+          <p:nvPr/>
+        </p:nvSpPr>
+        <p:spPr>
+          <a:xfrm>
+            <a:off x="5011673" y="5519115"/>
+            <a:ext cx="3880804" cy="492443"/>
+          </a:xfrm>
+          <a:prstGeom prst="rect">
+            <a:avLst/>
+          </a:prstGeom>
+        </p:spPr>
+        <p:txBody>
+          <a:bodyPr vert="horz" wrap="square" lIns="0" tIns="0" rIns="0" bIns="0" rtlCol="0">
+            <a:spAutoFit/>
+          </a:bodyPr>
+          <a:lstStyle/>
+          <a:p>
+            <a:pPr marL="12700">
+              <a:lnSpc>
+                <a:spcPct val="100000"/>
+              </a:lnSpc>
+              <a:tabLst>
+                <a:tab pos="715645" algn="l"/>
+              </a:tabLst>
+            </a:pPr>
+            <a:r>
+              <a:rPr sz="3200" spc="-5" dirty="0">
+                <a:solidFill>
+                  <a:srgbClr val="FFFF00"/>
+                </a:solidFill>
+                <a:latin typeface="Calibri"/>
+                <a:cs typeface="Calibri"/>
+              </a:rPr>
+              <a:t>D</a:t>
+            </a:r>
+            <a:r>
+              <a:rPr sz="3200" dirty="0">
+                <a:solidFill>
+                  <a:srgbClr val="FFFF00"/>
+                </a:solidFill>
+                <a:latin typeface="Calibri"/>
+                <a:cs typeface="Calibri"/>
+              </a:rPr>
+              <a:t>:	</a:t>
+            </a:r>
+            <a:r>
+              <a:rPr lang="en-US" sz="3200" dirty="0">
+                <a:solidFill>
+                  <a:srgbClr val="FFFF00"/>
+                </a:solidFill>
+                <a:latin typeface="Calibri"/>
+                <a:cs typeface="Calibri"/>
+              </a:rPr>
+              <a:t>  </a:t>
+            </a:r>
+            <a:r>
+              <a:rPr lang="en-US" sz="3600" baseline="1157" dirty="0">
+                <a:solidFill>
+                  <a:srgbClr val="FFFFFF"/>
+                </a:solidFill>
+                <a:latin typeface="Calibri"/>
+                <a:cs typeface="Calibri"/>
+              </a:rPr>
+              <a:t>WHO</a:t>
+            </a:r>
+            <a:endParaRPr sz="3600" baseline="1157" dirty="0">
+              <a:latin typeface="Calibri"/>
+              <a:cs typeface="Calibri"/>
+            </a:endParaRPr>
+          </a:p>
+        </p:txBody>
+      </p:sp>
+      <p:sp>
+        <p:nvSpPr>
+          <p:cNvPr id="13" name="object 13"/>
+          <p:cNvSpPr txBox="1"/>
+          <p:nvPr/>
+        </p:nvSpPr>
+        <p:spPr>
+          <a:xfrm>
+            <a:off x="546303" y="5519115"/>
+            <a:ext cx="2640965" cy="492443"/>
+          </a:xfrm>
+          <a:prstGeom prst="rect">
+            <a:avLst/>
+          </a:prstGeom>
+        </p:spPr>
+        <p:txBody>
+          <a:bodyPr vert="horz" wrap="square" lIns="0" tIns="0" rIns="0" bIns="0" rtlCol="0">
+            <a:spAutoFit/>
+          </a:bodyPr>
+          <a:lstStyle/>
+          <a:p>
+            <a:pPr marL="12700">
+              <a:lnSpc>
+                <a:spcPct val="100000"/>
+              </a:lnSpc>
+              <a:tabLst>
+                <a:tab pos="958215" algn="l"/>
+              </a:tabLst>
+            </a:pPr>
+            <a:r>
+              <a:rPr sz="3200" spc="-10" dirty="0">
+                <a:solidFill>
+                  <a:srgbClr val="FFFF00"/>
+                </a:solidFill>
+                <a:latin typeface="Calibri"/>
+                <a:cs typeface="Calibri"/>
+              </a:rPr>
+              <a:t>C</a:t>
+            </a:r>
+            <a:r>
+              <a:rPr sz="3200" dirty="0">
+                <a:solidFill>
+                  <a:srgbClr val="FFFF00"/>
+                </a:solidFill>
+                <a:latin typeface="Calibri"/>
+                <a:cs typeface="Calibri"/>
+              </a:rPr>
+              <a:t>:</a:t>
+            </a:r>
+            <a:r>
+              <a:rPr lang="en-US" sz="3200" dirty="0">
+                <a:solidFill>
+                  <a:srgbClr val="FFFF00"/>
+                </a:solidFill>
+                <a:latin typeface="Calibri"/>
+                <a:cs typeface="Calibri"/>
+              </a:rPr>
+              <a:t>   </a:t>
+            </a:r>
+            <a:r>
+              <a:rPr lang="en-US" sz="3600" baseline="1157" dirty="0">
+                <a:solidFill>
+                  <a:srgbClr val="FFFFFF"/>
+                </a:solidFill>
+                <a:latin typeface="Calibri"/>
+                <a:cs typeface="Calibri"/>
+              </a:rPr>
+              <a:t>NATO</a:t>
+            </a:r>
+            <a:endParaRPr sz="3600" baseline="1157" dirty="0">
+              <a:latin typeface="Calibri"/>
+              <a:cs typeface="Calibri"/>
+            </a:endParaRPr>
+          </a:p>
+        </p:txBody>
+      </p:sp>
+      <p:sp>
+        <p:nvSpPr>
+          <p:cNvPr id="14" name="object 14"/>
+          <p:cNvSpPr txBox="1"/>
+          <p:nvPr/>
+        </p:nvSpPr>
+        <p:spPr>
+          <a:xfrm>
+            <a:off x="5011672" y="4438777"/>
+            <a:ext cx="3370327" cy="492443"/>
+          </a:xfrm>
+          <a:prstGeom prst="rect">
+            <a:avLst/>
+          </a:prstGeom>
+        </p:spPr>
+        <p:txBody>
+          <a:bodyPr vert="horz" wrap="square" lIns="0" tIns="0" rIns="0" bIns="0" rtlCol="0">
+            <a:spAutoFit/>
+          </a:bodyPr>
+          <a:lstStyle/>
+          <a:p>
+            <a:pPr marL="12700">
+              <a:lnSpc>
+                <a:spcPct val="100000"/>
+              </a:lnSpc>
+              <a:tabLst>
+                <a:tab pos="901700" algn="l"/>
+              </a:tabLst>
+            </a:pPr>
+            <a:r>
+              <a:rPr sz="3200" spc="-5" dirty="0">
+                <a:solidFill>
+                  <a:srgbClr val="FFFF00"/>
+                </a:solidFill>
+                <a:latin typeface="Calibri"/>
+                <a:cs typeface="Calibri"/>
+              </a:rPr>
+              <a:t>B</a:t>
+            </a:r>
+            <a:r>
+              <a:rPr sz="3200" dirty="0">
+                <a:solidFill>
+                  <a:srgbClr val="FFFF00"/>
+                </a:solidFill>
+                <a:latin typeface="Calibri"/>
+                <a:cs typeface="Calibri"/>
+              </a:rPr>
+              <a:t>:</a:t>
+            </a:r>
+            <a:r>
+              <a:rPr lang="en-US" sz="3200" dirty="0">
+                <a:solidFill>
+                  <a:srgbClr val="FFFF00"/>
+                </a:solidFill>
+                <a:latin typeface="Calibri"/>
+                <a:cs typeface="Calibri"/>
+              </a:rPr>
+              <a:t>	</a:t>
+            </a:r>
+            <a:r>
+              <a:rPr lang="en-US" sz="3600" spc="-22" baseline="1157" dirty="0">
+                <a:solidFill>
+                  <a:srgbClr val="FFFFFF"/>
+                </a:solidFill>
+                <a:latin typeface="Calibri"/>
+                <a:cs typeface="Calibri"/>
+              </a:rPr>
+              <a:t>NASA</a:t>
+            </a:r>
+            <a:endParaRPr sz="3600" baseline="1157" dirty="0">
+              <a:latin typeface="Calibri"/>
+              <a:cs typeface="Calibri"/>
+            </a:endParaRPr>
+          </a:p>
+        </p:txBody>
+      </p:sp>
+      <p:sp>
+        <p:nvSpPr>
+          <p:cNvPr id="15" name="object 15"/>
+          <p:cNvSpPr txBox="1"/>
+          <p:nvPr/>
+        </p:nvSpPr>
+        <p:spPr>
+          <a:xfrm>
+            <a:off x="546302" y="4438777"/>
+            <a:ext cx="3263697" cy="492443"/>
+          </a:xfrm>
+          <a:prstGeom prst="rect">
+            <a:avLst/>
+          </a:prstGeom>
+        </p:spPr>
+        <p:txBody>
+          <a:bodyPr vert="horz" wrap="square" lIns="0" tIns="0" rIns="0" bIns="0" rtlCol="0">
+            <a:spAutoFit/>
+          </a:bodyPr>
+          <a:lstStyle/>
+          <a:p>
+            <a:pPr marL="12700">
+              <a:lnSpc>
+                <a:spcPct val="100000"/>
+              </a:lnSpc>
+              <a:tabLst>
+                <a:tab pos="589280" algn="l"/>
+              </a:tabLst>
+            </a:pPr>
+            <a:r>
+              <a:rPr sz="3200" spc="-10" dirty="0">
+                <a:solidFill>
+                  <a:srgbClr val="FFFF00"/>
+                </a:solidFill>
+                <a:latin typeface="Calibri"/>
+                <a:cs typeface="Calibri"/>
+              </a:rPr>
+              <a:t>A</a:t>
+            </a:r>
+            <a:r>
+              <a:rPr sz="3200" dirty="0">
+                <a:solidFill>
+                  <a:srgbClr val="FFFF00"/>
+                </a:solidFill>
+                <a:latin typeface="Calibri"/>
+                <a:cs typeface="Calibri"/>
+              </a:rPr>
+              <a:t>:	</a:t>
+            </a:r>
+            <a:r>
+              <a:rPr lang="en-US" sz="3600" spc="-7" baseline="1157" dirty="0">
+                <a:solidFill>
+                  <a:srgbClr val="FFFFFF"/>
+                </a:solidFill>
+                <a:latin typeface="Calibri"/>
+                <a:cs typeface="Calibri"/>
+              </a:rPr>
+              <a:t>United Nations</a:t>
+            </a:r>
+            <a:endParaRPr sz="3600" baseline="1157" dirty="0">
+              <a:latin typeface="Calibri"/>
+              <a:cs typeface="Calibri"/>
+            </a:endParaRPr>
+          </a:p>
+        </p:txBody>
+      </p:sp>
+      <p:sp>
+        <p:nvSpPr>
+          <p:cNvPr id="16" name="object 16"/>
+          <p:cNvSpPr/>
+          <p:nvPr/>
+        </p:nvSpPr>
+        <p:spPr>
+          <a:xfrm>
+            <a:off x="1219200" y="228612"/>
+            <a:ext cx="1359789" cy="1149337"/>
+          </a:xfrm>
+          <a:prstGeom prst="rect">
+            <a:avLst/>
+          </a:prstGeom>
+          <a:blipFill>
+            <a:blip r:embed="rId11" cstate="print"/>
+            <a:stretch>
+              <a:fillRect/>
+            </a:stretch>
+          </a:blipFill>
+        </p:spPr>
+        <p:txBody>
+          <a:bodyPr wrap="square" lIns="0" tIns="0" rIns="0" bIns="0" rtlCol="0"/>
+          <a:lstStyle/>
+          <a:p>
+            <a:endParaRPr/>
+          </a:p>
+        </p:txBody>
+      </p:sp>
+      <p:sp>
+        <p:nvSpPr>
+          <p:cNvPr id="17" name="object 17"/>
+          <p:cNvSpPr/>
+          <p:nvPr/>
+        </p:nvSpPr>
+        <p:spPr>
+          <a:xfrm>
+            <a:off x="2864739" y="457200"/>
+            <a:ext cx="1466850" cy="762000"/>
+          </a:xfrm>
+          <a:prstGeom prst="rect">
+            <a:avLst/>
+          </a:prstGeom>
+          <a:blipFill>
+            <a:blip r:embed="rId12" cstate="print"/>
+            <a:stretch>
+              <a:fillRect/>
+            </a:stretch>
+          </a:blipFill>
+        </p:spPr>
+        <p:txBody>
+          <a:bodyPr wrap="square" lIns="0" tIns="0" rIns="0" bIns="0" rtlCol="0"/>
+          <a:lstStyle/>
+          <a:p>
+            <a:endParaRPr/>
+          </a:p>
+        </p:txBody>
+      </p:sp>
+      <p:sp>
+        <p:nvSpPr>
+          <p:cNvPr id="18" name="object 18"/>
+          <p:cNvSpPr/>
+          <p:nvPr/>
+        </p:nvSpPr>
+        <p:spPr>
+          <a:xfrm>
+            <a:off x="4634357" y="457200"/>
+            <a:ext cx="1373632" cy="762000"/>
+          </a:xfrm>
+          <a:prstGeom prst="rect">
+            <a:avLst/>
+          </a:prstGeom>
+          <a:blipFill>
+            <a:blip r:embed="rId13" cstate="print"/>
+            <a:stretch>
+              <a:fillRect/>
+            </a:stretch>
+          </a:blipFill>
+        </p:spPr>
+        <p:txBody>
+          <a:bodyPr wrap="square" lIns="0" tIns="0" rIns="0" bIns="0" rtlCol="0"/>
+          <a:lstStyle/>
+          <a:p>
+            <a:endParaRPr/>
+          </a:p>
+        </p:txBody>
+      </p:sp>
+      <p:sp>
+        <p:nvSpPr>
+          <p:cNvPr id="19" name="object 19"/>
+          <p:cNvSpPr/>
+          <p:nvPr/>
+        </p:nvSpPr>
+        <p:spPr>
+          <a:xfrm>
+            <a:off x="6477000" y="228600"/>
+            <a:ext cx="1219200" cy="1219200"/>
+          </a:xfrm>
+          <a:custGeom>
+            <a:avLst/>
+            <a:gdLst/>
+            <a:ahLst/>
+            <a:cxnLst/>
+            <a:rect l="l" t="t" r="r" b="b"/>
+            <a:pathLst>
+              <a:path w="1219200" h="1219200">
+                <a:moveTo>
+                  <a:pt x="609600" y="0"/>
+                </a:moveTo>
+                <a:lnTo>
+                  <a:pt x="559602" y="2020"/>
+                </a:lnTo>
+                <a:lnTo>
+                  <a:pt x="510718" y="7978"/>
+                </a:lnTo>
+                <a:lnTo>
+                  <a:pt x="463104" y="17716"/>
+                </a:lnTo>
+                <a:lnTo>
+                  <a:pt x="416917" y="31077"/>
+                </a:lnTo>
+                <a:lnTo>
+                  <a:pt x="372314" y="47904"/>
+                </a:lnTo>
+                <a:lnTo>
+                  <a:pt x="329451" y="68041"/>
+                </a:lnTo>
+                <a:lnTo>
+                  <a:pt x="288486" y="91331"/>
+                </a:lnTo>
+                <a:lnTo>
+                  <a:pt x="249576" y="117616"/>
+                </a:lnTo>
+                <a:lnTo>
+                  <a:pt x="212877" y="146740"/>
+                </a:lnTo>
+                <a:lnTo>
+                  <a:pt x="178546" y="178546"/>
+                </a:lnTo>
+                <a:lnTo>
+                  <a:pt x="146740" y="212877"/>
+                </a:lnTo>
+                <a:lnTo>
+                  <a:pt x="117616" y="249576"/>
+                </a:lnTo>
+                <a:lnTo>
+                  <a:pt x="91331" y="288486"/>
+                </a:lnTo>
+                <a:lnTo>
+                  <a:pt x="68041" y="329451"/>
+                </a:lnTo>
+                <a:lnTo>
+                  <a:pt x="47904" y="372314"/>
+                </a:lnTo>
+                <a:lnTo>
+                  <a:pt x="31077" y="416917"/>
+                </a:lnTo>
+                <a:lnTo>
+                  <a:pt x="17716" y="463104"/>
+                </a:lnTo>
+                <a:lnTo>
+                  <a:pt x="7978" y="510718"/>
+                </a:lnTo>
+                <a:lnTo>
+                  <a:pt x="2020" y="559602"/>
+                </a:lnTo>
+                <a:lnTo>
+                  <a:pt x="0" y="609600"/>
+                </a:lnTo>
+                <a:lnTo>
+                  <a:pt x="2020" y="659597"/>
+                </a:lnTo>
+                <a:lnTo>
+                  <a:pt x="7978" y="708481"/>
+                </a:lnTo>
+                <a:lnTo>
+                  <a:pt x="17716" y="756095"/>
+                </a:lnTo>
+                <a:lnTo>
+                  <a:pt x="31077" y="802282"/>
+                </a:lnTo>
+                <a:lnTo>
+                  <a:pt x="47904" y="846885"/>
+                </a:lnTo>
+                <a:lnTo>
+                  <a:pt x="68041" y="889748"/>
+                </a:lnTo>
+                <a:lnTo>
+                  <a:pt x="91331" y="930713"/>
+                </a:lnTo>
+                <a:lnTo>
+                  <a:pt x="117616" y="969623"/>
+                </a:lnTo>
+                <a:lnTo>
+                  <a:pt x="146740" y="1006322"/>
+                </a:lnTo>
+                <a:lnTo>
+                  <a:pt x="178546" y="1040653"/>
+                </a:lnTo>
+                <a:lnTo>
+                  <a:pt x="212877" y="1072459"/>
+                </a:lnTo>
+                <a:lnTo>
+                  <a:pt x="249576" y="1101583"/>
+                </a:lnTo>
+                <a:lnTo>
+                  <a:pt x="288486" y="1127868"/>
+                </a:lnTo>
+                <a:lnTo>
+                  <a:pt x="329451" y="1151158"/>
+                </a:lnTo>
+                <a:lnTo>
+                  <a:pt x="372314" y="1171295"/>
+                </a:lnTo>
+                <a:lnTo>
+                  <a:pt x="416917" y="1188122"/>
+                </a:lnTo>
+                <a:lnTo>
+                  <a:pt x="463104" y="1201483"/>
+                </a:lnTo>
+                <a:lnTo>
+                  <a:pt x="510718" y="1211221"/>
+                </a:lnTo>
+                <a:lnTo>
+                  <a:pt x="559602" y="1217179"/>
+                </a:lnTo>
+                <a:lnTo>
+                  <a:pt x="609600" y="1219200"/>
+                </a:lnTo>
+                <a:lnTo>
+                  <a:pt x="659597" y="1217179"/>
+                </a:lnTo>
+                <a:lnTo>
+                  <a:pt x="708481" y="1211221"/>
+                </a:lnTo>
+                <a:lnTo>
+                  <a:pt x="756095" y="1201483"/>
+                </a:lnTo>
+                <a:lnTo>
+                  <a:pt x="802282" y="1188122"/>
+                </a:lnTo>
+                <a:lnTo>
+                  <a:pt x="846885" y="1171295"/>
+                </a:lnTo>
+                <a:lnTo>
+                  <a:pt x="889748" y="1151158"/>
+                </a:lnTo>
+                <a:lnTo>
+                  <a:pt x="930713" y="1127868"/>
+                </a:lnTo>
+                <a:lnTo>
+                  <a:pt x="969623" y="1101583"/>
+                </a:lnTo>
+                <a:lnTo>
+                  <a:pt x="1006322" y="1072459"/>
+                </a:lnTo>
+                <a:lnTo>
+                  <a:pt x="1040653" y="1040653"/>
+                </a:lnTo>
+                <a:lnTo>
+                  <a:pt x="1072459" y="1006322"/>
+                </a:lnTo>
+                <a:lnTo>
+                  <a:pt x="1101583" y="969623"/>
+                </a:lnTo>
+                <a:lnTo>
+                  <a:pt x="1127868" y="930713"/>
+                </a:lnTo>
+                <a:lnTo>
+                  <a:pt x="1151158" y="889748"/>
+                </a:lnTo>
+                <a:lnTo>
+                  <a:pt x="1171295" y="846885"/>
+                </a:lnTo>
+                <a:lnTo>
+                  <a:pt x="1188122" y="802282"/>
+                </a:lnTo>
+                <a:lnTo>
+                  <a:pt x="1201483" y="756095"/>
+                </a:lnTo>
+                <a:lnTo>
+                  <a:pt x="1211221" y="708481"/>
+                </a:lnTo>
+                <a:lnTo>
+                  <a:pt x="1217179" y="659597"/>
+                </a:lnTo>
+                <a:lnTo>
+                  <a:pt x="1219200" y="609600"/>
+                </a:lnTo>
+                <a:lnTo>
+                  <a:pt x="1217179" y="559602"/>
+                </a:lnTo>
+                <a:lnTo>
+                  <a:pt x="1211221" y="510718"/>
+                </a:lnTo>
+                <a:lnTo>
+                  <a:pt x="1201483" y="463104"/>
+                </a:lnTo>
+                <a:lnTo>
+                  <a:pt x="1188122" y="416917"/>
+                </a:lnTo>
+                <a:lnTo>
+                  <a:pt x="1171295" y="372314"/>
+                </a:lnTo>
+                <a:lnTo>
+                  <a:pt x="1151158" y="329451"/>
+                </a:lnTo>
+                <a:lnTo>
+                  <a:pt x="1127868" y="288486"/>
+                </a:lnTo>
+                <a:lnTo>
+                  <a:pt x="1101583" y="249576"/>
+                </a:lnTo>
+                <a:lnTo>
+                  <a:pt x="1072459" y="212877"/>
+                </a:lnTo>
+                <a:lnTo>
+                  <a:pt x="1040653" y="178546"/>
+                </a:lnTo>
+                <a:lnTo>
+                  <a:pt x="1006322" y="146740"/>
+                </a:lnTo>
+                <a:lnTo>
+                  <a:pt x="969623" y="117616"/>
+                </a:lnTo>
+                <a:lnTo>
+                  <a:pt x="930713" y="91331"/>
+                </a:lnTo>
+                <a:lnTo>
+                  <a:pt x="889748" y="68041"/>
+                </a:lnTo>
+                <a:lnTo>
+                  <a:pt x="846885" y="47904"/>
+                </a:lnTo>
+                <a:lnTo>
+                  <a:pt x="802282" y="31077"/>
+                </a:lnTo>
+                <a:lnTo>
+                  <a:pt x="756095" y="17716"/>
+                </a:lnTo>
+                <a:lnTo>
+                  <a:pt x="708481" y="7978"/>
+                </a:lnTo>
+                <a:lnTo>
+                  <a:pt x="659597" y="2020"/>
+                </a:lnTo>
+                <a:lnTo>
+                  <a:pt x="609600" y="0"/>
+                </a:lnTo>
+                <a:close/>
+              </a:path>
+            </a:pathLst>
+          </a:custGeom>
+          <a:solidFill>
+            <a:srgbClr val="000000"/>
+          </a:solidFill>
+        </p:spPr>
+        <p:txBody>
+          <a:bodyPr wrap="square" lIns="0" tIns="0" rIns="0" bIns="0" rtlCol="0"/>
+          <a:lstStyle/>
+          <a:p>
+            <a:endParaRPr/>
+          </a:p>
+        </p:txBody>
+      </p:sp>
+      <p:sp>
+        <p:nvSpPr>
+          <p:cNvPr id="20" name="object 20"/>
+          <p:cNvSpPr/>
+          <p:nvPr/>
+        </p:nvSpPr>
+        <p:spPr>
+          <a:xfrm>
+            <a:off x="6477000" y="228600"/>
+            <a:ext cx="1219200" cy="1219200"/>
+          </a:xfrm>
+          <a:custGeom>
+            <a:avLst/>
+            <a:gdLst/>
+            <a:ahLst/>
+            <a:cxnLst/>
+            <a:rect l="l" t="t" r="r" b="b"/>
+            <a:pathLst>
+              <a:path w="1219200" h="1219200">
+                <a:moveTo>
+                  <a:pt x="0" y="609600"/>
+                </a:moveTo>
+                <a:lnTo>
+                  <a:pt x="2020" y="559602"/>
+                </a:lnTo>
+                <a:lnTo>
+                  <a:pt x="7978" y="510718"/>
+                </a:lnTo>
+                <a:lnTo>
+                  <a:pt x="17716" y="463104"/>
+                </a:lnTo>
+                <a:lnTo>
+                  <a:pt x="31077" y="416917"/>
+                </a:lnTo>
+                <a:lnTo>
+                  <a:pt x="47904" y="372314"/>
+                </a:lnTo>
+                <a:lnTo>
+                  <a:pt x="68041" y="329451"/>
+                </a:lnTo>
+                <a:lnTo>
+                  <a:pt x="91331" y="288486"/>
+                </a:lnTo>
+                <a:lnTo>
+                  <a:pt x="117616" y="249576"/>
+                </a:lnTo>
+                <a:lnTo>
+                  <a:pt x="146740" y="212877"/>
+                </a:lnTo>
+                <a:lnTo>
+                  <a:pt x="178546" y="178546"/>
+                </a:lnTo>
+                <a:lnTo>
+                  <a:pt x="212877" y="146740"/>
+                </a:lnTo>
+                <a:lnTo>
+                  <a:pt x="249576" y="117616"/>
+                </a:lnTo>
+                <a:lnTo>
+                  <a:pt x="288486" y="91331"/>
+                </a:lnTo>
+                <a:lnTo>
+                  <a:pt x="329451" y="68041"/>
+                </a:lnTo>
+                <a:lnTo>
+                  <a:pt x="372314" y="47904"/>
+                </a:lnTo>
+                <a:lnTo>
+                  <a:pt x="416917" y="31077"/>
+                </a:lnTo>
+                <a:lnTo>
+                  <a:pt x="463104" y="17716"/>
+                </a:lnTo>
+                <a:lnTo>
+                  <a:pt x="510718" y="7978"/>
+                </a:lnTo>
+                <a:lnTo>
+                  <a:pt x="559602" y="2020"/>
+                </a:lnTo>
+                <a:lnTo>
+                  <a:pt x="609600" y="0"/>
+                </a:lnTo>
+                <a:lnTo>
+                  <a:pt x="659597" y="2020"/>
+                </a:lnTo>
+                <a:lnTo>
+                  <a:pt x="708481" y="7978"/>
+                </a:lnTo>
+                <a:lnTo>
+                  <a:pt x="756095" y="17716"/>
+                </a:lnTo>
+                <a:lnTo>
+                  <a:pt x="802282" y="31077"/>
+                </a:lnTo>
+                <a:lnTo>
+                  <a:pt x="846885" y="47904"/>
+                </a:lnTo>
+                <a:lnTo>
+                  <a:pt x="889748" y="68041"/>
+                </a:lnTo>
+                <a:lnTo>
+                  <a:pt x="930713" y="91331"/>
+                </a:lnTo>
+                <a:lnTo>
+                  <a:pt x="969623" y="117616"/>
+                </a:lnTo>
+                <a:lnTo>
+                  <a:pt x="1006322" y="146740"/>
+                </a:lnTo>
+                <a:lnTo>
+                  <a:pt x="1040653" y="178546"/>
+                </a:lnTo>
+                <a:lnTo>
+                  <a:pt x="1072459" y="212877"/>
+                </a:lnTo>
+                <a:lnTo>
+                  <a:pt x="1101583" y="249576"/>
+                </a:lnTo>
+                <a:lnTo>
+                  <a:pt x="1127868" y="288486"/>
+                </a:lnTo>
+                <a:lnTo>
+                  <a:pt x="1151158" y="329451"/>
+                </a:lnTo>
+                <a:lnTo>
+                  <a:pt x="1171295" y="372314"/>
+                </a:lnTo>
+                <a:lnTo>
+                  <a:pt x="1188122" y="416917"/>
+                </a:lnTo>
+                <a:lnTo>
+                  <a:pt x="1201483" y="463104"/>
+                </a:lnTo>
+                <a:lnTo>
+                  <a:pt x="1211221" y="510718"/>
+                </a:lnTo>
+                <a:lnTo>
+                  <a:pt x="1217179" y="559602"/>
+                </a:lnTo>
+                <a:lnTo>
+                  <a:pt x="1219200" y="609600"/>
+                </a:lnTo>
+                <a:lnTo>
+                  <a:pt x="1217179" y="659597"/>
+                </a:lnTo>
+                <a:lnTo>
+                  <a:pt x="1211221" y="708481"/>
+                </a:lnTo>
+                <a:lnTo>
+                  <a:pt x="1201483" y="756095"/>
+                </a:lnTo>
+                <a:lnTo>
+                  <a:pt x="1188122" y="802282"/>
+                </a:lnTo>
+                <a:lnTo>
+                  <a:pt x="1171295" y="846885"/>
+                </a:lnTo>
+                <a:lnTo>
+                  <a:pt x="1151158" y="889748"/>
+                </a:lnTo>
+                <a:lnTo>
+                  <a:pt x="1127868" y="930713"/>
+                </a:lnTo>
+                <a:lnTo>
+                  <a:pt x="1101583" y="969623"/>
+                </a:lnTo>
+                <a:lnTo>
+                  <a:pt x="1072459" y="1006322"/>
+                </a:lnTo>
+                <a:lnTo>
+                  <a:pt x="1040653" y="1040653"/>
+                </a:lnTo>
+                <a:lnTo>
+                  <a:pt x="1006322" y="1072459"/>
+                </a:lnTo>
+                <a:lnTo>
+                  <a:pt x="969623" y="1101583"/>
+                </a:lnTo>
+                <a:lnTo>
+                  <a:pt x="930713" y="1127868"/>
+                </a:lnTo>
+                <a:lnTo>
+                  <a:pt x="889748" y="1151158"/>
+                </a:lnTo>
+                <a:lnTo>
+                  <a:pt x="846885" y="1171295"/>
+                </a:lnTo>
+                <a:lnTo>
+                  <a:pt x="802282" y="1188122"/>
+                </a:lnTo>
+                <a:lnTo>
+                  <a:pt x="756095" y="1201483"/>
+                </a:lnTo>
+                <a:lnTo>
+                  <a:pt x="708481" y="1211221"/>
+                </a:lnTo>
+                <a:lnTo>
+                  <a:pt x="659597" y="1217179"/>
+                </a:lnTo>
+                <a:lnTo>
+                  <a:pt x="609600" y="1219200"/>
+                </a:lnTo>
+                <a:lnTo>
+                  <a:pt x="559602" y="1217179"/>
+                </a:lnTo>
+                <a:lnTo>
+                  <a:pt x="510718" y="1211221"/>
+                </a:lnTo>
+                <a:lnTo>
+                  <a:pt x="463104" y="1201483"/>
+                </a:lnTo>
+                <a:lnTo>
+                  <a:pt x="416917" y="1188122"/>
+                </a:lnTo>
+                <a:lnTo>
+                  <a:pt x="372314" y="1171295"/>
+                </a:lnTo>
+                <a:lnTo>
+                  <a:pt x="329451" y="1151158"/>
+                </a:lnTo>
+                <a:lnTo>
+                  <a:pt x="288486" y="1127868"/>
+                </a:lnTo>
+                <a:lnTo>
+                  <a:pt x="249576" y="1101583"/>
+                </a:lnTo>
+                <a:lnTo>
+                  <a:pt x="212877" y="1072459"/>
+                </a:lnTo>
+                <a:lnTo>
+                  <a:pt x="178546" y="1040653"/>
+                </a:lnTo>
+                <a:lnTo>
+                  <a:pt x="146740" y="1006322"/>
+                </a:lnTo>
+                <a:lnTo>
+                  <a:pt x="117616" y="969623"/>
+                </a:lnTo>
+                <a:lnTo>
+                  <a:pt x="91331" y="930713"/>
+                </a:lnTo>
+                <a:lnTo>
+                  <a:pt x="68041" y="889748"/>
+                </a:lnTo>
+                <a:lnTo>
+                  <a:pt x="47904" y="846885"/>
+                </a:lnTo>
+                <a:lnTo>
+                  <a:pt x="31077" y="802282"/>
+                </a:lnTo>
+                <a:lnTo>
+                  <a:pt x="17716" y="756095"/>
+                </a:lnTo>
+                <a:lnTo>
+                  <a:pt x="7978" y="708481"/>
+                </a:lnTo>
+                <a:lnTo>
+                  <a:pt x="2020" y="659597"/>
+                </a:lnTo>
+                <a:lnTo>
+                  <a:pt x="0" y="609600"/>
+                </a:lnTo>
+                <a:close/>
+              </a:path>
+            </a:pathLst>
+          </a:custGeom>
+          <a:ln w="25400">
+            <a:solidFill>
+              <a:srgbClr val="000000"/>
+            </a:solidFill>
+          </a:ln>
+        </p:spPr>
+        <p:txBody>
+          <a:bodyPr wrap="square" lIns="0" tIns="0" rIns="0" bIns="0" rtlCol="0"/>
+          <a:lstStyle/>
+          <a:p>
+            <a:endParaRPr/>
+          </a:p>
+        </p:txBody>
+      </p:sp>
+      <p:sp>
+        <p:nvSpPr>
+          <p:cNvPr id="22" name="object 22"/>
+          <p:cNvSpPr/>
+          <p:nvPr/>
+        </p:nvSpPr>
+        <p:spPr>
+          <a:xfrm>
+            <a:off x="6553200" y="304800"/>
+            <a:ext cx="1066800" cy="1066800"/>
+          </a:xfrm>
+          <a:custGeom>
+            <a:avLst/>
+            <a:gdLst/>
+            <a:ahLst/>
+            <a:cxnLst/>
+            <a:rect l="l" t="t" r="r" b="b"/>
+            <a:pathLst>
+              <a:path w="1066800" h="1066800">
+                <a:moveTo>
+                  <a:pt x="0" y="533400"/>
+                </a:moveTo>
+                <a:lnTo>
+                  <a:pt x="1767" y="489645"/>
+                </a:lnTo>
+                <a:lnTo>
+                  <a:pt x="6979" y="446867"/>
+                </a:lnTo>
+                <a:lnTo>
+                  <a:pt x="15499" y="405201"/>
+                </a:lnTo>
+                <a:lnTo>
+                  <a:pt x="27188" y="364784"/>
+                </a:lnTo>
+                <a:lnTo>
+                  <a:pt x="41909" y="325754"/>
+                </a:lnTo>
+                <a:lnTo>
+                  <a:pt x="59527" y="288249"/>
+                </a:lnTo>
+                <a:lnTo>
+                  <a:pt x="79903" y="252404"/>
+                </a:lnTo>
+                <a:lnTo>
+                  <a:pt x="102900" y="218358"/>
+                </a:lnTo>
+                <a:lnTo>
+                  <a:pt x="128381" y="186248"/>
+                </a:lnTo>
+                <a:lnTo>
+                  <a:pt x="156209" y="156210"/>
+                </a:lnTo>
+                <a:lnTo>
+                  <a:pt x="186248" y="128381"/>
+                </a:lnTo>
+                <a:lnTo>
+                  <a:pt x="218358" y="102900"/>
+                </a:lnTo>
+                <a:lnTo>
+                  <a:pt x="252404" y="79903"/>
+                </a:lnTo>
+                <a:lnTo>
+                  <a:pt x="288249" y="59527"/>
+                </a:lnTo>
+                <a:lnTo>
+                  <a:pt x="325754" y="41909"/>
+                </a:lnTo>
+                <a:lnTo>
+                  <a:pt x="364784" y="27188"/>
+                </a:lnTo>
+                <a:lnTo>
+                  <a:pt x="405201" y="15499"/>
+                </a:lnTo>
+                <a:lnTo>
+                  <a:pt x="446867" y="6979"/>
+                </a:lnTo>
+                <a:lnTo>
+                  <a:pt x="489645" y="1767"/>
+                </a:lnTo>
+                <a:lnTo>
+                  <a:pt x="533400" y="0"/>
+                </a:lnTo>
+                <a:lnTo>
+                  <a:pt x="577154" y="1767"/>
+                </a:lnTo>
+                <a:lnTo>
+                  <a:pt x="619932" y="6979"/>
+                </a:lnTo>
+                <a:lnTo>
+                  <a:pt x="661598" y="15499"/>
+                </a:lnTo>
+                <a:lnTo>
+                  <a:pt x="702015" y="27188"/>
+                </a:lnTo>
+                <a:lnTo>
+                  <a:pt x="741045" y="41909"/>
+                </a:lnTo>
+                <a:lnTo>
+                  <a:pt x="778550" y="59527"/>
+                </a:lnTo>
+                <a:lnTo>
+                  <a:pt x="814395" y="79903"/>
+                </a:lnTo>
+                <a:lnTo>
+                  <a:pt x="848441" y="102900"/>
+                </a:lnTo>
+                <a:lnTo>
+                  <a:pt x="880551" y="128381"/>
+                </a:lnTo>
+                <a:lnTo>
+                  <a:pt x="910590" y="156210"/>
+                </a:lnTo>
+                <a:lnTo>
+                  <a:pt x="938418" y="186248"/>
+                </a:lnTo>
+                <a:lnTo>
+                  <a:pt x="963899" y="218358"/>
+                </a:lnTo>
+                <a:lnTo>
+                  <a:pt x="986896" y="252404"/>
+                </a:lnTo>
+                <a:lnTo>
+                  <a:pt x="1007272" y="288249"/>
+                </a:lnTo>
+                <a:lnTo>
+                  <a:pt x="1024890" y="325754"/>
+                </a:lnTo>
+                <a:lnTo>
+                  <a:pt x="1039611" y="364784"/>
+                </a:lnTo>
+                <a:lnTo>
+                  <a:pt x="1051300" y="405201"/>
+                </a:lnTo>
+                <a:lnTo>
+                  <a:pt x="1059820" y="446867"/>
+                </a:lnTo>
+                <a:lnTo>
+                  <a:pt x="1065032" y="489645"/>
+                </a:lnTo>
+                <a:lnTo>
+                  <a:pt x="1066800" y="533400"/>
+                </a:lnTo>
+                <a:lnTo>
+                  <a:pt x="1065032" y="577154"/>
+                </a:lnTo>
+                <a:lnTo>
+                  <a:pt x="1059820" y="619932"/>
+                </a:lnTo>
+                <a:lnTo>
+                  <a:pt x="1051300" y="661598"/>
+                </a:lnTo>
+                <a:lnTo>
+                  <a:pt x="1039611" y="702015"/>
+                </a:lnTo>
+                <a:lnTo>
+                  <a:pt x="1024890" y="741045"/>
+                </a:lnTo>
+                <a:lnTo>
+                  <a:pt x="1007272" y="778550"/>
+                </a:lnTo>
+                <a:lnTo>
+                  <a:pt x="986896" y="814395"/>
+                </a:lnTo>
+                <a:lnTo>
+                  <a:pt x="963899" y="848441"/>
+                </a:lnTo>
+                <a:lnTo>
+                  <a:pt x="938418" y="880551"/>
+                </a:lnTo>
+                <a:lnTo>
+                  <a:pt x="910590" y="910589"/>
+                </a:lnTo>
+                <a:lnTo>
+                  <a:pt x="880551" y="938418"/>
+                </a:lnTo>
+                <a:lnTo>
+                  <a:pt x="848441" y="963899"/>
+                </a:lnTo>
+                <a:lnTo>
+                  <a:pt x="814395" y="986896"/>
+                </a:lnTo>
+                <a:lnTo>
+                  <a:pt x="778550" y="1007272"/>
+                </a:lnTo>
+                <a:lnTo>
+                  <a:pt x="741045" y="1024889"/>
+                </a:lnTo>
+                <a:lnTo>
+                  <a:pt x="702015" y="1039611"/>
+                </a:lnTo>
+                <a:lnTo>
+                  <a:pt x="661598" y="1051300"/>
+                </a:lnTo>
+                <a:lnTo>
+                  <a:pt x="619932" y="1059820"/>
+                </a:lnTo>
+                <a:lnTo>
+                  <a:pt x="577154" y="1065032"/>
+                </a:lnTo>
+                <a:lnTo>
+                  <a:pt x="533400" y="1066800"/>
+                </a:lnTo>
+                <a:lnTo>
+                  <a:pt x="489645" y="1065032"/>
+                </a:lnTo>
+                <a:lnTo>
+                  <a:pt x="446867" y="1059820"/>
+                </a:lnTo>
+                <a:lnTo>
+                  <a:pt x="405201" y="1051300"/>
+                </a:lnTo>
+                <a:lnTo>
+                  <a:pt x="364784" y="1039611"/>
+                </a:lnTo>
+                <a:lnTo>
+                  <a:pt x="325754" y="1024889"/>
+                </a:lnTo>
+                <a:lnTo>
+                  <a:pt x="288249" y="1007272"/>
+                </a:lnTo>
+                <a:lnTo>
+                  <a:pt x="252404" y="986896"/>
+                </a:lnTo>
+                <a:lnTo>
+                  <a:pt x="218358" y="963899"/>
+                </a:lnTo>
+                <a:lnTo>
+                  <a:pt x="186248" y="938418"/>
+                </a:lnTo>
+                <a:lnTo>
+                  <a:pt x="156209" y="910589"/>
+                </a:lnTo>
+                <a:lnTo>
+                  <a:pt x="128381" y="880551"/>
+                </a:lnTo>
+                <a:lnTo>
+                  <a:pt x="102900" y="848441"/>
+                </a:lnTo>
+                <a:lnTo>
+                  <a:pt x="79903" y="814395"/>
+                </a:lnTo>
+                <a:lnTo>
+                  <a:pt x="59527" y="778550"/>
+                </a:lnTo>
+                <a:lnTo>
+                  <a:pt x="41909" y="741045"/>
+                </a:lnTo>
+                <a:lnTo>
+                  <a:pt x="27188" y="702015"/>
+                </a:lnTo>
+                <a:lnTo>
+                  <a:pt x="15499" y="661598"/>
+                </a:lnTo>
+                <a:lnTo>
+                  <a:pt x="6979" y="619932"/>
+                </a:lnTo>
+                <a:lnTo>
+                  <a:pt x="1767" y="577154"/>
+                </a:lnTo>
+                <a:lnTo>
+                  <a:pt x="0" y="533400"/>
+                </a:lnTo>
+                <a:close/>
+              </a:path>
+            </a:pathLst>
+          </a:custGeom>
+          <a:ln w="25400">
+            <a:solidFill>
+              <a:srgbClr val="000000"/>
+            </a:solidFill>
+          </a:ln>
+        </p:spPr>
+        <p:txBody>
+          <a:bodyPr wrap="square" lIns="0" tIns="0" rIns="0" bIns="0" rtlCol="0"/>
+          <a:lstStyle/>
+          <a:p>
+            <a:endParaRPr/>
+          </a:p>
+        </p:txBody>
+      </p:sp>
+      <p:sp>
+        <p:nvSpPr>
+          <p:cNvPr id="23" name="object 23"/>
+          <p:cNvSpPr/>
+          <p:nvPr/>
+        </p:nvSpPr>
+        <p:spPr>
+          <a:xfrm>
+            <a:off x="127205" y="1804035"/>
+            <a:ext cx="8813302" cy="1752600"/>
+          </a:xfrm>
+          <a:prstGeom prst="rect">
+            <a:avLst/>
+          </a:prstGeom>
+          <a:blipFill>
+            <a:blip r:embed="rId14" cstate="print"/>
+            <a:stretch>
+              <a:fillRect/>
+            </a:stretch>
+          </a:blipFill>
+        </p:spPr>
+        <p:txBody>
+          <a:bodyPr wrap="square" lIns="0" tIns="0" rIns="0" bIns="0" rtlCol="0"/>
+          <a:lstStyle/>
+          <a:p>
+            <a:endParaRPr/>
+          </a:p>
+        </p:txBody>
+      </p:sp>
+      <p:sp>
+        <p:nvSpPr>
+          <p:cNvPr id="24" name="object 24"/>
+          <p:cNvSpPr txBox="1">
+            <a:spLocks noGrp="1"/>
+          </p:cNvSpPr>
+          <p:nvPr>
+            <p:ph type="title"/>
+          </p:nvPr>
+        </p:nvSpPr>
+        <p:spPr>
+          <a:xfrm>
+            <a:off x="531934" y="2141981"/>
+            <a:ext cx="8003844" cy="1107996"/>
+          </a:xfrm>
+          <a:prstGeom prst="rect">
+            <a:avLst/>
+          </a:prstGeom>
+        </p:spPr>
+        <p:txBody>
+          <a:bodyPr vert="horz" wrap="square" lIns="0" tIns="0" rIns="0" bIns="0" rtlCol="0">
+            <a:spAutoFit/>
+          </a:bodyPr>
+          <a:lstStyle/>
+          <a:p>
+            <a:pPr marL="1057910">
+              <a:lnSpc>
+                <a:spcPct val="100000"/>
+              </a:lnSpc>
+            </a:pPr>
+            <a:r>
+              <a:rPr lang="en-US" dirty="0"/>
+              <a:t>Which of the following is space research organization?</a:t>
+            </a:r>
+            <a:endParaRPr dirty="0"/>
+          </a:p>
+        </p:txBody>
+      </p:sp>
+    </p:spTree>
+    <p:extLst>
+      <p:ext uri="{BB962C8B-B14F-4D97-AF65-F5344CB8AC3E}">
+        <p14:creationId xmlns:p14="http://schemas.microsoft.com/office/powerpoint/2010/main" val="2360858739"/>
+      </p:ext>
+    </p:extLst>
+  </p:cSld>
+  <p:clrMapOvr>
+    <a:masterClrMapping/>
+  </p:clrMapOvr>
+</p:sld>
+</file>
+
+<file path=ppt/slides/slide4.xml><?xml version="1.0" encoding="utf-8"?>
+<p:sld xmlns:a="http://schemas.openxmlformats.org/drawingml/2006/main" xmlns:r="http://schemas.openxmlformats.org/officeDocument/2006/relationships" xmlns:p="http://schemas.openxmlformats.org/presentationml/2006/main">
+  <p:cSld>
+    <p:spTree>
+      <p:nvGrpSpPr>
+        <p:cNvPr id="1" name=""/>
+        <p:cNvGrpSpPr/>
+        <p:nvPr/>
+      </p:nvGrpSpPr>
+      <p:grpSpPr>
+        <a:xfrm>
+          <a:off x="0" y="0"/>
+          <a:ext cx="0" cy="0"/>
+          <a:chOff x="0" y="0"/>
+          <a:chExt cx="0" cy="0"/>
+        </a:xfrm>
+      </p:grpSpPr>
+      <p:sp>
+        <p:nvSpPr>
           <p:cNvPr id="3" name="object 3"/>
           <p:cNvSpPr/>
           <p:nvPr/>
@@ -30790,7 +32217,7 @@
 </p:sld>
 </file>
 
-<file path=ppt/slides/slide4.xml><?xml version="1.0" encoding="utf-8"?>
+<file path=ppt/slides/slide5.xml><?xml version="1.0" encoding="utf-8"?>
 <p:sld xmlns:a="http://schemas.openxmlformats.org/drawingml/2006/main" xmlns:r="http://schemas.openxmlformats.org/officeDocument/2006/relationships" xmlns:p="http://schemas.openxmlformats.org/presentationml/2006/main">
   <p:cSld>
     <p:spTree>
@@ -32422,7 +33849,7 @@
 </p:sld>
 </file>
 
-<file path=ppt/slides/slide5.xml><?xml version="1.0" encoding="utf-8"?>
+<file path=ppt/slides/slide6.xml><?xml version="1.0" encoding="utf-8"?>
 <p:sld xmlns:a="http://schemas.openxmlformats.org/drawingml/2006/main" xmlns:r="http://schemas.openxmlformats.org/officeDocument/2006/relationships" xmlns:p="http://schemas.openxmlformats.org/presentationml/2006/main">
   <p:cSld>
     <p:spTree>
@@ -33530,7 +34957,7 @@
 </p:sld>
 </file>
 
-<file path=ppt/slides/slide6.xml><?xml version="1.0" encoding="utf-8"?>
+<file path=ppt/slides/slide7.xml><?xml version="1.0" encoding="utf-8"?>
 <p:sld xmlns:a="http://schemas.openxmlformats.org/drawingml/2006/main" xmlns:r="http://schemas.openxmlformats.org/officeDocument/2006/relationships" xmlns:p="http://schemas.openxmlformats.org/presentationml/2006/main">
   <p:cSld>
     <p:spTree>
@@ -35152,7 +36579,7 @@
 </p:sld>
 </file>
 
-<file path=ppt/slides/slide7.xml><?xml version="1.0" encoding="utf-8"?>
+<file path=ppt/slides/slide8.xml><?xml version="1.0" encoding="utf-8"?>
 <p:sld xmlns:a="http://schemas.openxmlformats.org/drawingml/2006/main" xmlns:r="http://schemas.openxmlformats.org/officeDocument/2006/relationships" xmlns:p="http://schemas.openxmlformats.org/presentationml/2006/main">
   <p:cSld>
     <p:spTree>
@@ -36260,7 +37687,7 @@
 </p:sld>
 </file>
 
-<file path=ppt/slides/slide8.xml><?xml version="1.0" encoding="utf-8"?>
+<file path=ppt/slides/slide9.xml><?xml version="1.0" encoding="utf-8"?>
 <p:sld xmlns:a="http://schemas.openxmlformats.org/drawingml/2006/main" xmlns:r="http://schemas.openxmlformats.org/officeDocument/2006/relationships" xmlns:p="http://schemas.openxmlformats.org/presentationml/2006/main">
   <p:cSld>
     <p:spTree>
@@ -37885,1108 +39312,6 @@
         <p14:creationId xmlns:p14="http://schemas.microsoft.com/office/powerpoint/2010/main" val="1558151155"/>
       </p:ext>
     </p:extLst>
-  </p:cSld>
-  <p:clrMapOvr>
-    <a:masterClrMapping/>
-  </p:clrMapOvr>
-</p:sld>
-</file>
-
-<file path=ppt/slides/slide9.xml><?xml version="1.0" encoding="utf-8"?>
-<p:sld xmlns:a="http://schemas.openxmlformats.org/drawingml/2006/main" xmlns:r="http://schemas.openxmlformats.org/officeDocument/2006/relationships" xmlns:p="http://schemas.openxmlformats.org/presentationml/2006/main">
-  <p:cSld>
-    <p:spTree>
-      <p:nvGrpSpPr>
-        <p:cNvPr id="1" name=""/>
-        <p:cNvGrpSpPr/>
-        <p:nvPr/>
-      </p:nvGrpSpPr>
-      <p:grpSpPr>
-        <a:xfrm>
-          <a:off x="0" y="0"/>
-          <a:ext cx="0" cy="0"/>
-          <a:chOff x="0" y="0"/>
-          <a:chExt cx="0" cy="0"/>
-        </a:xfrm>
-      </p:grpSpPr>
-      <p:graphicFrame>
-        <p:nvGraphicFramePr>
-          <p:cNvPr id="7" name="object 2">
-            <a:extLst>
-              <a:ext uri="{FF2B5EF4-FFF2-40B4-BE49-F238E27FC236}">
-                <a16:creationId xmlns:a16="http://schemas.microsoft.com/office/drawing/2014/main" id="{293558D7-0AE1-40F4-A42C-B2887F346BD1}"/>
-              </a:ext>
-            </a:extLst>
-          </p:cNvPr>
-          <p:cNvGraphicFramePr>
-            <a:graphicFrameLocks noGrp="1"/>
-          </p:cNvGraphicFramePr>
-          <p:nvPr>
-            <p:extLst>
-              <p:ext uri="{D42A27DB-BD31-4B8C-83A1-F6EECF244321}">
-                <p14:modId xmlns:p14="http://schemas.microsoft.com/office/powerpoint/2010/main" val="527460239"/>
-              </p:ext>
-            </p:extLst>
-          </p:nvPr>
-        </p:nvGraphicFramePr>
-        <p:xfrm>
-          <a:off x="3333750" y="2057400"/>
-          <a:ext cx="2095891" cy="3999832"/>
-        </p:xfrm>
-        <a:graphic>
-          <a:graphicData uri="http://schemas.openxmlformats.org/drawingml/2006/table">
-            <a:tbl>
-              <a:tblPr firstRow="1" bandRow="1">
-                <a:tableStyleId>{2D5ABB26-0587-4C30-8999-92F81FD0307C}</a:tableStyleId>
-              </a:tblPr>
-              <a:tblGrid>
-                <a:gridCol w="707009">
-                  <a:extLst>
-                    <a:ext uri="{9D8B030D-6E8A-4147-A177-3AD203B41FA5}">
-                      <a16:colId xmlns:a16="http://schemas.microsoft.com/office/drawing/2014/main" val="20000"/>
-                    </a:ext>
-                  </a:extLst>
-                </a:gridCol>
-                <a:gridCol w="1388882">
-                  <a:extLst>
-                    <a:ext uri="{9D8B030D-6E8A-4147-A177-3AD203B41FA5}">
-                      <a16:colId xmlns:a16="http://schemas.microsoft.com/office/drawing/2014/main" val="20001"/>
-                    </a:ext>
-                  </a:extLst>
-                </a:gridCol>
-              </a:tblGrid>
-              <a:tr h="308863">
-                <a:tc>
-                  <a:txBody>
-                    <a:bodyPr/>
-                    <a:lstStyle/>
-                    <a:p>
-                      <a:pPr marL="34925">
-                        <a:lnSpc>
-                          <a:spcPct val="100000"/>
-                        </a:lnSpc>
-                      </a:pPr>
-                      <a:r>
-                        <a:rPr sz="1200" spc="-5" dirty="0">
-                          <a:solidFill>
-                            <a:srgbClr val="FFC000"/>
-                          </a:solidFill>
-                          <a:latin typeface="Arial"/>
-                          <a:cs typeface="Arial"/>
-                        </a:rPr>
-                        <a:t>12</a:t>
-                      </a:r>
-                      <a:endParaRPr sz="1200">
-                        <a:latin typeface="Arial"/>
-                        <a:cs typeface="Arial"/>
-                      </a:endParaRPr>
-                    </a:p>
-                  </a:txBody>
-                  <a:tcPr marL="0" marR="0" marT="0" marB="0">
-                    <a:solidFill>
-                      <a:srgbClr val="000000"/>
-                    </a:solidFill>
-                  </a:tcPr>
-                </a:tc>
-                <a:tc>
-                  <a:txBody>
-                    <a:bodyPr/>
-                    <a:lstStyle/>
-                    <a:p>
-                      <a:pPr marL="492125" algn="r">
-                        <a:lnSpc>
-                          <a:spcPct val="100000"/>
-                        </a:lnSpc>
-                      </a:pPr>
-                      <a:r>
-                        <a:rPr lang="en-US" sz="1200" spc="-5" dirty="0">
-                          <a:solidFill>
-                            <a:srgbClr val="FFC000"/>
-                          </a:solidFill>
-                          <a:latin typeface="Arial"/>
-                          <a:cs typeface="Arial"/>
-                        </a:rPr>
-                        <a:t>110</a:t>
-                      </a:r>
-                      <a:endParaRPr sz="1200" dirty="0">
-                        <a:latin typeface="Arial"/>
-                        <a:cs typeface="Arial"/>
-                      </a:endParaRPr>
-                    </a:p>
-                  </a:txBody>
-                  <a:tcPr marL="0" marR="0" marT="0" marB="0">
-                    <a:solidFill>
-                      <a:srgbClr val="000000"/>
-                    </a:solidFill>
-                  </a:tcPr>
-                </a:tc>
-                <a:extLst>
-                  <a:ext uri="{0D108BD9-81ED-4DB2-BD59-A6C34878D82A}">
-                    <a16:rowId xmlns:a16="http://schemas.microsoft.com/office/drawing/2014/main" val="10000"/>
-                  </a:ext>
-                </a:extLst>
-              </a:tr>
-              <a:tr h="338327">
-                <a:tc>
-                  <a:txBody>
-                    <a:bodyPr/>
-                    <a:lstStyle/>
-                    <a:p>
-                      <a:pPr marL="34925">
-                        <a:lnSpc>
-                          <a:spcPct val="100000"/>
-                        </a:lnSpc>
-                      </a:pPr>
-                      <a:r>
-                        <a:rPr sz="1200" spc="-5" dirty="0">
-                          <a:solidFill>
-                            <a:srgbClr val="FFC000"/>
-                          </a:solidFill>
-                          <a:latin typeface="Arial"/>
-                          <a:cs typeface="Arial"/>
-                        </a:rPr>
-                        <a:t>11</a:t>
-                      </a:r>
-                      <a:endParaRPr sz="1200">
-                        <a:latin typeface="Arial"/>
-                        <a:cs typeface="Arial"/>
-                      </a:endParaRPr>
-                    </a:p>
-                  </a:txBody>
-                  <a:tcPr marL="0" marR="0" marT="0" marB="0">
-                    <a:solidFill>
-                      <a:srgbClr val="000000"/>
-                    </a:solidFill>
-                  </a:tcPr>
-                </a:tc>
-                <a:tc>
-                  <a:txBody>
-                    <a:bodyPr/>
-                    <a:lstStyle/>
-                    <a:p>
-                      <a:pPr marL="629285" algn="r">
-                        <a:lnSpc>
-                          <a:spcPct val="100000"/>
-                        </a:lnSpc>
-                      </a:pPr>
-                      <a:r>
-                        <a:rPr lang="en-US" sz="1200" spc="-5" dirty="0">
-                          <a:solidFill>
-                            <a:srgbClr val="FFC000"/>
-                          </a:solidFill>
-                          <a:latin typeface="Arial"/>
-                          <a:cs typeface="Arial"/>
-                        </a:rPr>
-                        <a:t>100</a:t>
-                      </a:r>
-                      <a:endParaRPr sz="1200" dirty="0">
-                        <a:latin typeface="Arial"/>
-                        <a:cs typeface="Arial"/>
-                      </a:endParaRPr>
-                    </a:p>
-                  </a:txBody>
-                  <a:tcPr marL="0" marR="0" marT="0" marB="0">
-                    <a:solidFill>
-                      <a:srgbClr val="000000"/>
-                    </a:solidFill>
-                  </a:tcPr>
-                </a:tc>
-                <a:extLst>
-                  <a:ext uri="{0D108BD9-81ED-4DB2-BD59-A6C34878D82A}">
-                    <a16:rowId xmlns:a16="http://schemas.microsoft.com/office/drawing/2014/main" val="10001"/>
-                  </a:ext>
-                </a:extLst>
-              </a:tr>
-              <a:tr h="338200">
-                <a:tc>
-                  <a:txBody>
-                    <a:bodyPr/>
-                    <a:lstStyle/>
-                    <a:p>
-                      <a:pPr marL="34925">
-                        <a:lnSpc>
-                          <a:spcPct val="100000"/>
-                        </a:lnSpc>
-                      </a:pPr>
-                      <a:r>
-                        <a:rPr sz="1200" spc="-5" dirty="0">
-                          <a:solidFill>
-                            <a:srgbClr val="FFC000"/>
-                          </a:solidFill>
-                          <a:latin typeface="Arial"/>
-                          <a:cs typeface="Arial"/>
-                        </a:rPr>
-                        <a:t>10</a:t>
-                      </a:r>
-                      <a:endParaRPr sz="1200">
-                        <a:latin typeface="Arial"/>
-                        <a:cs typeface="Arial"/>
-                      </a:endParaRPr>
-                    </a:p>
-                  </a:txBody>
-                  <a:tcPr marL="0" marR="0" marT="0" marB="0">
-                    <a:solidFill>
-                      <a:srgbClr val="000000"/>
-                    </a:solidFill>
-                  </a:tcPr>
-                </a:tc>
-                <a:tc>
-                  <a:txBody>
-                    <a:bodyPr/>
-                    <a:lstStyle/>
-                    <a:p>
-                      <a:pPr marL="629285" algn="r">
-                        <a:lnSpc>
-                          <a:spcPct val="100000"/>
-                        </a:lnSpc>
-                      </a:pPr>
-                      <a:r>
-                        <a:rPr lang="en-US" sz="1200" spc="-5" dirty="0">
-                          <a:solidFill>
-                            <a:srgbClr val="FFC000"/>
-                          </a:solidFill>
-                          <a:latin typeface="Arial"/>
-                          <a:cs typeface="Arial"/>
-                        </a:rPr>
-                        <a:t>90</a:t>
-                      </a:r>
-                      <a:endParaRPr sz="1200" dirty="0">
-                        <a:latin typeface="Arial"/>
-                        <a:cs typeface="Arial"/>
-                      </a:endParaRPr>
-                    </a:p>
-                  </a:txBody>
-                  <a:tcPr marL="0" marR="0" marT="0" marB="0">
-                    <a:solidFill>
-                      <a:srgbClr val="000000"/>
-                    </a:solidFill>
-                  </a:tcPr>
-                </a:tc>
-                <a:extLst>
-                  <a:ext uri="{0D108BD9-81ED-4DB2-BD59-A6C34878D82A}">
-                    <a16:rowId xmlns:a16="http://schemas.microsoft.com/office/drawing/2014/main" val="10002"/>
-                  </a:ext>
-                </a:extLst>
-              </a:tr>
-              <a:tr h="338200">
-                <a:tc>
-                  <a:txBody>
-                    <a:bodyPr/>
-                    <a:lstStyle/>
-                    <a:p>
-                      <a:pPr marL="34925">
-                        <a:lnSpc>
-                          <a:spcPct val="100000"/>
-                        </a:lnSpc>
-                      </a:pPr>
-                      <a:r>
-                        <a:rPr sz="1200" dirty="0">
-                          <a:solidFill>
-                            <a:srgbClr val="FFC000"/>
-                          </a:solidFill>
-                          <a:latin typeface="Arial"/>
-                          <a:cs typeface="Arial"/>
-                        </a:rPr>
-                        <a:t>9</a:t>
-                      </a:r>
-                      <a:endParaRPr sz="1200">
-                        <a:latin typeface="Arial"/>
-                        <a:cs typeface="Arial"/>
-                      </a:endParaRPr>
-                    </a:p>
-                  </a:txBody>
-                  <a:tcPr marL="0" marR="0" marT="0" marB="0">
-                    <a:solidFill>
-                      <a:srgbClr val="000000"/>
-                    </a:solidFill>
-                  </a:tcPr>
-                </a:tc>
-                <a:tc>
-                  <a:txBody>
-                    <a:bodyPr/>
-                    <a:lstStyle/>
-                    <a:p>
-                      <a:pPr marL="629285" algn="r">
-                        <a:lnSpc>
-                          <a:spcPct val="100000"/>
-                        </a:lnSpc>
-                      </a:pPr>
-                      <a:r>
-                        <a:rPr lang="en-US" sz="1200" spc="-5" dirty="0">
-                          <a:solidFill>
-                            <a:srgbClr val="FFC000"/>
-                          </a:solidFill>
-                          <a:latin typeface="Arial"/>
-                          <a:cs typeface="Arial"/>
-                        </a:rPr>
-                        <a:t>80</a:t>
-                      </a:r>
-                      <a:endParaRPr sz="1200" dirty="0">
-                        <a:latin typeface="Arial"/>
-                        <a:cs typeface="Arial"/>
-                      </a:endParaRPr>
-                    </a:p>
-                  </a:txBody>
-                  <a:tcPr marL="0" marR="0" marT="0" marB="0">
-                    <a:solidFill>
-                      <a:srgbClr val="000000"/>
-                    </a:solidFill>
-                  </a:tcPr>
-                </a:tc>
-                <a:extLst>
-                  <a:ext uri="{0D108BD9-81ED-4DB2-BD59-A6C34878D82A}">
-                    <a16:rowId xmlns:a16="http://schemas.microsoft.com/office/drawing/2014/main" val="10003"/>
-                  </a:ext>
-                </a:extLst>
-              </a:tr>
-              <a:tr h="338201">
-                <a:tc>
-                  <a:txBody>
-                    <a:bodyPr/>
-                    <a:lstStyle/>
-                    <a:p>
-                      <a:pPr marL="34925">
-                        <a:lnSpc>
-                          <a:spcPct val="100000"/>
-                        </a:lnSpc>
-                      </a:pPr>
-                      <a:r>
-                        <a:rPr sz="1200" dirty="0">
-                          <a:solidFill>
-                            <a:srgbClr val="FFC000"/>
-                          </a:solidFill>
-                          <a:latin typeface="Arial"/>
-                          <a:cs typeface="Arial"/>
-                        </a:rPr>
-                        <a:t>8</a:t>
-                      </a:r>
-                      <a:endParaRPr sz="1200">
-                        <a:latin typeface="Arial"/>
-                        <a:cs typeface="Arial"/>
-                      </a:endParaRPr>
-                    </a:p>
-                  </a:txBody>
-                  <a:tcPr marL="0" marR="0" marT="0" marB="0">
-                    <a:solidFill>
-                      <a:srgbClr val="000000"/>
-                    </a:solidFill>
-                  </a:tcPr>
-                </a:tc>
-                <a:tc>
-                  <a:txBody>
-                    <a:bodyPr/>
-                    <a:lstStyle/>
-                    <a:p>
-                      <a:pPr marL="718820" algn="r">
-                        <a:lnSpc>
-                          <a:spcPct val="100000"/>
-                        </a:lnSpc>
-                      </a:pPr>
-                      <a:r>
-                        <a:rPr lang="en-US" sz="1200" spc="-5" dirty="0">
-                          <a:solidFill>
-                            <a:srgbClr val="FFC000"/>
-                          </a:solidFill>
-                          <a:latin typeface="Arial"/>
-                          <a:cs typeface="Arial"/>
-                        </a:rPr>
-                        <a:t>70</a:t>
-                      </a:r>
-                      <a:endParaRPr sz="1200" dirty="0">
-                        <a:latin typeface="Arial"/>
-                        <a:cs typeface="Arial"/>
-                      </a:endParaRPr>
-                    </a:p>
-                  </a:txBody>
-                  <a:tcPr marL="0" marR="0" marT="0" marB="0">
-                    <a:solidFill>
-                      <a:srgbClr val="000000"/>
-                    </a:solidFill>
-                  </a:tcPr>
-                </a:tc>
-                <a:extLst>
-                  <a:ext uri="{0D108BD9-81ED-4DB2-BD59-A6C34878D82A}">
-                    <a16:rowId xmlns:a16="http://schemas.microsoft.com/office/drawing/2014/main" val="10004"/>
-                  </a:ext>
-                </a:extLst>
-              </a:tr>
-              <a:tr h="338200">
-                <a:tc>
-                  <a:txBody>
-                    <a:bodyPr/>
-                    <a:lstStyle/>
-                    <a:p>
-                      <a:pPr marL="34925">
-                        <a:lnSpc>
-                          <a:spcPct val="100000"/>
-                        </a:lnSpc>
-                      </a:pPr>
-                      <a:r>
-                        <a:rPr sz="1200" dirty="0">
-                          <a:solidFill>
-                            <a:srgbClr val="FFFFFF"/>
-                          </a:solidFill>
-                          <a:latin typeface="Arial"/>
-                          <a:cs typeface="Arial"/>
-                        </a:rPr>
-                        <a:t>7</a:t>
-                      </a:r>
-                      <a:endParaRPr sz="1200" dirty="0">
-                        <a:latin typeface="Arial"/>
-                        <a:cs typeface="Arial"/>
-                      </a:endParaRPr>
-                    </a:p>
-                  </a:txBody>
-                  <a:tcPr marL="0" marR="0" marT="0" marB="0">
-                    <a:solidFill>
-                      <a:srgbClr val="000000"/>
-                    </a:solidFill>
-                  </a:tcPr>
-                </a:tc>
-                <a:tc>
-                  <a:txBody>
-                    <a:bodyPr/>
-                    <a:lstStyle/>
-                    <a:p>
-                      <a:pPr marL="718820" algn="r">
-                        <a:lnSpc>
-                          <a:spcPct val="100000"/>
-                        </a:lnSpc>
-                      </a:pPr>
-                      <a:r>
-                        <a:rPr lang="en-US" sz="1200" spc="-5" dirty="0">
-                          <a:solidFill>
-                            <a:srgbClr val="FFFFFF"/>
-                          </a:solidFill>
-                          <a:latin typeface="Arial"/>
-                          <a:cs typeface="Arial"/>
-                        </a:rPr>
-                        <a:t>60</a:t>
-                      </a:r>
-                      <a:endParaRPr sz="1200" dirty="0">
-                        <a:latin typeface="Arial"/>
-                        <a:cs typeface="Arial"/>
-                      </a:endParaRPr>
-                    </a:p>
-                  </a:txBody>
-                  <a:tcPr marL="0" marR="0" marT="0" marB="0">
-                    <a:solidFill>
-                      <a:srgbClr val="000000"/>
-                    </a:solidFill>
-                  </a:tcPr>
-                </a:tc>
-                <a:extLst>
-                  <a:ext uri="{0D108BD9-81ED-4DB2-BD59-A6C34878D82A}">
-                    <a16:rowId xmlns:a16="http://schemas.microsoft.com/office/drawing/2014/main" val="10005"/>
-                  </a:ext>
-                </a:extLst>
-              </a:tr>
-              <a:tr h="338137">
-                <a:tc>
-                  <a:txBody>
-                    <a:bodyPr/>
-                    <a:lstStyle/>
-                    <a:p>
-                      <a:pPr marL="34925">
-                        <a:lnSpc>
-                          <a:spcPct val="100000"/>
-                        </a:lnSpc>
-                      </a:pPr>
-                      <a:r>
-                        <a:rPr sz="1200" dirty="0">
-                          <a:solidFill>
-                            <a:srgbClr val="FFC000"/>
-                          </a:solidFill>
-                          <a:latin typeface="Arial"/>
-                          <a:cs typeface="Arial"/>
-                        </a:rPr>
-                        <a:t>6</a:t>
-                      </a:r>
-                      <a:endParaRPr sz="1200">
-                        <a:latin typeface="Arial"/>
-                        <a:cs typeface="Arial"/>
-                      </a:endParaRPr>
-                    </a:p>
-                  </a:txBody>
-                  <a:tcPr marL="0" marR="0" marT="0" marB="0">
-                    <a:solidFill>
-                      <a:srgbClr val="000000"/>
-                    </a:solidFill>
-                  </a:tcPr>
-                </a:tc>
-                <a:tc>
-                  <a:txBody>
-                    <a:bodyPr/>
-                    <a:lstStyle/>
-                    <a:p>
-                      <a:pPr marL="718820" algn="r">
-                        <a:lnSpc>
-                          <a:spcPct val="100000"/>
-                        </a:lnSpc>
-                      </a:pPr>
-                      <a:r>
-                        <a:rPr lang="en-US" sz="1200" spc="-5" dirty="0">
-                          <a:solidFill>
-                            <a:srgbClr val="FFC000"/>
-                          </a:solidFill>
-                          <a:latin typeface="Arial"/>
-                          <a:cs typeface="Arial"/>
-                        </a:rPr>
-                        <a:t>50</a:t>
-                      </a:r>
-                      <a:endParaRPr sz="1200" dirty="0">
-                        <a:latin typeface="Arial"/>
-                        <a:cs typeface="Arial"/>
-                      </a:endParaRPr>
-                    </a:p>
-                  </a:txBody>
-                  <a:tcPr marL="0" marR="0" marT="0" marB="0">
-                    <a:solidFill>
-                      <a:srgbClr val="000000"/>
-                    </a:solidFill>
-                  </a:tcPr>
-                </a:tc>
-                <a:extLst>
-                  <a:ext uri="{0D108BD9-81ED-4DB2-BD59-A6C34878D82A}">
-                    <a16:rowId xmlns:a16="http://schemas.microsoft.com/office/drawing/2014/main" val="10006"/>
-                  </a:ext>
-                </a:extLst>
-              </a:tr>
-              <a:tr h="338137">
-                <a:tc>
-                  <a:txBody>
-                    <a:bodyPr/>
-                    <a:lstStyle/>
-                    <a:p>
-                      <a:pPr marL="34925">
-                        <a:lnSpc>
-                          <a:spcPct val="100000"/>
-                        </a:lnSpc>
-                      </a:pPr>
-                      <a:r>
-                        <a:rPr sz="1200" dirty="0">
-                          <a:solidFill>
-                            <a:srgbClr val="FFC000"/>
-                          </a:solidFill>
-                          <a:latin typeface="Arial"/>
-                          <a:cs typeface="Arial"/>
-                        </a:rPr>
-                        <a:t>5</a:t>
-                      </a:r>
-                      <a:endParaRPr sz="1200">
-                        <a:latin typeface="Arial"/>
-                        <a:cs typeface="Arial"/>
-                      </a:endParaRPr>
-                    </a:p>
-                  </a:txBody>
-                  <a:tcPr marL="0" marR="0" marT="0" marB="0">
-                    <a:solidFill>
-                      <a:srgbClr val="000000"/>
-                    </a:solidFill>
-                  </a:tcPr>
-                </a:tc>
-                <a:tc>
-                  <a:txBody>
-                    <a:bodyPr/>
-                    <a:lstStyle/>
-                    <a:p>
-                      <a:pPr marL="855980" algn="r">
-                        <a:lnSpc>
-                          <a:spcPct val="100000"/>
-                        </a:lnSpc>
-                      </a:pPr>
-                      <a:r>
-                        <a:rPr lang="en-US" sz="1200" spc="-5" dirty="0">
-                          <a:solidFill>
-                            <a:srgbClr val="FFC000"/>
-                          </a:solidFill>
-                          <a:latin typeface="Arial"/>
-                          <a:cs typeface="Arial"/>
-                        </a:rPr>
-                        <a:t>40</a:t>
-                      </a:r>
-                      <a:endParaRPr sz="1200" dirty="0">
-                        <a:latin typeface="Arial"/>
-                        <a:cs typeface="Arial"/>
-                      </a:endParaRPr>
-                    </a:p>
-                  </a:txBody>
-                  <a:tcPr marL="0" marR="0" marT="0" marB="0">
-                    <a:solidFill>
-                      <a:srgbClr val="000000"/>
-                    </a:solidFill>
-                  </a:tcPr>
-                </a:tc>
-                <a:extLst>
-                  <a:ext uri="{0D108BD9-81ED-4DB2-BD59-A6C34878D82A}">
-                    <a16:rowId xmlns:a16="http://schemas.microsoft.com/office/drawing/2014/main" val="10007"/>
-                  </a:ext>
-                </a:extLst>
-              </a:tr>
-              <a:tr h="338327">
-                <a:tc>
-                  <a:txBody>
-                    <a:bodyPr/>
-                    <a:lstStyle/>
-                    <a:p>
-                      <a:pPr marL="34925">
-                        <a:lnSpc>
-                          <a:spcPct val="100000"/>
-                        </a:lnSpc>
-                      </a:pPr>
-                      <a:r>
-                        <a:rPr sz="1200" dirty="0">
-                          <a:solidFill>
-                            <a:srgbClr val="FFC000"/>
-                          </a:solidFill>
-                          <a:latin typeface="Arial"/>
-                          <a:cs typeface="Arial"/>
-                        </a:rPr>
-                        <a:t>4</a:t>
-                      </a:r>
-                      <a:endParaRPr sz="1200">
-                        <a:latin typeface="Arial"/>
-                        <a:cs typeface="Arial"/>
-                      </a:endParaRPr>
-                    </a:p>
-                  </a:txBody>
-                  <a:tcPr marL="0" marR="0" marT="0" marB="0">
-                    <a:solidFill>
-                      <a:srgbClr val="000000"/>
-                    </a:solidFill>
-                  </a:tcPr>
-                </a:tc>
-                <a:tc>
-                  <a:txBody>
-                    <a:bodyPr/>
-                    <a:lstStyle/>
-                    <a:p>
-                      <a:pPr marL="855980" algn="r">
-                        <a:lnSpc>
-                          <a:spcPct val="100000"/>
-                        </a:lnSpc>
-                      </a:pPr>
-                      <a:r>
-                        <a:rPr lang="en-US" sz="1200" spc="-5" dirty="0">
-                          <a:solidFill>
-                            <a:srgbClr val="FFC000"/>
-                          </a:solidFill>
-                          <a:latin typeface="Arial"/>
-                          <a:cs typeface="Arial"/>
-                        </a:rPr>
-                        <a:t>30</a:t>
-                      </a:r>
-                      <a:endParaRPr sz="1200" dirty="0">
-                        <a:latin typeface="Arial"/>
-                        <a:cs typeface="Arial"/>
-                      </a:endParaRPr>
-                    </a:p>
-                  </a:txBody>
-                  <a:tcPr marL="0" marR="0" marT="0" marB="0">
-                    <a:solidFill>
-                      <a:srgbClr val="000000"/>
-                    </a:solidFill>
-                  </a:tcPr>
-                </a:tc>
-                <a:extLst>
-                  <a:ext uri="{0D108BD9-81ED-4DB2-BD59-A6C34878D82A}">
-                    <a16:rowId xmlns:a16="http://schemas.microsoft.com/office/drawing/2014/main" val="10008"/>
-                  </a:ext>
-                </a:extLst>
-              </a:tr>
-              <a:tr h="338188">
-                <a:tc>
-                  <a:txBody>
-                    <a:bodyPr/>
-                    <a:lstStyle/>
-                    <a:p>
-                      <a:pPr marL="34925">
-                        <a:lnSpc>
-                          <a:spcPct val="100000"/>
-                        </a:lnSpc>
-                      </a:pPr>
-                      <a:r>
-                        <a:rPr sz="1200" dirty="0">
-                          <a:solidFill>
-                            <a:srgbClr val="FFC000"/>
-                          </a:solidFill>
-                          <a:latin typeface="Arial"/>
-                          <a:cs typeface="Arial"/>
-                        </a:rPr>
-                        <a:t>3</a:t>
-                      </a:r>
-                      <a:endParaRPr sz="1200">
-                        <a:latin typeface="Arial"/>
-                        <a:cs typeface="Arial"/>
-                      </a:endParaRPr>
-                    </a:p>
-                  </a:txBody>
-                  <a:tcPr marL="0" marR="0" marT="0" marB="0">
-                    <a:solidFill>
-                      <a:srgbClr val="000000"/>
-                    </a:solidFill>
-                  </a:tcPr>
-                </a:tc>
-                <a:tc>
-                  <a:txBody>
-                    <a:bodyPr/>
-                    <a:lstStyle/>
-                    <a:p>
-                      <a:pPr marL="855980" algn="r">
-                        <a:lnSpc>
-                          <a:spcPct val="100000"/>
-                        </a:lnSpc>
-                      </a:pPr>
-                      <a:r>
-                        <a:rPr sz="1200" spc="-5" dirty="0">
-                          <a:solidFill>
-                            <a:srgbClr val="FFC000"/>
-                          </a:solidFill>
-                          <a:latin typeface="Arial"/>
-                          <a:cs typeface="Arial"/>
-                        </a:rPr>
-                        <a:t>20</a:t>
-                      </a:r>
-                      <a:endParaRPr sz="1200" dirty="0">
-                        <a:latin typeface="Arial"/>
-                        <a:cs typeface="Arial"/>
-                      </a:endParaRPr>
-                    </a:p>
-                  </a:txBody>
-                  <a:tcPr marL="0" marR="0" marT="0" marB="0">
-                    <a:solidFill>
-                      <a:srgbClr val="000000"/>
-                    </a:solidFill>
-                  </a:tcPr>
-                </a:tc>
-                <a:extLst>
-                  <a:ext uri="{0D108BD9-81ED-4DB2-BD59-A6C34878D82A}">
-                    <a16:rowId xmlns:a16="http://schemas.microsoft.com/office/drawing/2014/main" val="10009"/>
-                  </a:ext>
-                </a:extLst>
-              </a:tr>
-              <a:tr h="338188">
-                <a:tc>
-                  <a:txBody>
-                    <a:bodyPr/>
-                    <a:lstStyle/>
-                    <a:p>
-                      <a:pPr marL="34925">
-                        <a:lnSpc>
-                          <a:spcPct val="100000"/>
-                        </a:lnSpc>
-                      </a:pPr>
-                      <a:r>
-                        <a:rPr sz="1200" dirty="0">
-                          <a:solidFill>
-                            <a:srgbClr val="FFFFFF"/>
-                          </a:solidFill>
-                          <a:latin typeface="Arial"/>
-                          <a:cs typeface="Arial"/>
-                        </a:rPr>
-                        <a:t>2</a:t>
-                      </a:r>
-                      <a:endParaRPr sz="1200" dirty="0">
-                        <a:latin typeface="Arial"/>
-                        <a:cs typeface="Arial"/>
-                      </a:endParaRPr>
-                    </a:p>
-                  </a:txBody>
-                  <a:tcPr marL="0" marR="0" marT="0" marB="0">
-                    <a:solidFill>
-                      <a:srgbClr val="000000"/>
-                    </a:solidFill>
-                  </a:tcPr>
-                </a:tc>
-                <a:tc>
-                  <a:txBody>
-                    <a:bodyPr/>
-                    <a:lstStyle/>
-                    <a:p>
-                      <a:pPr marL="855980" algn="r">
-                        <a:lnSpc>
-                          <a:spcPct val="100000"/>
-                        </a:lnSpc>
-                      </a:pPr>
-                      <a:r>
-                        <a:rPr sz="1200" spc="-5" dirty="0">
-                          <a:solidFill>
-                            <a:srgbClr val="FFFFFF"/>
-                          </a:solidFill>
-                          <a:latin typeface="Arial"/>
-                          <a:cs typeface="Arial"/>
-                        </a:rPr>
-                        <a:t>10</a:t>
-                      </a:r>
-                      <a:endParaRPr sz="1200" dirty="0">
-                        <a:latin typeface="Arial"/>
-                        <a:cs typeface="Arial"/>
-                      </a:endParaRPr>
-                    </a:p>
-                  </a:txBody>
-                  <a:tcPr marL="0" marR="0" marT="0" marB="0">
-                    <a:solidFill>
-                      <a:srgbClr val="000000"/>
-                    </a:solidFill>
-                  </a:tcPr>
-                </a:tc>
-                <a:extLst>
-                  <a:ext uri="{0D108BD9-81ED-4DB2-BD59-A6C34878D82A}">
-                    <a16:rowId xmlns:a16="http://schemas.microsoft.com/office/drawing/2014/main" val="10010"/>
-                  </a:ext>
-                </a:extLst>
-              </a:tr>
-              <a:tr h="308864">
-                <a:tc>
-                  <a:txBody>
-                    <a:bodyPr/>
-                    <a:lstStyle/>
-                    <a:p>
-                      <a:pPr marL="34925">
-                        <a:lnSpc>
-                          <a:spcPct val="100000"/>
-                        </a:lnSpc>
-                      </a:pPr>
-                      <a:r>
-                        <a:rPr sz="1200" dirty="0">
-                          <a:solidFill>
-                            <a:srgbClr val="FFC000"/>
-                          </a:solidFill>
-                          <a:latin typeface="Arial"/>
-                          <a:cs typeface="Arial"/>
-                        </a:rPr>
-                        <a:t>1</a:t>
-                      </a:r>
-                      <a:endParaRPr sz="1200">
-                        <a:latin typeface="Arial"/>
-                        <a:cs typeface="Arial"/>
-                      </a:endParaRPr>
-                    </a:p>
-                  </a:txBody>
-                  <a:tcPr marL="0" marR="0" marT="0" marB="0"/>
-                </a:tc>
-                <a:tc>
-                  <a:txBody>
-                    <a:bodyPr/>
-                    <a:lstStyle/>
-                    <a:p>
-                      <a:pPr marR="27305" algn="r">
-                        <a:lnSpc>
-                          <a:spcPct val="100000"/>
-                        </a:lnSpc>
-                      </a:pPr>
-                      <a:r>
-                        <a:rPr sz="1200" spc="-5" dirty="0">
-                          <a:solidFill>
-                            <a:srgbClr val="FFC000"/>
-                          </a:solidFill>
-                          <a:latin typeface="Arial"/>
-                          <a:cs typeface="Arial"/>
-                        </a:rPr>
-                        <a:t>5</a:t>
-                      </a:r>
-                      <a:endParaRPr sz="1200" dirty="0">
-                        <a:latin typeface="Arial"/>
-                        <a:cs typeface="Arial"/>
-                      </a:endParaRPr>
-                    </a:p>
-                  </a:txBody>
-                  <a:tcPr marL="0" marR="0" marT="0" marB="0"/>
-                </a:tc>
-                <a:extLst>
-                  <a:ext uri="{0D108BD9-81ED-4DB2-BD59-A6C34878D82A}">
-                    <a16:rowId xmlns:a16="http://schemas.microsoft.com/office/drawing/2014/main" val="10011"/>
-                  </a:ext>
-                </a:extLst>
-              </a:tr>
-            </a:tbl>
-          </a:graphicData>
-        </a:graphic>
-      </p:graphicFrame>
-      <p:sp>
-        <p:nvSpPr>
-          <p:cNvPr id="3" name="object 3"/>
-          <p:cNvSpPr/>
-          <p:nvPr/>
-        </p:nvSpPr>
-        <p:spPr>
-          <a:xfrm>
-            <a:off x="1371600" y="145287"/>
-            <a:ext cx="5518404" cy="1435861"/>
-          </a:xfrm>
-          <a:prstGeom prst="rect">
-            <a:avLst/>
-          </a:prstGeom>
-          <a:blipFill>
-            <a:blip r:embed="rId3" cstate="print"/>
-            <a:stretch>
-              <a:fillRect/>
-            </a:stretch>
-          </a:blipFill>
-        </p:spPr>
-        <p:txBody>
-          <a:bodyPr wrap="square" lIns="0" tIns="0" rIns="0" bIns="0" rtlCol="0"/>
-          <a:lstStyle/>
-          <a:p>
-            <a:endParaRPr/>
-          </a:p>
-        </p:txBody>
-      </p:sp>
-      <p:sp>
-        <p:nvSpPr>
-          <p:cNvPr id="4" name="object 4"/>
-          <p:cNvSpPr/>
-          <p:nvPr/>
-        </p:nvSpPr>
-        <p:spPr>
-          <a:xfrm>
-            <a:off x="3162495" y="4648200"/>
-            <a:ext cx="2438400" cy="375285"/>
-          </a:xfrm>
-          <a:custGeom>
-            <a:avLst/>
-            <a:gdLst/>
-            <a:ahLst/>
-            <a:cxnLst/>
-            <a:rect l="l" t="t" r="r" b="b"/>
-            <a:pathLst>
-              <a:path w="2438400" h="375285">
-                <a:moveTo>
-                  <a:pt x="2186178" y="0"/>
-                </a:moveTo>
-                <a:lnTo>
-                  <a:pt x="210185" y="0"/>
-                </a:lnTo>
-                <a:lnTo>
-                  <a:pt x="201853" y="1911"/>
-                </a:lnTo>
-                <a:lnTo>
-                  <a:pt x="164431" y="23610"/>
-                </a:lnTo>
-                <a:lnTo>
-                  <a:pt x="133072" y="51169"/>
-                </a:lnTo>
-                <a:lnTo>
-                  <a:pt x="99975" y="84682"/>
-                </a:lnTo>
-                <a:lnTo>
-                  <a:pt x="54826" y="132838"/>
-                </a:lnTo>
-                <a:lnTo>
-                  <a:pt x="43597" y="144670"/>
-                </a:lnTo>
-                <a:lnTo>
-                  <a:pt x="32464" y="156171"/>
-                </a:lnTo>
-                <a:lnTo>
-                  <a:pt x="21463" y="167218"/>
-                </a:lnTo>
-                <a:lnTo>
-                  <a:pt x="10629" y="177686"/>
-                </a:lnTo>
-                <a:lnTo>
-                  <a:pt x="0" y="187452"/>
-                </a:lnTo>
-                <a:lnTo>
-                  <a:pt x="10629" y="197205"/>
-                </a:lnTo>
-                <a:lnTo>
-                  <a:pt x="43597" y="229893"/>
-                </a:lnTo>
-                <a:lnTo>
-                  <a:pt x="88725" y="277199"/>
-                </a:lnTo>
-                <a:lnTo>
-                  <a:pt x="99975" y="288927"/>
-                </a:lnTo>
-                <a:lnTo>
-                  <a:pt x="133072" y="322042"/>
-                </a:lnTo>
-                <a:lnTo>
-                  <a:pt x="164431" y="349650"/>
-                </a:lnTo>
-                <a:lnTo>
-                  <a:pt x="201853" y="372552"/>
-                </a:lnTo>
-                <a:lnTo>
-                  <a:pt x="210185" y="375031"/>
-                </a:lnTo>
-                <a:lnTo>
-                  <a:pt x="2192634" y="374908"/>
-                </a:lnTo>
-                <a:lnTo>
-                  <a:pt x="2230052" y="356991"/>
-                </a:lnTo>
-                <a:lnTo>
-                  <a:pt x="2267425" y="329558"/>
-                </a:lnTo>
-                <a:lnTo>
-                  <a:pt x="2309708" y="294740"/>
-                </a:lnTo>
-                <a:lnTo>
-                  <a:pt x="2383590" y="231563"/>
-                </a:lnTo>
-                <a:lnTo>
-                  <a:pt x="2397958" y="219539"/>
-                </a:lnTo>
-                <a:lnTo>
-                  <a:pt x="2411950" y="208076"/>
-                </a:lnTo>
-                <a:lnTo>
-                  <a:pt x="2425464" y="197329"/>
-                </a:lnTo>
-                <a:lnTo>
-                  <a:pt x="2438400" y="187452"/>
-                </a:lnTo>
-                <a:lnTo>
-                  <a:pt x="2425544" y="177633"/>
-                </a:lnTo>
-                <a:lnTo>
-                  <a:pt x="2412251" y="167016"/>
-                </a:lnTo>
-                <a:lnTo>
-                  <a:pt x="2398599" y="155741"/>
-                </a:lnTo>
-                <a:lnTo>
-                  <a:pt x="2384663" y="143950"/>
-                </a:lnTo>
-                <a:lnTo>
-                  <a:pt x="2313442" y="82178"/>
-                </a:lnTo>
-                <a:lnTo>
-                  <a:pt x="2299430" y="70246"/>
-                </a:lnTo>
-                <a:lnTo>
-                  <a:pt x="2259243" y="37832"/>
-                </a:lnTo>
-                <a:lnTo>
-                  <a:pt x="2223455" y="13447"/>
-                </a:lnTo>
-                <a:lnTo>
-                  <a:pt x="2194147" y="896"/>
-                </a:lnTo>
-                <a:lnTo>
-                  <a:pt x="2186178" y="0"/>
-                </a:lnTo>
-                <a:close/>
-              </a:path>
-            </a:pathLst>
-          </a:custGeom>
-          <a:solidFill>
-            <a:srgbClr val="FFFF00">
-              <a:alpha val="48000"/>
-            </a:srgbClr>
-          </a:solidFill>
-        </p:spPr>
-        <p:txBody>
-          <a:bodyPr wrap="square" lIns="0" tIns="0" rIns="0" bIns="0" rtlCol="0"/>
-          <a:lstStyle/>
-          <a:p>
-            <a:endParaRPr/>
-          </a:p>
-        </p:txBody>
-      </p:sp>
-    </p:spTree>
   </p:cSld>
   <p:clrMapOvr>
     <a:masterClrMapping/>
